--- a/dbatools-MorningChecks.pptx
+++ b/dbatools-MorningChecks.pptx
@@ -5,17 +5,19 @@
     <p:sldMasterId id="2147483671" r:id="rId1"/>
   </p:sldMasterIdLst>
   <p:notesMasterIdLst>
-    <p:notesMasterId r:id="rId10"/>
+    <p:notesMasterId r:id="rId12"/>
   </p:notesMasterIdLst>
   <p:sldIdLst>
     <p:sldId id="256" r:id="rId2"/>
     <p:sldId id="258" r:id="rId3"/>
     <p:sldId id="265" r:id="rId4"/>
-    <p:sldId id="305" r:id="rId5"/>
-    <p:sldId id="306" r:id="rId6"/>
+    <p:sldId id="308" r:id="rId5"/>
+    <p:sldId id="310" r:id="rId6"/>
     <p:sldId id="301" r:id="rId7"/>
-    <p:sldId id="303" r:id="rId8"/>
-    <p:sldId id="307" r:id="rId9"/>
+    <p:sldId id="307" r:id="rId8"/>
+    <p:sldId id="303" r:id="rId9"/>
+    <p:sldId id="305" r:id="rId10"/>
+    <p:sldId id="306" r:id="rId11"/>
   </p:sldIdLst>
   <p:sldSz cx="12192000" cy="6858000"/>
   <p:notesSz cx="6858000" cy="9144000"/>
@@ -115,6 +117,28 @@
     </a:lvl9pPr>
   </p:defaultTextStyle>
   <p:extLst>
+    <p:ext uri="{521415D9-36F7-43E2-AB2F-B90AF26B5E84}">
+      <p14:sectionLst xmlns:p14="http://schemas.microsoft.com/office/powerpoint/2010/main">
+        <p14:section name="Default Section" id="{8D83EFD4-A8A9-4110-8A03-5B52CF334BF8}">
+          <p14:sldIdLst>
+            <p14:sldId id="256"/>
+            <p14:sldId id="258"/>
+            <p14:sldId id="265"/>
+            <p14:sldId id="308"/>
+            <p14:sldId id="310"/>
+            <p14:sldId id="301"/>
+            <p14:sldId id="307"/>
+          </p14:sldIdLst>
+        </p14:section>
+        <p14:section name="old" id="{A72C475F-498A-4A0E-B760-4599D76F4BC4}">
+          <p14:sldIdLst>
+            <p14:sldId id="303"/>
+            <p14:sldId id="305"/>
+            <p14:sldId id="306"/>
+          </p14:sldIdLst>
+        </p14:section>
+      </p14:sectionLst>
+    </p:ext>
     <p:ext uri="{EFAFB233-063F-42B5-8137-9DF3F51BA10A}">
       <p15:sldGuideLst xmlns:p15="http://schemas.microsoft.com/office/powerpoint/2012/main"/>
     </p:ext>
@@ -128,6 +152,2527 @@
     <p1510:client id="{5244996B-F6C8-4A2D-ABDB-BB70B98BEB7A}" v="103" dt="2019-11-13T11:13:37.872"/>
   </p1510:revLst>
 </p1510:revInfo>
+</file>
+
+<file path=ppt/diagrams/colors1.xml><?xml version="1.0" encoding="utf-8"?>
+<dgm:colorsDef xmlns:dgm="http://schemas.openxmlformats.org/drawingml/2006/diagram" xmlns:a="http://schemas.openxmlformats.org/drawingml/2006/main" uniqueId="urn:microsoft.com/office/officeart/2005/8/colors/accent1_2">
+  <dgm:title val=""/>
+  <dgm:desc val=""/>
+  <dgm:catLst>
+    <dgm:cat type="accent1" pri="11200"/>
+  </dgm:catLst>
+  <dgm:styleLbl name="node0">
+    <dgm:fillClrLst meth="repeat">
+      <a:schemeClr val="accent1"/>
+    </dgm:fillClrLst>
+    <dgm:linClrLst meth="repeat">
+      <a:schemeClr val="lt1"/>
+    </dgm:linClrLst>
+    <dgm:effectClrLst/>
+    <dgm:txLinClrLst/>
+    <dgm:txFillClrLst/>
+    <dgm:txEffectClrLst/>
+  </dgm:styleLbl>
+  <dgm:styleLbl name="alignNode1">
+    <dgm:fillClrLst meth="repeat">
+      <a:schemeClr val="accent1"/>
+    </dgm:fillClrLst>
+    <dgm:linClrLst meth="repeat">
+      <a:schemeClr val="accent1"/>
+    </dgm:linClrLst>
+    <dgm:effectClrLst/>
+    <dgm:txLinClrLst/>
+    <dgm:txFillClrLst/>
+    <dgm:txEffectClrLst/>
+  </dgm:styleLbl>
+  <dgm:styleLbl name="node1">
+    <dgm:fillClrLst meth="repeat">
+      <a:schemeClr val="accent1"/>
+    </dgm:fillClrLst>
+    <dgm:linClrLst meth="repeat">
+      <a:schemeClr val="lt1"/>
+    </dgm:linClrLst>
+    <dgm:effectClrLst/>
+    <dgm:txLinClrLst/>
+    <dgm:txFillClrLst/>
+    <dgm:txEffectClrLst/>
+  </dgm:styleLbl>
+  <dgm:styleLbl name="lnNode1">
+    <dgm:fillClrLst meth="repeat">
+      <a:schemeClr val="accent1"/>
+    </dgm:fillClrLst>
+    <dgm:linClrLst meth="repeat">
+      <a:schemeClr val="lt1"/>
+    </dgm:linClrLst>
+    <dgm:effectClrLst/>
+    <dgm:txLinClrLst/>
+    <dgm:txFillClrLst/>
+    <dgm:txEffectClrLst/>
+  </dgm:styleLbl>
+  <dgm:styleLbl name="vennNode1">
+    <dgm:fillClrLst meth="repeat">
+      <a:schemeClr val="accent1">
+        <a:alpha val="50000"/>
+      </a:schemeClr>
+    </dgm:fillClrLst>
+    <dgm:linClrLst meth="repeat">
+      <a:schemeClr val="lt1"/>
+    </dgm:linClrLst>
+    <dgm:effectClrLst/>
+    <dgm:txLinClrLst/>
+    <dgm:txFillClrLst/>
+    <dgm:txEffectClrLst/>
+  </dgm:styleLbl>
+  <dgm:styleLbl name="node2">
+    <dgm:fillClrLst meth="repeat">
+      <a:schemeClr val="accent1"/>
+    </dgm:fillClrLst>
+    <dgm:linClrLst meth="repeat">
+      <a:schemeClr val="lt1"/>
+    </dgm:linClrLst>
+    <dgm:effectClrLst/>
+    <dgm:txLinClrLst/>
+    <dgm:txFillClrLst/>
+    <dgm:txEffectClrLst/>
+  </dgm:styleLbl>
+  <dgm:styleLbl name="node3">
+    <dgm:fillClrLst meth="repeat">
+      <a:schemeClr val="accent1"/>
+    </dgm:fillClrLst>
+    <dgm:linClrLst meth="repeat">
+      <a:schemeClr val="lt1"/>
+    </dgm:linClrLst>
+    <dgm:effectClrLst/>
+    <dgm:txLinClrLst/>
+    <dgm:txFillClrLst/>
+    <dgm:txEffectClrLst/>
+  </dgm:styleLbl>
+  <dgm:styleLbl name="node4">
+    <dgm:fillClrLst meth="repeat">
+      <a:schemeClr val="accent1"/>
+    </dgm:fillClrLst>
+    <dgm:linClrLst meth="repeat">
+      <a:schemeClr val="lt1"/>
+    </dgm:linClrLst>
+    <dgm:effectClrLst/>
+    <dgm:txLinClrLst/>
+    <dgm:txFillClrLst/>
+    <dgm:txEffectClrLst/>
+  </dgm:styleLbl>
+  <dgm:styleLbl name="fgImgPlace1">
+    <dgm:fillClrLst meth="repeat">
+      <a:schemeClr val="accent1">
+        <a:tint val="50000"/>
+      </a:schemeClr>
+    </dgm:fillClrLst>
+    <dgm:linClrLst meth="repeat">
+      <a:schemeClr val="lt1"/>
+    </dgm:linClrLst>
+    <dgm:effectClrLst/>
+    <dgm:txLinClrLst/>
+    <dgm:txFillClrLst meth="repeat">
+      <a:schemeClr val="lt1"/>
+    </dgm:txFillClrLst>
+    <dgm:txEffectClrLst/>
+  </dgm:styleLbl>
+  <dgm:styleLbl name="alignImgPlace1">
+    <dgm:fillClrLst meth="repeat">
+      <a:schemeClr val="accent1">
+        <a:tint val="50000"/>
+      </a:schemeClr>
+    </dgm:fillClrLst>
+    <dgm:linClrLst meth="repeat">
+      <a:schemeClr val="lt1"/>
+    </dgm:linClrLst>
+    <dgm:effectClrLst/>
+    <dgm:txLinClrLst/>
+    <dgm:txFillClrLst meth="repeat">
+      <a:schemeClr val="lt1"/>
+    </dgm:txFillClrLst>
+    <dgm:txEffectClrLst/>
+  </dgm:styleLbl>
+  <dgm:styleLbl name="bgImgPlace1">
+    <dgm:fillClrLst meth="repeat">
+      <a:schemeClr val="accent1">
+        <a:tint val="50000"/>
+      </a:schemeClr>
+    </dgm:fillClrLst>
+    <dgm:linClrLst meth="repeat">
+      <a:schemeClr val="lt1"/>
+    </dgm:linClrLst>
+    <dgm:effectClrLst/>
+    <dgm:txLinClrLst/>
+    <dgm:txFillClrLst meth="repeat">
+      <a:schemeClr val="lt1"/>
+    </dgm:txFillClrLst>
+    <dgm:txEffectClrLst/>
+  </dgm:styleLbl>
+  <dgm:styleLbl name="sibTrans2D1">
+    <dgm:fillClrLst meth="repeat">
+      <a:schemeClr val="accent1">
+        <a:tint val="60000"/>
+      </a:schemeClr>
+    </dgm:fillClrLst>
+    <dgm:linClrLst meth="repeat">
+      <a:schemeClr val="accent1">
+        <a:tint val="60000"/>
+      </a:schemeClr>
+    </dgm:linClrLst>
+    <dgm:effectClrLst/>
+    <dgm:txLinClrLst/>
+    <dgm:txFillClrLst/>
+    <dgm:txEffectClrLst/>
+  </dgm:styleLbl>
+  <dgm:styleLbl name="fgSibTrans2D1">
+    <dgm:fillClrLst meth="repeat">
+      <a:schemeClr val="accent1">
+        <a:tint val="60000"/>
+      </a:schemeClr>
+    </dgm:fillClrLst>
+    <dgm:linClrLst meth="repeat">
+      <a:schemeClr val="accent1">
+        <a:tint val="60000"/>
+      </a:schemeClr>
+    </dgm:linClrLst>
+    <dgm:effectClrLst/>
+    <dgm:txLinClrLst/>
+    <dgm:txFillClrLst/>
+    <dgm:txEffectClrLst/>
+  </dgm:styleLbl>
+  <dgm:styleLbl name="bgSibTrans2D1">
+    <dgm:fillClrLst meth="repeat">
+      <a:schemeClr val="accent1">
+        <a:tint val="60000"/>
+      </a:schemeClr>
+    </dgm:fillClrLst>
+    <dgm:linClrLst meth="repeat">
+      <a:schemeClr val="accent1">
+        <a:tint val="60000"/>
+      </a:schemeClr>
+    </dgm:linClrLst>
+    <dgm:effectClrLst/>
+    <dgm:txLinClrLst/>
+    <dgm:txFillClrLst/>
+    <dgm:txEffectClrLst/>
+  </dgm:styleLbl>
+  <dgm:styleLbl name="sibTrans1D1">
+    <dgm:fillClrLst meth="repeat">
+      <a:schemeClr val="accent1"/>
+    </dgm:fillClrLst>
+    <dgm:linClrLst meth="repeat">
+      <a:schemeClr val="accent1"/>
+    </dgm:linClrLst>
+    <dgm:effectClrLst/>
+    <dgm:txLinClrLst/>
+    <dgm:txFillClrLst meth="repeat">
+      <a:schemeClr val="tx1"/>
+    </dgm:txFillClrLst>
+    <dgm:txEffectClrLst/>
+  </dgm:styleLbl>
+  <dgm:styleLbl name="callout">
+    <dgm:fillClrLst meth="repeat">
+      <a:schemeClr val="accent1"/>
+    </dgm:fillClrLst>
+    <dgm:linClrLst meth="repeat">
+      <a:schemeClr val="accent1">
+        <a:tint val="50000"/>
+      </a:schemeClr>
+    </dgm:linClrLst>
+    <dgm:effectClrLst/>
+    <dgm:txLinClrLst/>
+    <dgm:txFillClrLst meth="repeat">
+      <a:schemeClr val="tx1"/>
+    </dgm:txFillClrLst>
+    <dgm:txEffectClrLst/>
+  </dgm:styleLbl>
+  <dgm:styleLbl name="asst0">
+    <dgm:fillClrLst meth="repeat">
+      <a:schemeClr val="accent1"/>
+    </dgm:fillClrLst>
+    <dgm:linClrLst meth="repeat">
+      <a:schemeClr val="lt1"/>
+    </dgm:linClrLst>
+    <dgm:effectClrLst/>
+    <dgm:txLinClrLst/>
+    <dgm:txFillClrLst/>
+    <dgm:txEffectClrLst/>
+  </dgm:styleLbl>
+  <dgm:styleLbl name="asst1">
+    <dgm:fillClrLst meth="repeat">
+      <a:schemeClr val="accent1"/>
+    </dgm:fillClrLst>
+    <dgm:linClrLst meth="repeat">
+      <a:schemeClr val="lt1"/>
+    </dgm:linClrLst>
+    <dgm:effectClrLst/>
+    <dgm:txLinClrLst/>
+    <dgm:txFillClrLst/>
+    <dgm:txEffectClrLst/>
+  </dgm:styleLbl>
+  <dgm:styleLbl name="asst2">
+    <dgm:fillClrLst meth="repeat">
+      <a:schemeClr val="accent1"/>
+    </dgm:fillClrLst>
+    <dgm:linClrLst meth="repeat">
+      <a:schemeClr val="lt1"/>
+    </dgm:linClrLst>
+    <dgm:effectClrLst/>
+    <dgm:txLinClrLst/>
+    <dgm:txFillClrLst/>
+    <dgm:txEffectClrLst/>
+  </dgm:styleLbl>
+  <dgm:styleLbl name="asst3">
+    <dgm:fillClrLst meth="repeat">
+      <a:schemeClr val="accent1"/>
+    </dgm:fillClrLst>
+    <dgm:linClrLst meth="repeat">
+      <a:schemeClr val="lt1"/>
+    </dgm:linClrLst>
+    <dgm:effectClrLst/>
+    <dgm:txLinClrLst/>
+    <dgm:txFillClrLst/>
+    <dgm:txEffectClrLst/>
+  </dgm:styleLbl>
+  <dgm:styleLbl name="asst4">
+    <dgm:fillClrLst meth="repeat">
+      <a:schemeClr val="accent1"/>
+    </dgm:fillClrLst>
+    <dgm:linClrLst meth="repeat">
+      <a:schemeClr val="lt1"/>
+    </dgm:linClrLst>
+    <dgm:effectClrLst/>
+    <dgm:txLinClrLst/>
+    <dgm:txFillClrLst/>
+    <dgm:txEffectClrLst/>
+  </dgm:styleLbl>
+  <dgm:styleLbl name="parChTrans2D1">
+    <dgm:fillClrLst meth="repeat">
+      <a:schemeClr val="accent1">
+        <a:tint val="60000"/>
+      </a:schemeClr>
+    </dgm:fillClrLst>
+    <dgm:linClrLst meth="repeat">
+      <a:schemeClr val="accent1">
+        <a:tint val="60000"/>
+      </a:schemeClr>
+    </dgm:linClrLst>
+    <dgm:effectClrLst/>
+    <dgm:txLinClrLst/>
+    <dgm:txFillClrLst meth="repeat">
+      <a:schemeClr val="lt1"/>
+    </dgm:txFillClrLst>
+    <dgm:txEffectClrLst/>
+  </dgm:styleLbl>
+  <dgm:styleLbl name="parChTrans2D2">
+    <dgm:fillClrLst meth="repeat">
+      <a:schemeClr val="accent1"/>
+    </dgm:fillClrLst>
+    <dgm:linClrLst meth="repeat">
+      <a:schemeClr val="accent1"/>
+    </dgm:linClrLst>
+    <dgm:effectClrLst/>
+    <dgm:txLinClrLst/>
+    <dgm:txFillClrLst meth="repeat">
+      <a:schemeClr val="lt1"/>
+    </dgm:txFillClrLst>
+    <dgm:txEffectClrLst/>
+  </dgm:styleLbl>
+  <dgm:styleLbl name="parChTrans2D3">
+    <dgm:fillClrLst meth="repeat">
+      <a:schemeClr val="accent1"/>
+    </dgm:fillClrLst>
+    <dgm:linClrLst meth="repeat">
+      <a:schemeClr val="accent1"/>
+    </dgm:linClrLst>
+    <dgm:effectClrLst/>
+    <dgm:txLinClrLst/>
+    <dgm:txFillClrLst meth="repeat">
+      <a:schemeClr val="lt1"/>
+    </dgm:txFillClrLst>
+    <dgm:txEffectClrLst/>
+  </dgm:styleLbl>
+  <dgm:styleLbl name="parChTrans2D4">
+    <dgm:fillClrLst meth="repeat">
+      <a:schemeClr val="accent1"/>
+    </dgm:fillClrLst>
+    <dgm:linClrLst meth="repeat">
+      <a:schemeClr val="accent1"/>
+    </dgm:linClrLst>
+    <dgm:effectClrLst/>
+    <dgm:txLinClrLst/>
+    <dgm:txFillClrLst meth="repeat">
+      <a:schemeClr val="lt1"/>
+    </dgm:txFillClrLst>
+    <dgm:txEffectClrLst/>
+  </dgm:styleLbl>
+  <dgm:styleLbl name="parChTrans1D1">
+    <dgm:fillClrLst meth="repeat">
+      <a:schemeClr val="accent1"/>
+    </dgm:fillClrLst>
+    <dgm:linClrLst meth="repeat">
+      <a:schemeClr val="accent1">
+        <a:shade val="60000"/>
+      </a:schemeClr>
+    </dgm:linClrLst>
+    <dgm:effectClrLst/>
+    <dgm:txLinClrLst/>
+    <dgm:txFillClrLst meth="repeat">
+      <a:schemeClr val="tx1"/>
+    </dgm:txFillClrLst>
+    <dgm:txEffectClrLst/>
+  </dgm:styleLbl>
+  <dgm:styleLbl name="parChTrans1D2">
+    <dgm:fillClrLst meth="repeat">
+      <a:schemeClr val="accent1"/>
+    </dgm:fillClrLst>
+    <dgm:linClrLst meth="repeat">
+      <a:schemeClr val="accent1">
+        <a:shade val="60000"/>
+      </a:schemeClr>
+    </dgm:linClrLst>
+    <dgm:effectClrLst/>
+    <dgm:txLinClrLst/>
+    <dgm:txFillClrLst meth="repeat">
+      <a:schemeClr val="tx1"/>
+    </dgm:txFillClrLst>
+    <dgm:txEffectClrLst/>
+  </dgm:styleLbl>
+  <dgm:styleLbl name="parChTrans1D3">
+    <dgm:fillClrLst meth="repeat">
+      <a:schemeClr val="accent1"/>
+    </dgm:fillClrLst>
+    <dgm:linClrLst meth="repeat">
+      <a:schemeClr val="accent1">
+        <a:shade val="80000"/>
+      </a:schemeClr>
+    </dgm:linClrLst>
+    <dgm:effectClrLst/>
+    <dgm:txLinClrLst/>
+    <dgm:txFillClrLst meth="repeat">
+      <a:schemeClr val="tx1"/>
+    </dgm:txFillClrLst>
+    <dgm:txEffectClrLst/>
+  </dgm:styleLbl>
+  <dgm:styleLbl name="parChTrans1D4">
+    <dgm:fillClrLst meth="repeat">
+      <a:schemeClr val="accent1"/>
+    </dgm:fillClrLst>
+    <dgm:linClrLst meth="repeat">
+      <a:schemeClr val="accent1">
+        <a:shade val="80000"/>
+      </a:schemeClr>
+    </dgm:linClrLst>
+    <dgm:effectClrLst/>
+    <dgm:txLinClrLst/>
+    <dgm:txFillClrLst meth="repeat">
+      <a:schemeClr val="tx1"/>
+    </dgm:txFillClrLst>
+    <dgm:txEffectClrLst/>
+  </dgm:styleLbl>
+  <dgm:styleLbl name="fgAcc1">
+    <dgm:fillClrLst meth="repeat">
+      <a:schemeClr val="lt1">
+        <a:alpha val="90000"/>
+      </a:schemeClr>
+    </dgm:fillClrLst>
+    <dgm:linClrLst meth="repeat">
+      <a:schemeClr val="accent1"/>
+    </dgm:linClrLst>
+    <dgm:effectClrLst/>
+    <dgm:txLinClrLst/>
+    <dgm:txFillClrLst meth="repeat">
+      <a:schemeClr val="dk1"/>
+    </dgm:txFillClrLst>
+    <dgm:txEffectClrLst/>
+  </dgm:styleLbl>
+  <dgm:styleLbl name="conFgAcc1">
+    <dgm:fillClrLst meth="repeat">
+      <a:schemeClr val="lt1">
+        <a:alpha val="90000"/>
+      </a:schemeClr>
+    </dgm:fillClrLst>
+    <dgm:linClrLst meth="repeat">
+      <a:schemeClr val="accent1"/>
+    </dgm:linClrLst>
+    <dgm:effectClrLst/>
+    <dgm:txLinClrLst/>
+    <dgm:txFillClrLst meth="repeat">
+      <a:schemeClr val="dk1"/>
+    </dgm:txFillClrLst>
+    <dgm:txEffectClrLst/>
+  </dgm:styleLbl>
+  <dgm:styleLbl name="alignAcc1">
+    <dgm:fillClrLst meth="repeat">
+      <a:schemeClr val="lt1">
+        <a:alpha val="90000"/>
+      </a:schemeClr>
+    </dgm:fillClrLst>
+    <dgm:linClrLst meth="repeat">
+      <a:schemeClr val="accent1"/>
+    </dgm:linClrLst>
+    <dgm:effectClrLst/>
+    <dgm:txLinClrLst/>
+    <dgm:txFillClrLst meth="repeat">
+      <a:schemeClr val="dk1"/>
+    </dgm:txFillClrLst>
+    <dgm:txEffectClrLst/>
+  </dgm:styleLbl>
+  <dgm:styleLbl name="trAlignAcc1">
+    <dgm:fillClrLst meth="repeat">
+      <a:schemeClr val="lt1">
+        <a:alpha val="40000"/>
+      </a:schemeClr>
+    </dgm:fillClrLst>
+    <dgm:linClrLst meth="repeat">
+      <a:schemeClr val="accent1"/>
+    </dgm:linClrLst>
+    <dgm:effectClrLst/>
+    <dgm:txLinClrLst/>
+    <dgm:txFillClrLst meth="repeat">
+      <a:schemeClr val="dk1"/>
+    </dgm:txFillClrLst>
+    <dgm:txEffectClrLst/>
+  </dgm:styleLbl>
+  <dgm:styleLbl name="bgAcc1">
+    <dgm:fillClrLst meth="repeat">
+      <a:schemeClr val="lt1">
+        <a:alpha val="90000"/>
+      </a:schemeClr>
+    </dgm:fillClrLst>
+    <dgm:linClrLst meth="repeat">
+      <a:schemeClr val="accent1"/>
+    </dgm:linClrLst>
+    <dgm:effectClrLst/>
+    <dgm:txLinClrLst/>
+    <dgm:txFillClrLst meth="repeat">
+      <a:schemeClr val="dk1"/>
+    </dgm:txFillClrLst>
+    <dgm:txEffectClrLst/>
+  </dgm:styleLbl>
+  <dgm:styleLbl name="solidFgAcc1">
+    <dgm:fillClrLst meth="repeat">
+      <a:schemeClr val="lt1"/>
+    </dgm:fillClrLst>
+    <dgm:linClrLst meth="repeat">
+      <a:schemeClr val="accent1"/>
+    </dgm:linClrLst>
+    <dgm:effectClrLst/>
+    <dgm:txLinClrLst/>
+    <dgm:txFillClrLst meth="repeat">
+      <a:schemeClr val="dk1"/>
+    </dgm:txFillClrLst>
+    <dgm:txEffectClrLst/>
+  </dgm:styleLbl>
+  <dgm:styleLbl name="solidAlignAcc1">
+    <dgm:fillClrLst meth="repeat">
+      <a:schemeClr val="lt1"/>
+    </dgm:fillClrLst>
+    <dgm:linClrLst meth="repeat">
+      <a:schemeClr val="accent1"/>
+    </dgm:linClrLst>
+    <dgm:effectClrLst/>
+    <dgm:txLinClrLst/>
+    <dgm:txFillClrLst meth="repeat">
+      <a:schemeClr val="dk1"/>
+    </dgm:txFillClrLst>
+    <dgm:txEffectClrLst/>
+  </dgm:styleLbl>
+  <dgm:styleLbl name="solidBgAcc1">
+    <dgm:fillClrLst meth="repeat">
+      <a:schemeClr val="lt1"/>
+    </dgm:fillClrLst>
+    <dgm:linClrLst meth="repeat">
+      <a:schemeClr val="accent1"/>
+    </dgm:linClrLst>
+    <dgm:effectClrLst/>
+    <dgm:txLinClrLst/>
+    <dgm:txFillClrLst meth="repeat">
+      <a:schemeClr val="dk1"/>
+    </dgm:txFillClrLst>
+    <dgm:txEffectClrLst/>
+  </dgm:styleLbl>
+  <dgm:styleLbl name="fgAccFollowNode1">
+    <dgm:fillClrLst meth="repeat">
+      <a:schemeClr val="accent1">
+        <a:alpha val="90000"/>
+        <a:tint val="40000"/>
+      </a:schemeClr>
+    </dgm:fillClrLst>
+    <dgm:linClrLst meth="repeat">
+      <a:schemeClr val="accent1">
+        <a:alpha val="90000"/>
+        <a:tint val="40000"/>
+      </a:schemeClr>
+    </dgm:linClrLst>
+    <dgm:effectClrLst/>
+    <dgm:txLinClrLst/>
+    <dgm:txFillClrLst meth="repeat">
+      <a:schemeClr val="dk1"/>
+    </dgm:txFillClrLst>
+    <dgm:txEffectClrLst/>
+  </dgm:styleLbl>
+  <dgm:styleLbl name="alignAccFollowNode1">
+    <dgm:fillClrLst meth="repeat">
+      <a:schemeClr val="accent1">
+        <a:alpha val="90000"/>
+        <a:tint val="40000"/>
+      </a:schemeClr>
+    </dgm:fillClrLst>
+    <dgm:linClrLst meth="repeat">
+      <a:schemeClr val="accent1">
+        <a:alpha val="90000"/>
+        <a:tint val="40000"/>
+      </a:schemeClr>
+    </dgm:linClrLst>
+    <dgm:effectClrLst/>
+    <dgm:txLinClrLst/>
+    <dgm:txFillClrLst meth="repeat">
+      <a:schemeClr val="dk1"/>
+    </dgm:txFillClrLst>
+    <dgm:txEffectClrLst/>
+  </dgm:styleLbl>
+  <dgm:styleLbl name="bgAccFollowNode1">
+    <dgm:fillClrLst meth="repeat">
+      <a:schemeClr val="accent1">
+        <a:alpha val="90000"/>
+        <a:tint val="40000"/>
+      </a:schemeClr>
+    </dgm:fillClrLst>
+    <dgm:linClrLst meth="repeat">
+      <a:schemeClr val="accent1">
+        <a:alpha val="90000"/>
+        <a:tint val="40000"/>
+      </a:schemeClr>
+    </dgm:linClrLst>
+    <dgm:effectClrLst/>
+    <dgm:txLinClrLst/>
+    <dgm:txFillClrLst meth="repeat">
+      <a:schemeClr val="dk1"/>
+    </dgm:txFillClrLst>
+    <dgm:txEffectClrLst/>
+  </dgm:styleLbl>
+  <dgm:styleLbl name="fgAcc0">
+    <dgm:fillClrLst meth="repeat">
+      <a:schemeClr val="lt1">
+        <a:alpha val="90000"/>
+      </a:schemeClr>
+    </dgm:fillClrLst>
+    <dgm:linClrLst meth="repeat">
+      <a:schemeClr val="accent1"/>
+    </dgm:linClrLst>
+    <dgm:effectClrLst/>
+    <dgm:txLinClrLst/>
+    <dgm:txFillClrLst meth="repeat">
+      <a:schemeClr val="dk1"/>
+    </dgm:txFillClrLst>
+    <dgm:txEffectClrLst/>
+  </dgm:styleLbl>
+  <dgm:styleLbl name="fgAcc2">
+    <dgm:fillClrLst meth="repeat">
+      <a:schemeClr val="lt1">
+        <a:alpha val="90000"/>
+      </a:schemeClr>
+    </dgm:fillClrLst>
+    <dgm:linClrLst meth="repeat">
+      <a:schemeClr val="accent1"/>
+    </dgm:linClrLst>
+    <dgm:effectClrLst/>
+    <dgm:txLinClrLst/>
+    <dgm:txFillClrLst meth="repeat">
+      <a:schemeClr val="dk1"/>
+    </dgm:txFillClrLst>
+    <dgm:txEffectClrLst/>
+  </dgm:styleLbl>
+  <dgm:styleLbl name="fgAcc3">
+    <dgm:fillClrLst meth="repeat">
+      <a:schemeClr val="lt1">
+        <a:alpha val="90000"/>
+      </a:schemeClr>
+    </dgm:fillClrLst>
+    <dgm:linClrLst meth="repeat">
+      <a:schemeClr val="accent1"/>
+    </dgm:linClrLst>
+    <dgm:effectClrLst/>
+    <dgm:txLinClrLst/>
+    <dgm:txFillClrLst meth="repeat">
+      <a:schemeClr val="dk1"/>
+    </dgm:txFillClrLst>
+    <dgm:txEffectClrLst/>
+  </dgm:styleLbl>
+  <dgm:styleLbl name="fgAcc4">
+    <dgm:fillClrLst meth="repeat">
+      <a:schemeClr val="lt1">
+        <a:alpha val="90000"/>
+      </a:schemeClr>
+    </dgm:fillClrLst>
+    <dgm:linClrLst meth="repeat">
+      <a:schemeClr val="accent1"/>
+    </dgm:linClrLst>
+    <dgm:effectClrLst/>
+    <dgm:txLinClrLst/>
+    <dgm:txFillClrLst meth="repeat">
+      <a:schemeClr val="dk1"/>
+    </dgm:txFillClrLst>
+    <dgm:txEffectClrLst/>
+  </dgm:styleLbl>
+  <dgm:styleLbl name="bgShp">
+    <dgm:fillClrLst meth="repeat">
+      <a:schemeClr val="accent1">
+        <a:tint val="40000"/>
+      </a:schemeClr>
+    </dgm:fillClrLst>
+    <dgm:linClrLst meth="repeat">
+      <a:schemeClr val="accent1"/>
+    </dgm:linClrLst>
+    <dgm:effectClrLst/>
+    <dgm:txLinClrLst/>
+    <dgm:txFillClrLst meth="repeat">
+      <a:schemeClr val="dk1"/>
+    </dgm:txFillClrLst>
+    <dgm:txEffectClrLst/>
+  </dgm:styleLbl>
+  <dgm:styleLbl name="dkBgShp">
+    <dgm:fillClrLst meth="repeat">
+      <a:schemeClr val="accent1">
+        <a:shade val="80000"/>
+      </a:schemeClr>
+    </dgm:fillClrLst>
+    <dgm:linClrLst meth="repeat">
+      <a:schemeClr val="accent1"/>
+    </dgm:linClrLst>
+    <dgm:effectClrLst/>
+    <dgm:txLinClrLst/>
+    <dgm:txFillClrLst meth="repeat">
+      <a:schemeClr val="lt1"/>
+    </dgm:txFillClrLst>
+    <dgm:txEffectClrLst/>
+  </dgm:styleLbl>
+  <dgm:styleLbl name="trBgShp">
+    <dgm:fillClrLst meth="repeat">
+      <a:schemeClr val="accent1">
+        <a:tint val="50000"/>
+        <a:alpha val="40000"/>
+      </a:schemeClr>
+    </dgm:fillClrLst>
+    <dgm:linClrLst meth="repeat">
+      <a:schemeClr val="accent1"/>
+    </dgm:linClrLst>
+    <dgm:effectClrLst/>
+    <dgm:txLinClrLst/>
+    <dgm:txFillClrLst meth="repeat">
+      <a:schemeClr val="lt1"/>
+    </dgm:txFillClrLst>
+    <dgm:txEffectClrLst/>
+  </dgm:styleLbl>
+  <dgm:styleLbl name="fgShp">
+    <dgm:fillClrLst meth="repeat">
+      <a:schemeClr val="accent1">
+        <a:tint val="60000"/>
+      </a:schemeClr>
+    </dgm:fillClrLst>
+    <dgm:linClrLst meth="repeat">
+      <a:schemeClr val="lt1"/>
+    </dgm:linClrLst>
+    <dgm:effectClrLst/>
+    <dgm:txLinClrLst/>
+    <dgm:txFillClrLst meth="repeat">
+      <a:schemeClr val="dk1"/>
+    </dgm:txFillClrLst>
+    <dgm:txEffectClrLst/>
+  </dgm:styleLbl>
+  <dgm:styleLbl name="revTx">
+    <dgm:fillClrLst meth="repeat">
+      <a:schemeClr val="lt1">
+        <a:alpha val="0"/>
+      </a:schemeClr>
+    </dgm:fillClrLst>
+    <dgm:linClrLst meth="repeat">
+      <a:schemeClr val="dk1">
+        <a:alpha val="0"/>
+      </a:schemeClr>
+    </dgm:linClrLst>
+    <dgm:effectClrLst/>
+    <dgm:txLinClrLst/>
+    <dgm:txFillClrLst meth="repeat">
+      <a:schemeClr val="tx1"/>
+    </dgm:txFillClrLst>
+    <dgm:txEffectClrLst/>
+  </dgm:styleLbl>
+</dgm:colorsDef>
+</file>
+
+<file path=ppt/diagrams/data1.xml><?xml version="1.0" encoding="utf-8"?>
+<dgm:dataModel xmlns:dgm="http://schemas.openxmlformats.org/drawingml/2006/diagram" xmlns:a="http://schemas.openxmlformats.org/drawingml/2006/main">
+  <dgm:ptLst>
+    <dgm:pt modelId="{3DD5261F-491C-4BEE-AB8F-2D7004AD565F}" type="doc">
+      <dgm:prSet loTypeId="urn:microsoft.com/office/officeart/2005/8/layout/equation1" loCatId="process" qsTypeId="urn:microsoft.com/office/officeart/2005/8/quickstyle/simple1" qsCatId="simple" csTypeId="urn:microsoft.com/office/officeart/2005/8/colors/accent1_2" csCatId="accent1" phldr="1"/>
+      <dgm:spPr/>
+    </dgm:pt>
+    <dgm:pt modelId="{A7E1057B-6BD3-46D6-BCA6-82898E4F588C}">
+      <dgm:prSet phldrT="[Text]"/>
+      <dgm:spPr/>
+      <dgm:t>
+        <a:bodyPr/>
+        <a:lstStyle/>
+        <a:p>
+          <a:r>
+            <a:rPr lang="en-GB" dirty="0" err="1"/>
+            <a:t>dbatools</a:t>
+          </a:r>
+          <a:endParaRPr lang="en-GB" dirty="0"/>
+        </a:p>
+      </dgm:t>
+    </dgm:pt>
+    <dgm:pt modelId="{14EB7CAC-BA7A-419F-8454-93E02F8EB89A}" type="parTrans" cxnId="{BB3A2D4B-B9EE-4C90-8DE6-89F4C9769251}">
+      <dgm:prSet/>
+      <dgm:spPr/>
+      <dgm:t>
+        <a:bodyPr/>
+        <a:lstStyle/>
+        <a:p>
+          <a:endParaRPr lang="en-GB"/>
+        </a:p>
+      </dgm:t>
+    </dgm:pt>
+    <dgm:pt modelId="{483ED139-C779-4D16-87F6-5499C449E45D}" type="sibTrans" cxnId="{BB3A2D4B-B9EE-4C90-8DE6-89F4C9769251}">
+      <dgm:prSet/>
+      <dgm:spPr/>
+      <dgm:t>
+        <a:bodyPr/>
+        <a:lstStyle/>
+        <a:p>
+          <a:endParaRPr lang="en-GB"/>
+        </a:p>
+      </dgm:t>
+    </dgm:pt>
+    <dgm:pt modelId="{023A54CD-ECAC-4D16-A059-DD54B5970E1E}">
+      <dgm:prSet phldrT="[Text]"/>
+      <dgm:spPr/>
+      <dgm:t>
+        <a:bodyPr/>
+        <a:lstStyle/>
+        <a:p>
+          <a:r>
+            <a:rPr lang="en-GB" dirty="0"/>
+            <a:t>Morning Checks</a:t>
+          </a:r>
+        </a:p>
+      </dgm:t>
+    </dgm:pt>
+    <dgm:pt modelId="{BAFDEC5C-FDB2-49E1-8DD3-DE296058030D}" type="parTrans" cxnId="{11F1ACDC-82D7-40CA-BD1C-7261A821E073}">
+      <dgm:prSet/>
+      <dgm:spPr/>
+      <dgm:t>
+        <a:bodyPr/>
+        <a:lstStyle/>
+        <a:p>
+          <a:endParaRPr lang="en-GB"/>
+        </a:p>
+      </dgm:t>
+    </dgm:pt>
+    <dgm:pt modelId="{B28820F3-146F-40E8-8400-6EC13832B950}" type="sibTrans" cxnId="{11F1ACDC-82D7-40CA-BD1C-7261A821E073}">
+      <dgm:prSet/>
+      <dgm:spPr/>
+      <dgm:t>
+        <a:bodyPr/>
+        <a:lstStyle/>
+        <a:p>
+          <a:endParaRPr lang="en-GB"/>
+        </a:p>
+      </dgm:t>
+    </dgm:pt>
+    <dgm:pt modelId="{DCF4E779-EAF1-4D57-B545-82CC9A0A2B5A}">
+      <dgm:prSet phldrT="[Text]"/>
+      <dgm:spPr/>
+      <dgm:t>
+        <a:bodyPr/>
+        <a:lstStyle/>
+        <a:p>
+          <a:r>
+            <a:rPr lang="en-GB" dirty="0"/>
+            <a:t>PHSTML</a:t>
+          </a:r>
+        </a:p>
+      </dgm:t>
+    </dgm:pt>
+    <dgm:pt modelId="{B74BA4EE-6089-4CF1-86DB-238087A133BC}" type="sibTrans" cxnId="{A32CB85D-DAFC-480B-923E-F706875CBE50}">
+      <dgm:prSet/>
+      <dgm:spPr/>
+      <dgm:t>
+        <a:bodyPr/>
+        <a:lstStyle/>
+        <a:p>
+          <a:endParaRPr lang="en-GB"/>
+        </a:p>
+      </dgm:t>
+    </dgm:pt>
+    <dgm:pt modelId="{5F1377BD-D5D8-4880-BEAC-AF9E363804B7}" type="parTrans" cxnId="{A32CB85D-DAFC-480B-923E-F706875CBE50}">
+      <dgm:prSet/>
+      <dgm:spPr/>
+      <dgm:t>
+        <a:bodyPr/>
+        <a:lstStyle/>
+        <a:p>
+          <a:endParaRPr lang="en-GB"/>
+        </a:p>
+      </dgm:t>
+    </dgm:pt>
+    <dgm:pt modelId="{4261B06E-302F-48A2-8791-0CF38CADA098}" type="pres">
+      <dgm:prSet presAssocID="{3DD5261F-491C-4BEE-AB8F-2D7004AD565F}" presName="linearFlow" presStyleCnt="0">
+        <dgm:presLayoutVars>
+          <dgm:dir/>
+          <dgm:resizeHandles val="exact"/>
+        </dgm:presLayoutVars>
+      </dgm:prSet>
+      <dgm:spPr/>
+    </dgm:pt>
+    <dgm:pt modelId="{4E0DE7DE-44D1-4F89-8883-F950D521F0A9}" type="pres">
+      <dgm:prSet presAssocID="{A7E1057B-6BD3-46D6-BCA6-82898E4F588C}" presName="node" presStyleLbl="node1" presStyleIdx="0" presStyleCnt="3">
+        <dgm:presLayoutVars>
+          <dgm:bulletEnabled val="1"/>
+        </dgm:presLayoutVars>
+      </dgm:prSet>
+      <dgm:spPr/>
+    </dgm:pt>
+    <dgm:pt modelId="{3BB146EE-6B71-46F6-8B5D-B7BA976CD8F2}" type="pres">
+      <dgm:prSet presAssocID="{483ED139-C779-4D16-87F6-5499C449E45D}" presName="spacerL" presStyleCnt="0"/>
+      <dgm:spPr/>
+    </dgm:pt>
+    <dgm:pt modelId="{195B725D-3499-4BA9-9F4C-E02FCF3C8C49}" type="pres">
+      <dgm:prSet presAssocID="{483ED139-C779-4D16-87F6-5499C449E45D}" presName="sibTrans" presStyleLbl="sibTrans2D1" presStyleIdx="0" presStyleCnt="2"/>
+      <dgm:spPr/>
+    </dgm:pt>
+    <dgm:pt modelId="{26AF36E9-B155-4FE1-A81F-1D1EB83EC0D5}" type="pres">
+      <dgm:prSet presAssocID="{483ED139-C779-4D16-87F6-5499C449E45D}" presName="spacerR" presStyleCnt="0"/>
+      <dgm:spPr/>
+    </dgm:pt>
+    <dgm:pt modelId="{433D4F1E-AFF8-4E14-89BA-252AF61322CE}" type="pres">
+      <dgm:prSet presAssocID="{DCF4E779-EAF1-4D57-B545-82CC9A0A2B5A}" presName="node" presStyleLbl="node1" presStyleIdx="1" presStyleCnt="3">
+        <dgm:presLayoutVars>
+          <dgm:bulletEnabled val="1"/>
+        </dgm:presLayoutVars>
+      </dgm:prSet>
+      <dgm:spPr/>
+    </dgm:pt>
+    <dgm:pt modelId="{0513C7C3-5639-4134-A060-BE4647638F6D}" type="pres">
+      <dgm:prSet presAssocID="{B74BA4EE-6089-4CF1-86DB-238087A133BC}" presName="spacerL" presStyleCnt="0"/>
+      <dgm:spPr/>
+    </dgm:pt>
+    <dgm:pt modelId="{F4CCF745-73CF-4114-B0E8-C13749E98638}" type="pres">
+      <dgm:prSet presAssocID="{B74BA4EE-6089-4CF1-86DB-238087A133BC}" presName="sibTrans" presStyleLbl="sibTrans2D1" presStyleIdx="1" presStyleCnt="2"/>
+      <dgm:spPr/>
+    </dgm:pt>
+    <dgm:pt modelId="{90DF3631-7D4A-4C6C-8AA3-27F95CAF1ECA}" type="pres">
+      <dgm:prSet presAssocID="{B74BA4EE-6089-4CF1-86DB-238087A133BC}" presName="spacerR" presStyleCnt="0"/>
+      <dgm:spPr/>
+    </dgm:pt>
+    <dgm:pt modelId="{DE9FDCD8-7EC5-4940-A2F0-B65B6A9AFFB6}" type="pres">
+      <dgm:prSet presAssocID="{023A54CD-ECAC-4D16-A059-DD54B5970E1E}" presName="node" presStyleLbl="node1" presStyleIdx="2" presStyleCnt="3">
+        <dgm:presLayoutVars>
+          <dgm:bulletEnabled val="1"/>
+        </dgm:presLayoutVars>
+      </dgm:prSet>
+      <dgm:spPr/>
+    </dgm:pt>
+  </dgm:ptLst>
+  <dgm:cxnLst>
+    <dgm:cxn modelId="{C066F15B-0C7B-495A-8AFF-41763CE5CB3B}" type="presOf" srcId="{A7E1057B-6BD3-46D6-BCA6-82898E4F588C}" destId="{4E0DE7DE-44D1-4F89-8883-F950D521F0A9}" srcOrd="0" destOrd="0" presId="urn:microsoft.com/office/officeart/2005/8/layout/equation1"/>
+    <dgm:cxn modelId="{A32CB85D-DAFC-480B-923E-F706875CBE50}" srcId="{3DD5261F-491C-4BEE-AB8F-2D7004AD565F}" destId="{DCF4E779-EAF1-4D57-B545-82CC9A0A2B5A}" srcOrd="1" destOrd="0" parTransId="{5F1377BD-D5D8-4880-BEAC-AF9E363804B7}" sibTransId="{B74BA4EE-6089-4CF1-86DB-238087A133BC}"/>
+    <dgm:cxn modelId="{0B10B94A-5DB2-4DC2-AE07-D6BC704470E2}" type="presOf" srcId="{483ED139-C779-4D16-87F6-5499C449E45D}" destId="{195B725D-3499-4BA9-9F4C-E02FCF3C8C49}" srcOrd="0" destOrd="0" presId="urn:microsoft.com/office/officeart/2005/8/layout/equation1"/>
+    <dgm:cxn modelId="{BB3A2D4B-B9EE-4C90-8DE6-89F4C9769251}" srcId="{3DD5261F-491C-4BEE-AB8F-2D7004AD565F}" destId="{A7E1057B-6BD3-46D6-BCA6-82898E4F588C}" srcOrd="0" destOrd="0" parTransId="{14EB7CAC-BA7A-419F-8454-93E02F8EB89A}" sibTransId="{483ED139-C779-4D16-87F6-5499C449E45D}"/>
+    <dgm:cxn modelId="{34D59D4D-AAE5-4355-B40F-4F5B90ED95BE}" type="presOf" srcId="{B74BA4EE-6089-4CF1-86DB-238087A133BC}" destId="{F4CCF745-73CF-4114-B0E8-C13749E98638}" srcOrd="0" destOrd="0" presId="urn:microsoft.com/office/officeart/2005/8/layout/equation1"/>
+    <dgm:cxn modelId="{DCB09C72-814E-40CD-9540-1D57B0BEE8B3}" type="presOf" srcId="{023A54CD-ECAC-4D16-A059-DD54B5970E1E}" destId="{DE9FDCD8-7EC5-4940-A2F0-B65B6A9AFFB6}" srcOrd="0" destOrd="0" presId="urn:microsoft.com/office/officeart/2005/8/layout/equation1"/>
+    <dgm:cxn modelId="{974F6483-FD63-4F15-A18E-4D6AEC2C4B7C}" type="presOf" srcId="{3DD5261F-491C-4BEE-AB8F-2D7004AD565F}" destId="{4261B06E-302F-48A2-8791-0CF38CADA098}" srcOrd="0" destOrd="0" presId="urn:microsoft.com/office/officeart/2005/8/layout/equation1"/>
+    <dgm:cxn modelId="{11F1ACDC-82D7-40CA-BD1C-7261A821E073}" srcId="{3DD5261F-491C-4BEE-AB8F-2D7004AD565F}" destId="{023A54CD-ECAC-4D16-A059-DD54B5970E1E}" srcOrd="2" destOrd="0" parTransId="{BAFDEC5C-FDB2-49E1-8DD3-DE296058030D}" sibTransId="{B28820F3-146F-40E8-8400-6EC13832B950}"/>
+    <dgm:cxn modelId="{5ABDBCF9-986C-4C02-94BF-F156D98F6F10}" type="presOf" srcId="{DCF4E779-EAF1-4D57-B545-82CC9A0A2B5A}" destId="{433D4F1E-AFF8-4E14-89BA-252AF61322CE}" srcOrd="0" destOrd="0" presId="urn:microsoft.com/office/officeart/2005/8/layout/equation1"/>
+    <dgm:cxn modelId="{B6BDE2CA-F224-46AB-9504-87FBDED2F4B8}" type="presParOf" srcId="{4261B06E-302F-48A2-8791-0CF38CADA098}" destId="{4E0DE7DE-44D1-4F89-8883-F950D521F0A9}" srcOrd="0" destOrd="0" presId="urn:microsoft.com/office/officeart/2005/8/layout/equation1"/>
+    <dgm:cxn modelId="{F08152F5-5CC2-4EE2-9822-9CF4032951CE}" type="presParOf" srcId="{4261B06E-302F-48A2-8791-0CF38CADA098}" destId="{3BB146EE-6B71-46F6-8B5D-B7BA976CD8F2}" srcOrd="1" destOrd="0" presId="urn:microsoft.com/office/officeart/2005/8/layout/equation1"/>
+    <dgm:cxn modelId="{F7039988-76AC-4D3E-973F-685DFC8545A2}" type="presParOf" srcId="{4261B06E-302F-48A2-8791-0CF38CADA098}" destId="{195B725D-3499-4BA9-9F4C-E02FCF3C8C49}" srcOrd="2" destOrd="0" presId="urn:microsoft.com/office/officeart/2005/8/layout/equation1"/>
+    <dgm:cxn modelId="{2F24BDC1-6D66-44F8-8D20-10405D97B0DF}" type="presParOf" srcId="{4261B06E-302F-48A2-8791-0CF38CADA098}" destId="{26AF36E9-B155-4FE1-A81F-1D1EB83EC0D5}" srcOrd="3" destOrd="0" presId="urn:microsoft.com/office/officeart/2005/8/layout/equation1"/>
+    <dgm:cxn modelId="{B6CA3BD0-7353-4581-80AD-310961358E6B}" type="presParOf" srcId="{4261B06E-302F-48A2-8791-0CF38CADA098}" destId="{433D4F1E-AFF8-4E14-89BA-252AF61322CE}" srcOrd="4" destOrd="0" presId="urn:microsoft.com/office/officeart/2005/8/layout/equation1"/>
+    <dgm:cxn modelId="{DB26A2D4-65F8-4D3B-9AC9-C5C51BD16937}" type="presParOf" srcId="{4261B06E-302F-48A2-8791-0CF38CADA098}" destId="{0513C7C3-5639-4134-A060-BE4647638F6D}" srcOrd="5" destOrd="0" presId="urn:microsoft.com/office/officeart/2005/8/layout/equation1"/>
+    <dgm:cxn modelId="{B38F9F32-3C63-4A23-A80D-1F6E7C885F44}" type="presParOf" srcId="{4261B06E-302F-48A2-8791-0CF38CADA098}" destId="{F4CCF745-73CF-4114-B0E8-C13749E98638}" srcOrd="6" destOrd="0" presId="urn:microsoft.com/office/officeart/2005/8/layout/equation1"/>
+    <dgm:cxn modelId="{06A3AD0F-4E5F-46CA-8421-F4B645515A67}" type="presParOf" srcId="{4261B06E-302F-48A2-8791-0CF38CADA098}" destId="{90DF3631-7D4A-4C6C-8AA3-27F95CAF1ECA}" srcOrd="7" destOrd="0" presId="urn:microsoft.com/office/officeart/2005/8/layout/equation1"/>
+    <dgm:cxn modelId="{A0ED8E6F-6088-4412-9E2E-9B3360B78F1E}" type="presParOf" srcId="{4261B06E-302F-48A2-8791-0CF38CADA098}" destId="{DE9FDCD8-7EC5-4940-A2F0-B65B6A9AFFB6}" srcOrd="8" destOrd="0" presId="urn:microsoft.com/office/officeart/2005/8/layout/equation1"/>
+  </dgm:cxnLst>
+  <dgm:bg/>
+  <dgm:whole/>
+  <dgm:extLst>
+    <a:ext uri="http://schemas.microsoft.com/office/drawing/2008/diagram">
+      <dsp:dataModelExt xmlns:dsp="http://schemas.microsoft.com/office/drawing/2008/diagram" relId="rId7" minVer="http://schemas.openxmlformats.org/drawingml/2006/diagram"/>
+    </a:ext>
+  </dgm:extLst>
+</dgm:dataModel>
+</file>
+
+<file path=ppt/diagrams/drawing1.xml><?xml version="1.0" encoding="utf-8"?>
+<dsp:drawing xmlns:dgm="http://schemas.openxmlformats.org/drawingml/2006/diagram" xmlns:dsp="http://schemas.microsoft.com/office/drawing/2008/diagram" xmlns:a="http://schemas.openxmlformats.org/drawingml/2006/main">
+  <dsp:spTree>
+    <dsp:nvGrpSpPr>
+      <dsp:cNvPr id="0" name=""/>
+      <dsp:cNvGrpSpPr/>
+    </dsp:nvGrpSpPr>
+    <dsp:grpSpPr/>
+    <dsp:sp modelId="{4E0DE7DE-44D1-4F89-8883-F950D521F0A9}">
+      <dsp:nvSpPr>
+        <dsp:cNvPr id="0" name=""/>
+        <dsp:cNvSpPr/>
+      </dsp:nvSpPr>
+      <dsp:spPr>
+        <a:xfrm>
+          <a:off x="1768" y="1414865"/>
+          <a:ext cx="2343931" cy="2343931"/>
+        </a:xfrm>
+        <a:prstGeom prst="ellipse">
+          <a:avLst/>
+        </a:prstGeom>
+        <a:solidFill>
+          <a:schemeClr val="accent1">
+            <a:hueOff val="0"/>
+            <a:satOff val="0"/>
+            <a:lumOff val="0"/>
+            <a:alphaOff val="0"/>
+          </a:schemeClr>
+        </a:solidFill>
+        <a:ln w="12700" cap="flat" cmpd="sng" algn="ctr">
+          <a:solidFill>
+            <a:schemeClr val="lt1">
+              <a:hueOff val="0"/>
+              <a:satOff val="0"/>
+              <a:lumOff val="0"/>
+              <a:alphaOff val="0"/>
+            </a:schemeClr>
+          </a:solidFill>
+          <a:prstDash val="solid"/>
+          <a:miter lim="800000"/>
+        </a:ln>
+        <a:effectLst/>
+      </dsp:spPr>
+      <dsp:style>
+        <a:lnRef idx="2">
+          <a:scrgbClr r="0" g="0" b="0"/>
+        </a:lnRef>
+        <a:fillRef idx="1">
+          <a:scrgbClr r="0" g="0" b="0"/>
+        </a:fillRef>
+        <a:effectRef idx="0">
+          <a:scrgbClr r="0" g="0" b="0"/>
+        </a:effectRef>
+        <a:fontRef idx="minor">
+          <a:schemeClr val="lt1"/>
+        </a:fontRef>
+      </dsp:style>
+      <dsp:txBody>
+        <a:bodyPr spcFirstLastPara="0" vert="horz" wrap="square" lIns="44450" tIns="44450" rIns="44450" bIns="44450" numCol="1" spcCol="1270" anchor="ctr" anchorCtr="0">
+          <a:noAutofit/>
+        </a:bodyPr>
+        <a:lstStyle/>
+        <a:p>
+          <a:pPr marL="0" lvl="0" indent="0" algn="ctr" defTabSz="1555750">
+            <a:lnSpc>
+              <a:spcPct val="90000"/>
+            </a:lnSpc>
+            <a:spcBef>
+              <a:spcPct val="0"/>
+            </a:spcBef>
+            <a:spcAft>
+              <a:spcPct val="35000"/>
+            </a:spcAft>
+            <a:buNone/>
+          </a:pPr>
+          <a:r>
+            <a:rPr lang="en-GB" sz="3500" kern="1200" dirty="0" err="1"/>
+            <a:t>dbatools</a:t>
+          </a:r>
+          <a:endParaRPr lang="en-GB" sz="3500" kern="1200" dirty="0"/>
+        </a:p>
+      </dsp:txBody>
+      <dsp:txXfrm>
+        <a:off x="345029" y="1758126"/>
+        <a:ext cx="1657409" cy="1657409"/>
+      </dsp:txXfrm>
+    </dsp:sp>
+    <dsp:sp modelId="{195B725D-3499-4BA9-9F4C-E02FCF3C8C49}">
+      <dsp:nvSpPr>
+        <dsp:cNvPr id="0" name=""/>
+        <dsp:cNvSpPr/>
+      </dsp:nvSpPr>
+      <dsp:spPr>
+        <a:xfrm>
+          <a:off x="2536026" y="1907091"/>
+          <a:ext cx="1359480" cy="1359480"/>
+        </a:xfrm>
+        <a:prstGeom prst="mathPlus">
+          <a:avLst/>
+        </a:prstGeom>
+        <a:solidFill>
+          <a:schemeClr val="accent1">
+            <a:tint val="60000"/>
+            <a:hueOff val="0"/>
+            <a:satOff val="0"/>
+            <a:lumOff val="0"/>
+            <a:alphaOff val="0"/>
+          </a:schemeClr>
+        </a:solidFill>
+        <a:ln>
+          <a:noFill/>
+        </a:ln>
+        <a:effectLst/>
+      </dsp:spPr>
+      <dsp:style>
+        <a:lnRef idx="0">
+          <a:scrgbClr r="0" g="0" b="0"/>
+        </a:lnRef>
+        <a:fillRef idx="1">
+          <a:scrgbClr r="0" g="0" b="0"/>
+        </a:fillRef>
+        <a:effectRef idx="0">
+          <a:scrgbClr r="0" g="0" b="0"/>
+        </a:effectRef>
+        <a:fontRef idx="minor">
+          <a:schemeClr val="lt1"/>
+        </a:fontRef>
+      </dsp:style>
+      <dsp:txBody>
+        <a:bodyPr spcFirstLastPara="0" vert="horz" wrap="square" lIns="0" tIns="0" rIns="0" bIns="0" numCol="1" spcCol="1270" anchor="ctr" anchorCtr="0">
+          <a:noAutofit/>
+        </a:bodyPr>
+        <a:lstStyle/>
+        <a:p>
+          <a:pPr marL="0" lvl="0" indent="0" algn="ctr" defTabSz="977900">
+            <a:lnSpc>
+              <a:spcPct val="90000"/>
+            </a:lnSpc>
+            <a:spcBef>
+              <a:spcPct val="0"/>
+            </a:spcBef>
+            <a:spcAft>
+              <a:spcPct val="35000"/>
+            </a:spcAft>
+            <a:buNone/>
+          </a:pPr>
+          <a:endParaRPr lang="en-GB" sz="2200" kern="1200"/>
+        </a:p>
+      </dsp:txBody>
+      <dsp:txXfrm>
+        <a:off x="2716225" y="2426956"/>
+        <a:ext cx="999082" cy="319750"/>
+      </dsp:txXfrm>
+    </dsp:sp>
+    <dsp:sp modelId="{433D4F1E-AFF8-4E14-89BA-252AF61322CE}">
+      <dsp:nvSpPr>
+        <dsp:cNvPr id="0" name=""/>
+        <dsp:cNvSpPr/>
+      </dsp:nvSpPr>
+      <dsp:spPr>
+        <a:xfrm>
+          <a:off x="4085834" y="1414865"/>
+          <a:ext cx="2343931" cy="2343931"/>
+        </a:xfrm>
+        <a:prstGeom prst="ellipse">
+          <a:avLst/>
+        </a:prstGeom>
+        <a:solidFill>
+          <a:schemeClr val="accent1">
+            <a:hueOff val="0"/>
+            <a:satOff val="0"/>
+            <a:lumOff val="0"/>
+            <a:alphaOff val="0"/>
+          </a:schemeClr>
+        </a:solidFill>
+        <a:ln w="12700" cap="flat" cmpd="sng" algn="ctr">
+          <a:solidFill>
+            <a:schemeClr val="lt1">
+              <a:hueOff val="0"/>
+              <a:satOff val="0"/>
+              <a:lumOff val="0"/>
+              <a:alphaOff val="0"/>
+            </a:schemeClr>
+          </a:solidFill>
+          <a:prstDash val="solid"/>
+          <a:miter lim="800000"/>
+        </a:ln>
+        <a:effectLst/>
+      </dsp:spPr>
+      <dsp:style>
+        <a:lnRef idx="2">
+          <a:scrgbClr r="0" g="0" b="0"/>
+        </a:lnRef>
+        <a:fillRef idx="1">
+          <a:scrgbClr r="0" g="0" b="0"/>
+        </a:fillRef>
+        <a:effectRef idx="0">
+          <a:scrgbClr r="0" g="0" b="0"/>
+        </a:effectRef>
+        <a:fontRef idx="minor">
+          <a:schemeClr val="lt1"/>
+        </a:fontRef>
+      </dsp:style>
+      <dsp:txBody>
+        <a:bodyPr spcFirstLastPara="0" vert="horz" wrap="square" lIns="44450" tIns="44450" rIns="44450" bIns="44450" numCol="1" spcCol="1270" anchor="ctr" anchorCtr="0">
+          <a:noAutofit/>
+        </a:bodyPr>
+        <a:lstStyle/>
+        <a:p>
+          <a:pPr marL="0" lvl="0" indent="0" algn="ctr" defTabSz="1555750">
+            <a:lnSpc>
+              <a:spcPct val="90000"/>
+            </a:lnSpc>
+            <a:spcBef>
+              <a:spcPct val="0"/>
+            </a:spcBef>
+            <a:spcAft>
+              <a:spcPct val="35000"/>
+            </a:spcAft>
+            <a:buNone/>
+          </a:pPr>
+          <a:r>
+            <a:rPr lang="en-GB" sz="3500" kern="1200" dirty="0"/>
+            <a:t>PHSTML</a:t>
+          </a:r>
+        </a:p>
+      </dsp:txBody>
+      <dsp:txXfrm>
+        <a:off x="4429095" y="1758126"/>
+        <a:ext cx="1657409" cy="1657409"/>
+      </dsp:txXfrm>
+    </dsp:sp>
+    <dsp:sp modelId="{F4CCF745-73CF-4114-B0E8-C13749E98638}">
+      <dsp:nvSpPr>
+        <dsp:cNvPr id="0" name=""/>
+        <dsp:cNvSpPr/>
+      </dsp:nvSpPr>
+      <dsp:spPr>
+        <a:xfrm>
+          <a:off x="6620092" y="1907091"/>
+          <a:ext cx="1359480" cy="1359480"/>
+        </a:xfrm>
+        <a:prstGeom prst="mathEqual">
+          <a:avLst/>
+        </a:prstGeom>
+        <a:solidFill>
+          <a:schemeClr val="accent1">
+            <a:tint val="60000"/>
+            <a:hueOff val="0"/>
+            <a:satOff val="0"/>
+            <a:lumOff val="0"/>
+            <a:alphaOff val="0"/>
+          </a:schemeClr>
+        </a:solidFill>
+        <a:ln>
+          <a:noFill/>
+        </a:ln>
+        <a:effectLst/>
+      </dsp:spPr>
+      <dsp:style>
+        <a:lnRef idx="0">
+          <a:scrgbClr r="0" g="0" b="0"/>
+        </a:lnRef>
+        <a:fillRef idx="1">
+          <a:scrgbClr r="0" g="0" b="0"/>
+        </a:fillRef>
+        <a:effectRef idx="0">
+          <a:scrgbClr r="0" g="0" b="0"/>
+        </a:effectRef>
+        <a:fontRef idx="minor">
+          <a:schemeClr val="lt1"/>
+        </a:fontRef>
+      </dsp:style>
+      <dsp:txBody>
+        <a:bodyPr spcFirstLastPara="0" vert="horz" wrap="square" lIns="0" tIns="0" rIns="0" bIns="0" numCol="1" spcCol="1270" anchor="ctr" anchorCtr="0">
+          <a:noAutofit/>
+        </a:bodyPr>
+        <a:lstStyle/>
+        <a:p>
+          <a:pPr marL="0" lvl="0" indent="0" algn="ctr" defTabSz="1244600">
+            <a:lnSpc>
+              <a:spcPct val="90000"/>
+            </a:lnSpc>
+            <a:spcBef>
+              <a:spcPct val="0"/>
+            </a:spcBef>
+            <a:spcAft>
+              <a:spcPct val="35000"/>
+            </a:spcAft>
+            <a:buNone/>
+          </a:pPr>
+          <a:endParaRPr lang="en-GB" sz="2800" kern="1200"/>
+        </a:p>
+      </dsp:txBody>
+      <dsp:txXfrm>
+        <a:off x="6800291" y="2187144"/>
+        <a:ext cx="999082" cy="799374"/>
+      </dsp:txXfrm>
+    </dsp:sp>
+    <dsp:sp modelId="{DE9FDCD8-7EC5-4940-A2F0-B65B6A9AFFB6}">
+      <dsp:nvSpPr>
+        <dsp:cNvPr id="0" name=""/>
+        <dsp:cNvSpPr/>
+      </dsp:nvSpPr>
+      <dsp:spPr>
+        <a:xfrm>
+          <a:off x="8169900" y="1414865"/>
+          <a:ext cx="2343931" cy="2343931"/>
+        </a:xfrm>
+        <a:prstGeom prst="ellipse">
+          <a:avLst/>
+        </a:prstGeom>
+        <a:solidFill>
+          <a:schemeClr val="accent1">
+            <a:hueOff val="0"/>
+            <a:satOff val="0"/>
+            <a:lumOff val="0"/>
+            <a:alphaOff val="0"/>
+          </a:schemeClr>
+        </a:solidFill>
+        <a:ln w="12700" cap="flat" cmpd="sng" algn="ctr">
+          <a:solidFill>
+            <a:schemeClr val="lt1">
+              <a:hueOff val="0"/>
+              <a:satOff val="0"/>
+              <a:lumOff val="0"/>
+              <a:alphaOff val="0"/>
+            </a:schemeClr>
+          </a:solidFill>
+          <a:prstDash val="solid"/>
+          <a:miter lim="800000"/>
+        </a:ln>
+        <a:effectLst/>
+      </dsp:spPr>
+      <dsp:style>
+        <a:lnRef idx="2">
+          <a:scrgbClr r="0" g="0" b="0"/>
+        </a:lnRef>
+        <a:fillRef idx="1">
+          <a:scrgbClr r="0" g="0" b="0"/>
+        </a:fillRef>
+        <a:effectRef idx="0">
+          <a:scrgbClr r="0" g="0" b="0"/>
+        </a:effectRef>
+        <a:fontRef idx="minor">
+          <a:schemeClr val="lt1"/>
+        </a:fontRef>
+      </dsp:style>
+      <dsp:txBody>
+        <a:bodyPr spcFirstLastPara="0" vert="horz" wrap="square" lIns="44450" tIns="44450" rIns="44450" bIns="44450" numCol="1" spcCol="1270" anchor="ctr" anchorCtr="0">
+          <a:noAutofit/>
+        </a:bodyPr>
+        <a:lstStyle/>
+        <a:p>
+          <a:pPr marL="0" lvl="0" indent="0" algn="ctr" defTabSz="1555750">
+            <a:lnSpc>
+              <a:spcPct val="90000"/>
+            </a:lnSpc>
+            <a:spcBef>
+              <a:spcPct val="0"/>
+            </a:spcBef>
+            <a:spcAft>
+              <a:spcPct val="35000"/>
+            </a:spcAft>
+            <a:buNone/>
+          </a:pPr>
+          <a:r>
+            <a:rPr lang="en-GB" sz="3500" kern="1200" dirty="0"/>
+            <a:t>Morning Checks</a:t>
+          </a:r>
+        </a:p>
+      </dsp:txBody>
+      <dsp:txXfrm>
+        <a:off x="8513161" y="1758126"/>
+        <a:ext cx="1657409" cy="1657409"/>
+      </dsp:txXfrm>
+    </dsp:sp>
+  </dsp:spTree>
+</dsp:drawing>
+</file>
+
+<file path=ppt/diagrams/layout1.xml><?xml version="1.0" encoding="utf-8"?>
+<dgm:layoutDef xmlns:dgm="http://schemas.openxmlformats.org/drawingml/2006/diagram" xmlns:a="http://schemas.openxmlformats.org/drawingml/2006/main" uniqueId="urn:microsoft.com/office/officeart/2005/8/layout/equation1">
+  <dgm:title val=""/>
+  <dgm:desc val=""/>
+  <dgm:catLst>
+    <dgm:cat type="relationship" pri="17000"/>
+    <dgm:cat type="process" pri="25000"/>
+  </dgm:catLst>
+  <dgm:sampData useDef="1">
+    <dgm:dataModel>
+      <dgm:ptLst/>
+      <dgm:bg/>
+      <dgm:whole/>
+    </dgm:dataModel>
+  </dgm:sampData>
+  <dgm:styleData>
+    <dgm:dataModel>
+      <dgm:ptLst>
+        <dgm:pt modelId="0" type="doc"/>
+        <dgm:pt modelId="1"/>
+        <dgm:pt modelId="2"/>
+      </dgm:ptLst>
+      <dgm:cxnLst>
+        <dgm:cxn modelId="3" srcId="0" destId="1" srcOrd="0" destOrd="0"/>
+        <dgm:cxn modelId="4" srcId="0" destId="2" srcOrd="1" destOrd="0"/>
+      </dgm:cxnLst>
+      <dgm:bg/>
+      <dgm:whole/>
+    </dgm:dataModel>
+  </dgm:styleData>
+  <dgm:clrData>
+    <dgm:dataModel>
+      <dgm:ptLst>
+        <dgm:pt modelId="0" type="doc"/>
+        <dgm:pt modelId="1"/>
+        <dgm:pt modelId="2"/>
+        <dgm:pt modelId="3"/>
+        <dgm:pt modelId="4"/>
+      </dgm:ptLst>
+      <dgm:cxnLst>
+        <dgm:cxn modelId="5" srcId="0" destId="1" srcOrd="0" destOrd="0"/>
+        <dgm:cxn modelId="6" srcId="0" destId="2" srcOrd="1" destOrd="0"/>
+        <dgm:cxn modelId="7" srcId="0" destId="3" srcOrd="2" destOrd="0"/>
+        <dgm:cxn modelId="8" srcId="0" destId="4" srcOrd="3" destOrd="0"/>
+      </dgm:cxnLst>
+      <dgm:bg/>
+      <dgm:whole/>
+    </dgm:dataModel>
+  </dgm:clrData>
+  <dgm:layoutNode name="linearFlow">
+    <dgm:varLst>
+      <dgm:dir/>
+      <dgm:resizeHandles val="exact"/>
+    </dgm:varLst>
+    <dgm:choose name="Name0">
+      <dgm:if name="Name1" func="var" arg="dir" op="equ" val="norm">
+        <dgm:alg type="lin">
+          <dgm:param type="fallback" val="2D"/>
+        </dgm:alg>
+      </dgm:if>
+      <dgm:else name="Name2">
+        <dgm:alg type="lin">
+          <dgm:param type="linDir" val="fromR"/>
+          <dgm:param type="fallback" val="2D"/>
+        </dgm:alg>
+      </dgm:else>
+    </dgm:choose>
+    <dgm:shape xmlns:r="http://schemas.openxmlformats.org/officeDocument/2006/relationships" r:blip="">
+      <dgm:adjLst/>
+    </dgm:shape>
+    <dgm:presOf/>
+    <dgm:constrLst>
+      <dgm:constr type="w" for="ch" ptType="node" refType="w"/>
+      <dgm:constr type="w" for="ch" ptType="sibTrans" refType="w" refFor="ch" refPtType="node" fact="0.58"/>
+      <dgm:constr type="primFontSz" for="ch" ptType="node" op="equ" val="65"/>
+      <dgm:constr type="primFontSz" for="ch" ptType="sibTrans" op="equ" val="55"/>
+      <dgm:constr type="primFontSz" for="ch" ptType="sibTrans" refType="primFontSz" refFor="ch" refPtType="node" op="lte" fact="0.8"/>
+      <dgm:constr type="w" for="ch" forName="spacerL" refType="w" refFor="ch" refPtType="sibTrans" fact="0.14"/>
+      <dgm:constr type="w" for="ch" forName="spacerR" refType="w" refFor="ch" refPtType="sibTrans" fact="0.14"/>
+    </dgm:constrLst>
+    <dgm:ruleLst/>
+    <dgm:forEach name="nodesForEach" axis="ch" ptType="node">
+      <dgm:layoutNode name="node">
+        <dgm:varLst>
+          <dgm:bulletEnabled val="1"/>
+        </dgm:varLst>
+        <dgm:alg type="tx">
+          <dgm:param type="txAnchorVertCh" val="mid"/>
+        </dgm:alg>
+        <dgm:shape xmlns:r="http://schemas.openxmlformats.org/officeDocument/2006/relationships" type="ellipse" r:blip="">
+          <dgm:adjLst/>
+        </dgm:shape>
+        <dgm:presOf axis="desOrSelf" ptType="node"/>
+        <dgm:constrLst>
+          <dgm:constr type="h" refType="w"/>
+          <dgm:constr type="tMarg" refType="primFontSz" fact="0.1"/>
+          <dgm:constr type="bMarg" refType="primFontSz" fact="0.1"/>
+          <dgm:constr type="lMarg" refType="primFontSz" fact="0.1"/>
+          <dgm:constr type="rMarg" refType="primFontSz" fact="0.1"/>
+        </dgm:constrLst>
+        <dgm:ruleLst>
+          <dgm:rule type="primFontSz" val="5" fact="NaN" max="NaN"/>
+        </dgm:ruleLst>
+      </dgm:layoutNode>
+      <dgm:forEach name="sibTransForEach" axis="followSib" ptType="sibTrans" cnt="1">
+        <dgm:layoutNode name="spacerL">
+          <dgm:alg type="sp"/>
+          <dgm:shape xmlns:r="http://schemas.openxmlformats.org/officeDocument/2006/relationships" r:blip="">
+            <dgm:adjLst/>
+          </dgm:shape>
+          <dgm:presOf/>
+          <dgm:constrLst/>
+          <dgm:ruleLst/>
+        </dgm:layoutNode>
+        <dgm:layoutNode name="sibTrans">
+          <dgm:alg type="tx"/>
+          <dgm:choose name="Name3">
+            <dgm:if name="Name4" axis="followSib" ptType="sibTrans" func="cnt" op="equ" val="0">
+              <dgm:shape xmlns:r="http://schemas.openxmlformats.org/officeDocument/2006/relationships" type="mathEqual" r:blip="">
+                <dgm:adjLst/>
+              </dgm:shape>
+            </dgm:if>
+            <dgm:else name="Name5">
+              <dgm:shape xmlns:r="http://schemas.openxmlformats.org/officeDocument/2006/relationships" type="mathPlus" r:blip="">
+                <dgm:adjLst/>
+              </dgm:shape>
+            </dgm:else>
+          </dgm:choose>
+          <dgm:presOf axis="self"/>
+          <dgm:constrLst>
+            <dgm:constr type="h" refType="w"/>
+            <dgm:constr type="lMarg"/>
+            <dgm:constr type="rMarg"/>
+            <dgm:constr type="tMarg"/>
+            <dgm:constr type="bMarg"/>
+          </dgm:constrLst>
+          <dgm:ruleLst>
+            <dgm:rule type="primFontSz" val="5" fact="NaN" max="NaN"/>
+          </dgm:ruleLst>
+        </dgm:layoutNode>
+        <dgm:layoutNode name="spacerR">
+          <dgm:alg type="sp"/>
+          <dgm:shape xmlns:r="http://schemas.openxmlformats.org/officeDocument/2006/relationships" r:blip="">
+            <dgm:adjLst/>
+          </dgm:shape>
+          <dgm:presOf/>
+          <dgm:constrLst/>
+          <dgm:ruleLst/>
+        </dgm:layoutNode>
+      </dgm:forEach>
+    </dgm:forEach>
+  </dgm:layoutNode>
+</dgm:layoutDef>
+</file>
+
+<file path=ppt/diagrams/quickStyle1.xml><?xml version="1.0" encoding="utf-8"?>
+<dgm:styleDef xmlns:dgm="http://schemas.openxmlformats.org/drawingml/2006/diagram" xmlns:a="http://schemas.openxmlformats.org/drawingml/2006/main" uniqueId="urn:microsoft.com/office/officeart/2005/8/quickstyle/simple1">
+  <dgm:title val=""/>
+  <dgm:desc val=""/>
+  <dgm:catLst>
+    <dgm:cat type="simple" pri="10100"/>
+  </dgm:catLst>
+  <dgm:scene3d>
+    <a:camera prst="orthographicFront"/>
+    <a:lightRig rig="threePt" dir="t"/>
+  </dgm:scene3d>
+  <dgm:styleLbl name="node0">
+    <dgm:scene3d>
+      <a:camera prst="orthographicFront"/>
+      <a:lightRig rig="threePt" dir="t"/>
+    </dgm:scene3d>
+    <dgm:sp3d/>
+    <dgm:txPr/>
+    <dgm:style>
+      <a:lnRef idx="2">
+        <a:scrgbClr r="0" g="0" b="0"/>
+      </a:lnRef>
+      <a:fillRef idx="1">
+        <a:scrgbClr r="0" g="0" b="0"/>
+      </a:fillRef>
+      <a:effectRef idx="0">
+        <a:scrgbClr r="0" g="0" b="0"/>
+      </a:effectRef>
+      <a:fontRef idx="minor">
+        <a:schemeClr val="lt1"/>
+      </a:fontRef>
+    </dgm:style>
+  </dgm:styleLbl>
+  <dgm:styleLbl name="lnNode1">
+    <dgm:scene3d>
+      <a:camera prst="orthographicFront"/>
+      <a:lightRig rig="threePt" dir="t"/>
+    </dgm:scene3d>
+    <dgm:sp3d/>
+    <dgm:txPr/>
+    <dgm:style>
+      <a:lnRef idx="2">
+        <a:scrgbClr r="0" g="0" b="0"/>
+      </a:lnRef>
+      <a:fillRef idx="1">
+        <a:scrgbClr r="0" g="0" b="0"/>
+      </a:fillRef>
+      <a:effectRef idx="0">
+        <a:scrgbClr r="0" g="0" b="0"/>
+      </a:effectRef>
+      <a:fontRef idx="minor">
+        <a:schemeClr val="lt1"/>
+      </a:fontRef>
+    </dgm:style>
+  </dgm:styleLbl>
+  <dgm:styleLbl name="vennNode1">
+    <dgm:scene3d>
+      <a:camera prst="orthographicFront"/>
+      <a:lightRig rig="threePt" dir="t"/>
+    </dgm:scene3d>
+    <dgm:sp3d/>
+    <dgm:txPr/>
+    <dgm:style>
+      <a:lnRef idx="2">
+        <a:scrgbClr r="0" g="0" b="0"/>
+      </a:lnRef>
+      <a:fillRef idx="1">
+        <a:scrgbClr r="0" g="0" b="0"/>
+      </a:fillRef>
+      <a:effectRef idx="0">
+        <a:scrgbClr r="0" g="0" b="0"/>
+      </a:effectRef>
+      <a:fontRef idx="minor">
+        <a:schemeClr val="tx1"/>
+      </a:fontRef>
+    </dgm:style>
+  </dgm:styleLbl>
+  <dgm:styleLbl name="alignNode1">
+    <dgm:scene3d>
+      <a:camera prst="orthographicFront"/>
+      <a:lightRig rig="threePt" dir="t"/>
+    </dgm:scene3d>
+    <dgm:sp3d/>
+    <dgm:txPr/>
+    <dgm:style>
+      <a:lnRef idx="2">
+        <a:scrgbClr r="0" g="0" b="0"/>
+      </a:lnRef>
+      <a:fillRef idx="1">
+        <a:scrgbClr r="0" g="0" b="0"/>
+      </a:fillRef>
+      <a:effectRef idx="0">
+        <a:scrgbClr r="0" g="0" b="0"/>
+      </a:effectRef>
+      <a:fontRef idx="minor">
+        <a:schemeClr val="lt1"/>
+      </a:fontRef>
+    </dgm:style>
+  </dgm:styleLbl>
+  <dgm:styleLbl name="node1">
+    <dgm:scene3d>
+      <a:camera prst="orthographicFront"/>
+      <a:lightRig rig="threePt" dir="t"/>
+    </dgm:scene3d>
+    <dgm:sp3d/>
+    <dgm:txPr/>
+    <dgm:style>
+      <a:lnRef idx="2">
+        <a:scrgbClr r="0" g="0" b="0"/>
+      </a:lnRef>
+      <a:fillRef idx="1">
+        <a:scrgbClr r="0" g="0" b="0"/>
+      </a:fillRef>
+      <a:effectRef idx="0">
+        <a:scrgbClr r="0" g="0" b="0"/>
+      </a:effectRef>
+      <a:fontRef idx="minor">
+        <a:schemeClr val="lt1"/>
+      </a:fontRef>
+    </dgm:style>
+  </dgm:styleLbl>
+  <dgm:styleLbl name="node2">
+    <dgm:scene3d>
+      <a:camera prst="orthographicFront"/>
+      <a:lightRig rig="threePt" dir="t"/>
+    </dgm:scene3d>
+    <dgm:sp3d/>
+    <dgm:txPr/>
+    <dgm:style>
+      <a:lnRef idx="2">
+        <a:scrgbClr r="0" g="0" b="0"/>
+      </a:lnRef>
+      <a:fillRef idx="1">
+        <a:scrgbClr r="0" g="0" b="0"/>
+      </a:fillRef>
+      <a:effectRef idx="0">
+        <a:scrgbClr r="0" g="0" b="0"/>
+      </a:effectRef>
+      <a:fontRef idx="minor">
+        <a:schemeClr val="lt1"/>
+      </a:fontRef>
+    </dgm:style>
+  </dgm:styleLbl>
+  <dgm:styleLbl name="node3">
+    <dgm:scene3d>
+      <a:camera prst="orthographicFront"/>
+      <a:lightRig rig="threePt" dir="t"/>
+    </dgm:scene3d>
+    <dgm:sp3d/>
+    <dgm:txPr/>
+    <dgm:style>
+      <a:lnRef idx="2">
+        <a:scrgbClr r="0" g="0" b="0"/>
+      </a:lnRef>
+      <a:fillRef idx="1">
+        <a:scrgbClr r="0" g="0" b="0"/>
+      </a:fillRef>
+      <a:effectRef idx="0">
+        <a:scrgbClr r="0" g="0" b="0"/>
+      </a:effectRef>
+      <a:fontRef idx="minor">
+        <a:schemeClr val="lt1"/>
+      </a:fontRef>
+    </dgm:style>
+  </dgm:styleLbl>
+  <dgm:styleLbl name="node4">
+    <dgm:scene3d>
+      <a:camera prst="orthographicFront"/>
+      <a:lightRig rig="threePt" dir="t"/>
+    </dgm:scene3d>
+    <dgm:sp3d/>
+    <dgm:txPr/>
+    <dgm:style>
+      <a:lnRef idx="2">
+        <a:scrgbClr r="0" g="0" b="0"/>
+      </a:lnRef>
+      <a:fillRef idx="1">
+        <a:scrgbClr r="0" g="0" b="0"/>
+      </a:fillRef>
+      <a:effectRef idx="0">
+        <a:scrgbClr r="0" g="0" b="0"/>
+      </a:effectRef>
+      <a:fontRef idx="minor">
+        <a:schemeClr val="lt1"/>
+      </a:fontRef>
+    </dgm:style>
+  </dgm:styleLbl>
+  <dgm:styleLbl name="fgImgPlace1">
+    <dgm:scene3d>
+      <a:camera prst="orthographicFront"/>
+      <a:lightRig rig="threePt" dir="t"/>
+    </dgm:scene3d>
+    <dgm:sp3d/>
+    <dgm:txPr/>
+    <dgm:style>
+      <a:lnRef idx="2">
+        <a:scrgbClr r="0" g="0" b="0"/>
+      </a:lnRef>
+      <a:fillRef idx="1">
+        <a:scrgbClr r="0" g="0" b="0"/>
+      </a:fillRef>
+      <a:effectRef idx="0">
+        <a:scrgbClr r="0" g="0" b="0"/>
+      </a:effectRef>
+      <a:fontRef idx="minor"/>
+    </dgm:style>
+  </dgm:styleLbl>
+  <dgm:styleLbl name="alignImgPlace1">
+    <dgm:scene3d>
+      <a:camera prst="orthographicFront"/>
+      <a:lightRig rig="threePt" dir="t"/>
+    </dgm:scene3d>
+    <dgm:sp3d/>
+    <dgm:txPr/>
+    <dgm:style>
+      <a:lnRef idx="2">
+        <a:scrgbClr r="0" g="0" b="0"/>
+      </a:lnRef>
+      <a:fillRef idx="1">
+        <a:scrgbClr r="0" g="0" b="0"/>
+      </a:fillRef>
+      <a:effectRef idx="0">
+        <a:scrgbClr r="0" g="0" b="0"/>
+      </a:effectRef>
+      <a:fontRef idx="minor"/>
+    </dgm:style>
+  </dgm:styleLbl>
+  <dgm:styleLbl name="bgImgPlace1">
+    <dgm:scene3d>
+      <a:camera prst="orthographicFront"/>
+      <a:lightRig rig="threePt" dir="t"/>
+    </dgm:scene3d>
+    <dgm:sp3d/>
+    <dgm:txPr/>
+    <dgm:style>
+      <a:lnRef idx="2">
+        <a:scrgbClr r="0" g="0" b="0"/>
+      </a:lnRef>
+      <a:fillRef idx="1">
+        <a:scrgbClr r="0" g="0" b="0"/>
+      </a:fillRef>
+      <a:effectRef idx="0">
+        <a:scrgbClr r="0" g="0" b="0"/>
+      </a:effectRef>
+      <a:fontRef idx="minor"/>
+    </dgm:style>
+  </dgm:styleLbl>
+  <dgm:styleLbl name="sibTrans2D1">
+    <dgm:scene3d>
+      <a:camera prst="orthographicFront"/>
+      <a:lightRig rig="threePt" dir="t"/>
+    </dgm:scene3d>
+    <dgm:sp3d/>
+    <dgm:txPr/>
+    <dgm:style>
+      <a:lnRef idx="0">
+        <a:scrgbClr r="0" g="0" b="0"/>
+      </a:lnRef>
+      <a:fillRef idx="1">
+        <a:scrgbClr r="0" g="0" b="0"/>
+      </a:fillRef>
+      <a:effectRef idx="0">
+        <a:scrgbClr r="0" g="0" b="0"/>
+      </a:effectRef>
+      <a:fontRef idx="minor">
+        <a:schemeClr val="lt1"/>
+      </a:fontRef>
+    </dgm:style>
+  </dgm:styleLbl>
+  <dgm:styleLbl name="fgSibTrans2D1">
+    <dgm:scene3d>
+      <a:camera prst="orthographicFront"/>
+      <a:lightRig rig="threePt" dir="t"/>
+    </dgm:scene3d>
+    <dgm:sp3d/>
+    <dgm:txPr/>
+    <dgm:style>
+      <a:lnRef idx="0">
+        <a:scrgbClr r="0" g="0" b="0"/>
+      </a:lnRef>
+      <a:fillRef idx="1">
+        <a:scrgbClr r="0" g="0" b="0"/>
+      </a:fillRef>
+      <a:effectRef idx="0">
+        <a:scrgbClr r="0" g="0" b="0"/>
+      </a:effectRef>
+      <a:fontRef idx="minor">
+        <a:schemeClr val="lt1"/>
+      </a:fontRef>
+    </dgm:style>
+  </dgm:styleLbl>
+  <dgm:styleLbl name="bgSibTrans2D1">
+    <dgm:scene3d>
+      <a:camera prst="orthographicFront"/>
+      <a:lightRig rig="threePt" dir="t"/>
+    </dgm:scene3d>
+    <dgm:sp3d/>
+    <dgm:txPr/>
+    <dgm:style>
+      <a:lnRef idx="0">
+        <a:scrgbClr r="0" g="0" b="0"/>
+      </a:lnRef>
+      <a:fillRef idx="1">
+        <a:scrgbClr r="0" g="0" b="0"/>
+      </a:fillRef>
+      <a:effectRef idx="0">
+        <a:scrgbClr r="0" g="0" b="0"/>
+      </a:effectRef>
+      <a:fontRef idx="minor">
+        <a:schemeClr val="lt1"/>
+      </a:fontRef>
+    </dgm:style>
+  </dgm:styleLbl>
+  <dgm:styleLbl name="sibTrans1D1">
+    <dgm:scene3d>
+      <a:camera prst="orthographicFront"/>
+      <a:lightRig rig="threePt" dir="t"/>
+    </dgm:scene3d>
+    <dgm:sp3d/>
+    <dgm:txPr/>
+    <dgm:style>
+      <a:lnRef idx="1">
+        <a:scrgbClr r="0" g="0" b="0"/>
+      </a:lnRef>
+      <a:fillRef idx="0">
+        <a:scrgbClr r="0" g="0" b="0"/>
+      </a:fillRef>
+      <a:effectRef idx="0">
+        <a:scrgbClr r="0" g="0" b="0"/>
+      </a:effectRef>
+      <a:fontRef idx="minor"/>
+    </dgm:style>
+  </dgm:styleLbl>
+  <dgm:styleLbl name="callout">
+    <dgm:scene3d>
+      <a:camera prst="orthographicFront"/>
+      <a:lightRig rig="threePt" dir="t"/>
+    </dgm:scene3d>
+    <dgm:sp3d/>
+    <dgm:txPr/>
+    <dgm:style>
+      <a:lnRef idx="2">
+        <a:scrgbClr r="0" g="0" b="0"/>
+      </a:lnRef>
+      <a:fillRef idx="1">
+        <a:scrgbClr r="0" g="0" b="0"/>
+      </a:fillRef>
+      <a:effectRef idx="0">
+        <a:scrgbClr r="0" g="0" b="0"/>
+      </a:effectRef>
+      <a:fontRef idx="minor"/>
+    </dgm:style>
+  </dgm:styleLbl>
+  <dgm:styleLbl name="asst0">
+    <dgm:scene3d>
+      <a:camera prst="orthographicFront"/>
+      <a:lightRig rig="threePt" dir="t"/>
+    </dgm:scene3d>
+    <dgm:sp3d/>
+    <dgm:txPr/>
+    <dgm:style>
+      <a:lnRef idx="2">
+        <a:scrgbClr r="0" g="0" b="0"/>
+      </a:lnRef>
+      <a:fillRef idx="1">
+        <a:scrgbClr r="0" g="0" b="0"/>
+      </a:fillRef>
+      <a:effectRef idx="0">
+        <a:scrgbClr r="0" g="0" b="0"/>
+      </a:effectRef>
+      <a:fontRef idx="minor">
+        <a:schemeClr val="lt1"/>
+      </a:fontRef>
+    </dgm:style>
+  </dgm:styleLbl>
+  <dgm:styleLbl name="asst1">
+    <dgm:scene3d>
+      <a:camera prst="orthographicFront"/>
+      <a:lightRig rig="threePt" dir="t"/>
+    </dgm:scene3d>
+    <dgm:sp3d/>
+    <dgm:txPr/>
+    <dgm:style>
+      <a:lnRef idx="2">
+        <a:scrgbClr r="0" g="0" b="0"/>
+      </a:lnRef>
+      <a:fillRef idx="1">
+        <a:scrgbClr r="0" g="0" b="0"/>
+      </a:fillRef>
+      <a:effectRef idx="0">
+        <a:scrgbClr r="0" g="0" b="0"/>
+      </a:effectRef>
+      <a:fontRef idx="minor">
+        <a:schemeClr val="lt1"/>
+      </a:fontRef>
+    </dgm:style>
+  </dgm:styleLbl>
+  <dgm:styleLbl name="asst2">
+    <dgm:scene3d>
+      <a:camera prst="orthographicFront"/>
+      <a:lightRig rig="threePt" dir="t"/>
+    </dgm:scene3d>
+    <dgm:sp3d/>
+    <dgm:txPr/>
+    <dgm:style>
+      <a:lnRef idx="2">
+        <a:scrgbClr r="0" g="0" b="0"/>
+      </a:lnRef>
+      <a:fillRef idx="1">
+        <a:scrgbClr r="0" g="0" b="0"/>
+      </a:fillRef>
+      <a:effectRef idx="0">
+        <a:scrgbClr r="0" g="0" b="0"/>
+      </a:effectRef>
+      <a:fontRef idx="minor">
+        <a:schemeClr val="lt1"/>
+      </a:fontRef>
+    </dgm:style>
+  </dgm:styleLbl>
+  <dgm:styleLbl name="asst3">
+    <dgm:scene3d>
+      <a:camera prst="orthographicFront"/>
+      <a:lightRig rig="threePt" dir="t"/>
+    </dgm:scene3d>
+    <dgm:sp3d/>
+    <dgm:txPr/>
+    <dgm:style>
+      <a:lnRef idx="2">
+        <a:scrgbClr r="0" g="0" b="0"/>
+      </a:lnRef>
+      <a:fillRef idx="1">
+        <a:scrgbClr r="0" g="0" b="0"/>
+      </a:fillRef>
+      <a:effectRef idx="0">
+        <a:scrgbClr r="0" g="0" b="0"/>
+      </a:effectRef>
+      <a:fontRef idx="minor">
+        <a:schemeClr val="lt1"/>
+      </a:fontRef>
+    </dgm:style>
+  </dgm:styleLbl>
+  <dgm:styleLbl name="asst4">
+    <dgm:scene3d>
+      <a:camera prst="orthographicFront"/>
+      <a:lightRig rig="threePt" dir="t"/>
+    </dgm:scene3d>
+    <dgm:sp3d/>
+    <dgm:txPr/>
+    <dgm:style>
+      <a:lnRef idx="2">
+        <a:scrgbClr r="0" g="0" b="0"/>
+      </a:lnRef>
+      <a:fillRef idx="1">
+        <a:scrgbClr r="0" g="0" b="0"/>
+      </a:fillRef>
+      <a:effectRef idx="0">
+        <a:scrgbClr r="0" g="0" b="0"/>
+      </a:effectRef>
+      <a:fontRef idx="minor">
+        <a:schemeClr val="lt1"/>
+      </a:fontRef>
+    </dgm:style>
+  </dgm:styleLbl>
+  <dgm:styleLbl name="parChTrans2D1">
+    <dgm:scene3d>
+      <a:camera prst="orthographicFront"/>
+      <a:lightRig rig="threePt" dir="t"/>
+    </dgm:scene3d>
+    <dgm:sp3d/>
+    <dgm:txPr/>
+    <dgm:style>
+      <a:lnRef idx="2">
+        <a:scrgbClr r="0" g="0" b="0"/>
+      </a:lnRef>
+      <a:fillRef idx="1">
+        <a:scrgbClr r="0" g="0" b="0"/>
+      </a:fillRef>
+      <a:effectRef idx="0">
+        <a:scrgbClr r="0" g="0" b="0"/>
+      </a:effectRef>
+      <a:fontRef idx="minor">
+        <a:schemeClr val="lt1"/>
+      </a:fontRef>
+    </dgm:style>
+  </dgm:styleLbl>
+  <dgm:styleLbl name="parChTrans2D2">
+    <dgm:scene3d>
+      <a:camera prst="orthographicFront"/>
+      <a:lightRig rig="threePt" dir="t"/>
+    </dgm:scene3d>
+    <dgm:sp3d/>
+    <dgm:txPr/>
+    <dgm:style>
+      <a:lnRef idx="2">
+        <a:scrgbClr r="0" g="0" b="0"/>
+      </a:lnRef>
+      <a:fillRef idx="1">
+        <a:scrgbClr r="0" g="0" b="0"/>
+      </a:fillRef>
+      <a:effectRef idx="0">
+        <a:scrgbClr r="0" g="0" b="0"/>
+      </a:effectRef>
+      <a:fontRef idx="minor">
+        <a:schemeClr val="lt1"/>
+      </a:fontRef>
+    </dgm:style>
+  </dgm:styleLbl>
+  <dgm:styleLbl name="parChTrans2D3">
+    <dgm:scene3d>
+      <a:camera prst="orthographicFront"/>
+      <a:lightRig rig="threePt" dir="t"/>
+    </dgm:scene3d>
+    <dgm:sp3d/>
+    <dgm:txPr/>
+    <dgm:style>
+      <a:lnRef idx="2">
+        <a:scrgbClr r="0" g="0" b="0"/>
+      </a:lnRef>
+      <a:fillRef idx="1">
+        <a:scrgbClr r="0" g="0" b="0"/>
+      </a:fillRef>
+      <a:effectRef idx="0">
+        <a:scrgbClr r="0" g="0" b="0"/>
+      </a:effectRef>
+      <a:fontRef idx="minor">
+        <a:schemeClr val="lt1"/>
+      </a:fontRef>
+    </dgm:style>
+  </dgm:styleLbl>
+  <dgm:styleLbl name="parChTrans2D4">
+    <dgm:scene3d>
+      <a:camera prst="orthographicFront"/>
+      <a:lightRig rig="threePt" dir="t"/>
+    </dgm:scene3d>
+    <dgm:sp3d/>
+    <dgm:txPr/>
+    <dgm:style>
+      <a:lnRef idx="2">
+        <a:scrgbClr r="0" g="0" b="0"/>
+      </a:lnRef>
+      <a:fillRef idx="1">
+        <a:scrgbClr r="0" g="0" b="0"/>
+      </a:fillRef>
+      <a:effectRef idx="0">
+        <a:scrgbClr r="0" g="0" b="0"/>
+      </a:effectRef>
+      <a:fontRef idx="minor">
+        <a:schemeClr val="lt1"/>
+      </a:fontRef>
+    </dgm:style>
+  </dgm:styleLbl>
+  <dgm:styleLbl name="parChTrans1D1">
+    <dgm:scene3d>
+      <a:camera prst="orthographicFront"/>
+      <a:lightRig rig="threePt" dir="t"/>
+    </dgm:scene3d>
+    <dgm:sp3d/>
+    <dgm:txPr/>
+    <dgm:style>
+      <a:lnRef idx="2">
+        <a:scrgbClr r="0" g="0" b="0"/>
+      </a:lnRef>
+      <a:fillRef idx="0">
+        <a:scrgbClr r="0" g="0" b="0"/>
+      </a:fillRef>
+      <a:effectRef idx="0">
+        <a:scrgbClr r="0" g="0" b="0"/>
+      </a:effectRef>
+      <a:fontRef idx="minor"/>
+    </dgm:style>
+  </dgm:styleLbl>
+  <dgm:styleLbl name="parChTrans1D2">
+    <dgm:scene3d>
+      <a:camera prst="orthographicFront"/>
+      <a:lightRig rig="threePt" dir="t"/>
+    </dgm:scene3d>
+    <dgm:sp3d/>
+    <dgm:txPr/>
+    <dgm:style>
+      <a:lnRef idx="2">
+        <a:scrgbClr r="0" g="0" b="0"/>
+      </a:lnRef>
+      <a:fillRef idx="0">
+        <a:scrgbClr r="0" g="0" b="0"/>
+      </a:fillRef>
+      <a:effectRef idx="0">
+        <a:scrgbClr r="0" g="0" b="0"/>
+      </a:effectRef>
+      <a:fontRef idx="minor"/>
+    </dgm:style>
+  </dgm:styleLbl>
+  <dgm:styleLbl name="parChTrans1D3">
+    <dgm:scene3d>
+      <a:camera prst="orthographicFront"/>
+      <a:lightRig rig="threePt" dir="t"/>
+    </dgm:scene3d>
+    <dgm:sp3d/>
+    <dgm:txPr/>
+    <dgm:style>
+      <a:lnRef idx="2">
+        <a:scrgbClr r="0" g="0" b="0"/>
+      </a:lnRef>
+      <a:fillRef idx="0">
+        <a:scrgbClr r="0" g="0" b="0"/>
+      </a:fillRef>
+      <a:effectRef idx="0">
+        <a:scrgbClr r="0" g="0" b="0"/>
+      </a:effectRef>
+      <a:fontRef idx="minor"/>
+    </dgm:style>
+  </dgm:styleLbl>
+  <dgm:styleLbl name="parChTrans1D4">
+    <dgm:scene3d>
+      <a:camera prst="orthographicFront"/>
+      <a:lightRig rig="threePt" dir="t"/>
+    </dgm:scene3d>
+    <dgm:sp3d/>
+    <dgm:txPr/>
+    <dgm:style>
+      <a:lnRef idx="2">
+        <a:scrgbClr r="0" g="0" b="0"/>
+      </a:lnRef>
+      <a:fillRef idx="0">
+        <a:scrgbClr r="0" g="0" b="0"/>
+      </a:fillRef>
+      <a:effectRef idx="0">
+        <a:scrgbClr r="0" g="0" b="0"/>
+      </a:effectRef>
+      <a:fontRef idx="minor"/>
+    </dgm:style>
+  </dgm:styleLbl>
+  <dgm:styleLbl name="fgAcc1">
+    <dgm:scene3d>
+      <a:camera prst="orthographicFront"/>
+      <a:lightRig rig="threePt" dir="t"/>
+    </dgm:scene3d>
+    <dgm:sp3d/>
+    <dgm:txPr/>
+    <dgm:style>
+      <a:lnRef idx="2">
+        <a:scrgbClr r="0" g="0" b="0"/>
+      </a:lnRef>
+      <a:fillRef idx="1">
+        <a:scrgbClr r="0" g="0" b="0"/>
+      </a:fillRef>
+      <a:effectRef idx="0">
+        <a:scrgbClr r="0" g="0" b="0"/>
+      </a:effectRef>
+      <a:fontRef idx="minor"/>
+    </dgm:style>
+  </dgm:styleLbl>
+  <dgm:styleLbl name="conFgAcc1">
+    <dgm:scene3d>
+      <a:camera prst="orthographicFront"/>
+      <a:lightRig rig="threePt" dir="t"/>
+    </dgm:scene3d>
+    <dgm:sp3d/>
+    <dgm:txPr/>
+    <dgm:style>
+      <a:lnRef idx="2">
+        <a:scrgbClr r="0" g="0" b="0"/>
+      </a:lnRef>
+      <a:fillRef idx="1">
+        <a:scrgbClr r="0" g="0" b="0"/>
+      </a:fillRef>
+      <a:effectRef idx="0">
+        <a:scrgbClr r="0" g="0" b="0"/>
+      </a:effectRef>
+      <a:fontRef idx="minor"/>
+    </dgm:style>
+  </dgm:styleLbl>
+  <dgm:styleLbl name="alignAcc1">
+    <dgm:scene3d>
+      <a:camera prst="orthographicFront"/>
+      <a:lightRig rig="threePt" dir="t"/>
+    </dgm:scene3d>
+    <dgm:sp3d/>
+    <dgm:txPr/>
+    <dgm:style>
+      <a:lnRef idx="2">
+        <a:scrgbClr r="0" g="0" b="0"/>
+      </a:lnRef>
+      <a:fillRef idx="1">
+        <a:scrgbClr r="0" g="0" b="0"/>
+      </a:fillRef>
+      <a:effectRef idx="0">
+        <a:scrgbClr r="0" g="0" b="0"/>
+      </a:effectRef>
+      <a:fontRef idx="minor"/>
+    </dgm:style>
+  </dgm:styleLbl>
+  <dgm:styleLbl name="trAlignAcc1">
+    <dgm:scene3d>
+      <a:camera prst="orthographicFront"/>
+      <a:lightRig rig="threePt" dir="t"/>
+    </dgm:scene3d>
+    <dgm:sp3d/>
+    <dgm:txPr/>
+    <dgm:style>
+      <a:lnRef idx="1">
+        <a:scrgbClr r="0" g="0" b="0"/>
+      </a:lnRef>
+      <a:fillRef idx="1">
+        <a:scrgbClr r="0" g="0" b="0"/>
+      </a:fillRef>
+      <a:effectRef idx="0">
+        <a:scrgbClr r="0" g="0" b="0"/>
+      </a:effectRef>
+      <a:fontRef idx="minor"/>
+    </dgm:style>
+  </dgm:styleLbl>
+  <dgm:styleLbl name="bgAcc1">
+    <dgm:scene3d>
+      <a:camera prst="orthographicFront"/>
+      <a:lightRig rig="threePt" dir="t"/>
+    </dgm:scene3d>
+    <dgm:sp3d/>
+    <dgm:txPr/>
+    <dgm:style>
+      <a:lnRef idx="2">
+        <a:scrgbClr r="0" g="0" b="0"/>
+      </a:lnRef>
+      <a:fillRef idx="1">
+        <a:scrgbClr r="0" g="0" b="0"/>
+      </a:fillRef>
+      <a:effectRef idx="0">
+        <a:scrgbClr r="0" g="0" b="0"/>
+      </a:effectRef>
+      <a:fontRef idx="minor"/>
+    </dgm:style>
+  </dgm:styleLbl>
+  <dgm:styleLbl name="solidFgAcc1">
+    <dgm:scene3d>
+      <a:camera prst="orthographicFront"/>
+      <a:lightRig rig="threePt" dir="t"/>
+    </dgm:scene3d>
+    <dgm:sp3d/>
+    <dgm:txPr/>
+    <dgm:style>
+      <a:lnRef idx="2">
+        <a:scrgbClr r="0" g="0" b="0"/>
+      </a:lnRef>
+      <a:fillRef idx="1">
+        <a:scrgbClr r="0" g="0" b="0"/>
+      </a:fillRef>
+      <a:effectRef idx="0">
+        <a:scrgbClr r="0" g="0" b="0"/>
+      </a:effectRef>
+      <a:fontRef idx="minor"/>
+    </dgm:style>
+  </dgm:styleLbl>
+  <dgm:styleLbl name="solidAlignAcc1">
+    <dgm:scene3d>
+      <a:camera prst="orthographicFront"/>
+      <a:lightRig rig="threePt" dir="t"/>
+    </dgm:scene3d>
+    <dgm:sp3d/>
+    <dgm:txPr/>
+    <dgm:style>
+      <a:lnRef idx="2">
+        <a:scrgbClr r="0" g="0" b="0"/>
+      </a:lnRef>
+      <a:fillRef idx="1">
+        <a:scrgbClr r="0" g="0" b="0"/>
+      </a:fillRef>
+      <a:effectRef idx="0">
+        <a:scrgbClr r="0" g="0" b="0"/>
+      </a:effectRef>
+      <a:fontRef idx="minor"/>
+    </dgm:style>
+  </dgm:styleLbl>
+  <dgm:styleLbl name="solidBgAcc1">
+    <dgm:scene3d>
+      <a:camera prst="orthographicFront"/>
+      <a:lightRig rig="threePt" dir="t"/>
+    </dgm:scene3d>
+    <dgm:sp3d/>
+    <dgm:txPr/>
+    <dgm:style>
+      <a:lnRef idx="2">
+        <a:scrgbClr r="0" g="0" b="0"/>
+      </a:lnRef>
+      <a:fillRef idx="1">
+        <a:scrgbClr r="0" g="0" b="0"/>
+      </a:fillRef>
+      <a:effectRef idx="0">
+        <a:scrgbClr r="0" g="0" b="0"/>
+      </a:effectRef>
+      <a:fontRef idx="minor"/>
+    </dgm:style>
+  </dgm:styleLbl>
+  <dgm:styleLbl name="fgAccFollowNode1">
+    <dgm:scene3d>
+      <a:camera prst="orthographicFront"/>
+      <a:lightRig rig="threePt" dir="t"/>
+    </dgm:scene3d>
+    <dgm:sp3d/>
+    <dgm:txPr/>
+    <dgm:style>
+      <a:lnRef idx="2">
+        <a:scrgbClr r="0" g="0" b="0"/>
+      </a:lnRef>
+      <a:fillRef idx="1">
+        <a:scrgbClr r="0" g="0" b="0"/>
+      </a:fillRef>
+      <a:effectRef idx="0">
+        <a:scrgbClr r="0" g="0" b="0"/>
+      </a:effectRef>
+      <a:fontRef idx="minor"/>
+    </dgm:style>
+  </dgm:styleLbl>
+  <dgm:styleLbl name="alignAccFollowNode1">
+    <dgm:scene3d>
+      <a:camera prst="orthographicFront"/>
+      <a:lightRig rig="threePt" dir="t"/>
+    </dgm:scene3d>
+    <dgm:sp3d/>
+    <dgm:txPr/>
+    <dgm:style>
+      <a:lnRef idx="2">
+        <a:scrgbClr r="0" g="0" b="0"/>
+      </a:lnRef>
+      <a:fillRef idx="1">
+        <a:scrgbClr r="0" g="0" b="0"/>
+      </a:fillRef>
+      <a:effectRef idx="0">
+        <a:scrgbClr r="0" g="0" b="0"/>
+      </a:effectRef>
+      <a:fontRef idx="minor"/>
+    </dgm:style>
+  </dgm:styleLbl>
+  <dgm:styleLbl name="bgAccFollowNode1">
+    <dgm:scene3d>
+      <a:camera prst="orthographicFront"/>
+      <a:lightRig rig="threePt" dir="t"/>
+    </dgm:scene3d>
+    <dgm:sp3d/>
+    <dgm:txPr/>
+    <dgm:style>
+      <a:lnRef idx="2">
+        <a:scrgbClr r="0" g="0" b="0"/>
+      </a:lnRef>
+      <a:fillRef idx="1">
+        <a:scrgbClr r="0" g="0" b="0"/>
+      </a:fillRef>
+      <a:effectRef idx="0">
+        <a:scrgbClr r="0" g="0" b="0"/>
+      </a:effectRef>
+      <a:fontRef idx="minor"/>
+    </dgm:style>
+  </dgm:styleLbl>
+  <dgm:styleLbl name="fgAcc0">
+    <dgm:scene3d>
+      <a:camera prst="orthographicFront"/>
+      <a:lightRig rig="threePt" dir="t"/>
+    </dgm:scene3d>
+    <dgm:sp3d/>
+    <dgm:txPr/>
+    <dgm:style>
+      <a:lnRef idx="2">
+        <a:scrgbClr r="0" g="0" b="0"/>
+      </a:lnRef>
+      <a:fillRef idx="1">
+        <a:scrgbClr r="0" g="0" b="0"/>
+      </a:fillRef>
+      <a:effectRef idx="0">
+        <a:scrgbClr r="0" g="0" b="0"/>
+      </a:effectRef>
+      <a:fontRef idx="minor"/>
+    </dgm:style>
+  </dgm:styleLbl>
+  <dgm:styleLbl name="fgAcc2">
+    <dgm:scene3d>
+      <a:camera prst="orthographicFront"/>
+      <a:lightRig rig="threePt" dir="t"/>
+    </dgm:scene3d>
+    <dgm:sp3d/>
+    <dgm:txPr/>
+    <dgm:style>
+      <a:lnRef idx="2">
+        <a:scrgbClr r="0" g="0" b="0"/>
+      </a:lnRef>
+      <a:fillRef idx="1">
+        <a:scrgbClr r="0" g="0" b="0"/>
+      </a:fillRef>
+      <a:effectRef idx="0">
+        <a:scrgbClr r="0" g="0" b="0"/>
+      </a:effectRef>
+      <a:fontRef idx="minor"/>
+    </dgm:style>
+  </dgm:styleLbl>
+  <dgm:styleLbl name="fgAcc3">
+    <dgm:scene3d>
+      <a:camera prst="orthographicFront"/>
+      <a:lightRig rig="threePt" dir="t"/>
+    </dgm:scene3d>
+    <dgm:sp3d/>
+    <dgm:txPr/>
+    <dgm:style>
+      <a:lnRef idx="2">
+        <a:scrgbClr r="0" g="0" b="0"/>
+      </a:lnRef>
+      <a:fillRef idx="1">
+        <a:scrgbClr r="0" g="0" b="0"/>
+      </a:fillRef>
+      <a:effectRef idx="0">
+        <a:scrgbClr r="0" g="0" b="0"/>
+      </a:effectRef>
+      <a:fontRef idx="minor"/>
+    </dgm:style>
+  </dgm:styleLbl>
+  <dgm:styleLbl name="fgAcc4">
+    <dgm:scene3d>
+      <a:camera prst="orthographicFront"/>
+      <a:lightRig rig="threePt" dir="t"/>
+    </dgm:scene3d>
+    <dgm:sp3d/>
+    <dgm:txPr/>
+    <dgm:style>
+      <a:lnRef idx="2">
+        <a:scrgbClr r="0" g="0" b="0"/>
+      </a:lnRef>
+      <a:fillRef idx="1">
+        <a:scrgbClr r="0" g="0" b="0"/>
+      </a:fillRef>
+      <a:effectRef idx="0">
+        <a:scrgbClr r="0" g="0" b="0"/>
+      </a:effectRef>
+      <a:fontRef idx="minor"/>
+    </dgm:style>
+  </dgm:styleLbl>
+  <dgm:styleLbl name="bgShp">
+    <dgm:scene3d>
+      <a:camera prst="orthographicFront"/>
+      <a:lightRig rig="threePt" dir="t"/>
+    </dgm:scene3d>
+    <dgm:sp3d/>
+    <dgm:txPr/>
+    <dgm:style>
+      <a:lnRef idx="0">
+        <a:scrgbClr r="0" g="0" b="0"/>
+      </a:lnRef>
+      <a:fillRef idx="1">
+        <a:scrgbClr r="0" g="0" b="0"/>
+      </a:fillRef>
+      <a:effectRef idx="0">
+        <a:scrgbClr r="0" g="0" b="0"/>
+      </a:effectRef>
+      <a:fontRef idx="minor"/>
+    </dgm:style>
+  </dgm:styleLbl>
+  <dgm:styleLbl name="dkBgShp">
+    <dgm:scene3d>
+      <a:camera prst="orthographicFront"/>
+      <a:lightRig rig="threePt" dir="t"/>
+    </dgm:scene3d>
+    <dgm:sp3d/>
+    <dgm:txPr/>
+    <dgm:style>
+      <a:lnRef idx="0">
+        <a:scrgbClr r="0" g="0" b="0"/>
+      </a:lnRef>
+      <a:fillRef idx="1">
+        <a:scrgbClr r="0" g="0" b="0"/>
+      </a:fillRef>
+      <a:effectRef idx="0">
+        <a:scrgbClr r="0" g="0" b="0"/>
+      </a:effectRef>
+      <a:fontRef idx="minor"/>
+    </dgm:style>
+  </dgm:styleLbl>
+  <dgm:styleLbl name="trBgShp">
+    <dgm:scene3d>
+      <a:camera prst="orthographicFront"/>
+      <a:lightRig rig="threePt" dir="t"/>
+    </dgm:scene3d>
+    <dgm:sp3d/>
+    <dgm:txPr/>
+    <dgm:style>
+      <a:lnRef idx="0">
+        <a:scrgbClr r="0" g="0" b="0"/>
+      </a:lnRef>
+      <a:fillRef idx="1">
+        <a:scrgbClr r="0" g="0" b="0"/>
+      </a:fillRef>
+      <a:effectRef idx="0">
+        <a:scrgbClr r="0" g="0" b="0"/>
+      </a:effectRef>
+      <a:fontRef idx="minor"/>
+    </dgm:style>
+  </dgm:styleLbl>
+  <dgm:styleLbl name="fgShp">
+    <dgm:scene3d>
+      <a:camera prst="orthographicFront"/>
+      <a:lightRig rig="threePt" dir="t"/>
+    </dgm:scene3d>
+    <dgm:sp3d/>
+    <dgm:txPr/>
+    <dgm:style>
+      <a:lnRef idx="2">
+        <a:scrgbClr r="0" g="0" b="0"/>
+      </a:lnRef>
+      <a:fillRef idx="1">
+        <a:scrgbClr r="0" g="0" b="0"/>
+      </a:fillRef>
+      <a:effectRef idx="0">
+        <a:scrgbClr r="0" g="0" b="0"/>
+      </a:effectRef>
+      <a:fontRef idx="minor"/>
+    </dgm:style>
+  </dgm:styleLbl>
+  <dgm:styleLbl name="revTx">
+    <dgm:scene3d>
+      <a:camera prst="orthographicFront"/>
+      <a:lightRig rig="threePt" dir="t"/>
+    </dgm:scene3d>
+    <dgm:sp3d/>
+    <dgm:txPr/>
+    <dgm:style>
+      <a:lnRef idx="0">
+        <a:scrgbClr r="0" g="0" b="0"/>
+      </a:lnRef>
+      <a:fillRef idx="0">
+        <a:scrgbClr r="0" g="0" b="0"/>
+      </a:fillRef>
+      <a:effectRef idx="0">
+        <a:scrgbClr r="0" g="0" b="0"/>
+      </a:effectRef>
+      <a:fontRef idx="minor"/>
+    </dgm:style>
+  </dgm:styleLbl>
+</dgm:styleDef>
 </file>
 
 <file path=ppt/notesMasters/notesMaster1.xml><?xml version="1.0" encoding="utf-8"?>
@@ -212,7 +2757,7 @@
           <a:p>
             <a:fld id="{1F8C9BAC-5605-4961-A752-FD19D2B395B1}" type="datetimeFigureOut">
               <a:rPr lang="en-US" smtClean="0"/>
-              <a:t>2/8/2025</a:t>
+              <a:t>6/1/2025</a:t>
             </a:fld>
             <a:endParaRPr lang="en-US"/>
           </a:p>
@@ -607,25 +3152,7 @@
           <a:bodyPr/>
           <a:lstStyle/>
           <a:p>
-            <a:r>
-              <a:rPr lang="en-US"/>
-              <a:t>Backups are useless if they can’t be restored</a:t>
-            </a:r>
-          </a:p>
-          <a:p>
-            <a:r>
-              <a:rPr lang="en-US">
-                <a:hlinkClick r:id="rId3"/>
-              </a:rPr>
-              <a:t>https://dbatools.io/dedicated-server/</a:t>
-            </a:r>
-            <a:endParaRPr lang="en-US"/>
-          </a:p>
-          <a:p>
-            <a:endParaRPr lang="en-US"/>
-          </a:p>
-          <a:p>
-            <a:endParaRPr lang="en-US"/>
+            <a:endParaRPr lang="en-US" dirty="0"/>
           </a:p>
         </p:txBody>
       </p:sp>
@@ -670,7 +3197,13 @@
   <p:cSld>
     <p:spTree>
       <p:nvGrpSpPr>
-        <p:cNvPr id="1" name=""/>
+        <p:cNvPr id="1" name="">
+          <a:extLst>
+            <a:ext uri="{FF2B5EF4-FFF2-40B4-BE49-F238E27FC236}">
+              <a16:creationId xmlns:a16="http://schemas.microsoft.com/office/drawing/2014/main" id="{324E4D81-B9C0-056A-C237-4C90E17DF2D1}"/>
+            </a:ext>
+          </a:extLst>
+        </p:cNvPr>
         <p:cNvGrpSpPr/>
         <p:nvPr/>
       </p:nvGrpSpPr>
@@ -684,7 +3217,13 @@
       </p:grpSpPr>
       <p:sp>
         <p:nvSpPr>
-          <p:cNvPr id="2" name="Slide Image Placeholder 1"/>
+          <p:cNvPr id="2" name="Slide Image Placeholder 1">
+            <a:extLst>
+              <a:ext uri="{FF2B5EF4-FFF2-40B4-BE49-F238E27FC236}">
+                <a16:creationId xmlns:a16="http://schemas.microsoft.com/office/drawing/2014/main" id="{E197B59A-E117-62E3-D1E7-09E77508E420}"/>
+              </a:ext>
+            </a:extLst>
+          </p:cNvPr>
           <p:cNvSpPr>
             <a:spLocks noGrp="1" noRot="1" noChangeAspect="1"/>
           </p:cNvSpPr>
@@ -696,7 +3235,13 @@
       </p:sp>
       <p:sp>
         <p:nvSpPr>
-          <p:cNvPr id="3" name="Notes Placeholder 2"/>
+          <p:cNvPr id="3" name="Notes Placeholder 2">
+            <a:extLst>
+              <a:ext uri="{FF2B5EF4-FFF2-40B4-BE49-F238E27FC236}">
+                <a16:creationId xmlns:a16="http://schemas.microsoft.com/office/drawing/2014/main" id="{D6DF0468-7B69-4927-054D-C81D66726C44}"/>
+              </a:ext>
+            </a:extLst>
+          </p:cNvPr>
           <p:cNvSpPr>
             <a:spLocks noGrp="1"/>
           </p:cNvSpPr>
@@ -709,239 +3254,19 @@
           <a:bodyPr/>
           <a:lstStyle/>
           <a:p>
-            <a:r>
-              <a:rPr lang="en-US" dirty="0"/>
-              <a:t>PowerShell Module – Command line SSMS</a:t>
-            </a:r>
-          </a:p>
-          <a:p>
-            <a:r>
-              <a:rPr lang="en-US" dirty="0"/>
-              <a:t> - makes it easier to manage multiples… multiple servers, databases, jobs, logins, etc.</a:t>
-            </a:r>
-          </a:p>
-          <a:p>
-            <a:endParaRPr lang="en-US" dirty="0"/>
-          </a:p>
-          <a:p>
-            <a:r>
-              <a:rPr lang="en-US" sz="1200" b="0" i="0" kern="1200" dirty="0">
-                <a:solidFill>
-                  <a:schemeClr val="tx1"/>
-                </a:solidFill>
-                <a:effectLst/>
-                <a:latin typeface="+mn-lt"/>
-                <a:ea typeface="+mn-ea"/>
-                <a:cs typeface="+mn-cs"/>
-              </a:rPr>
-              <a:t>Support all the ways to login to SQL Server that SSMS does (including Multi Factor Authentication)</a:t>
-            </a:r>
-          </a:p>
-          <a:p>
-            <a:r>
-              <a:rPr lang="en-US" sz="1200" b="0" i="0" kern="1200" dirty="0">
-                <a:solidFill>
-                  <a:schemeClr val="tx1"/>
-                </a:solidFill>
-                <a:effectLst/>
-                <a:latin typeface="+mn-lt"/>
-                <a:ea typeface="+mn-ea"/>
-                <a:cs typeface="+mn-cs"/>
-              </a:rPr>
-              <a:t>Support SQL Server 2000 and PowerShell 3 wherever possible – goal is still to make migrations easy</a:t>
-            </a:r>
-          </a:p>
-          <a:p>
-            <a:r>
-              <a:rPr lang="en-US" sz="1200" b="0" i="0" kern="1200" dirty="0">
-                <a:solidFill>
-                  <a:schemeClr val="tx1"/>
-                </a:solidFill>
-                <a:effectLst/>
-                <a:latin typeface="+mn-lt"/>
-                <a:ea typeface="+mn-ea"/>
-                <a:cs typeface="+mn-cs"/>
-              </a:rPr>
-              <a:t>Support for Azure (can migrate to Azure Managed Instances)</a:t>
-            </a:r>
-          </a:p>
-          <a:p>
-            <a:r>
-              <a:rPr lang="en-US" sz="1200" b="0" i="0" kern="1200" dirty="0">
-                <a:solidFill>
-                  <a:schemeClr val="tx1"/>
-                </a:solidFill>
-                <a:effectLst/>
-                <a:latin typeface="+mn-lt"/>
-                <a:ea typeface="+mn-ea"/>
-                <a:cs typeface="+mn-cs"/>
-              </a:rPr>
-              <a:t>75% of commands run on Mac OS and Linux</a:t>
-            </a:r>
-          </a:p>
-          <a:p>
-            <a:endParaRPr lang="en-US" dirty="0"/>
-          </a:p>
-          <a:p>
-            <a:pPr marL="0" marR="0" lvl="0" indent="0" algn="l" defTabSz="914400" rtl="0" eaLnBrk="1" fontAlgn="auto" latinLnBrk="0" hangingPunct="1">
-              <a:lnSpc>
-                <a:spcPct val="100000"/>
-              </a:lnSpc>
-              <a:spcBef>
-                <a:spcPts val="0"/>
-              </a:spcBef>
-              <a:spcAft>
-                <a:spcPts val="0"/>
-              </a:spcAft>
-              <a:buClrTx/>
-              <a:buSzTx/>
-              <a:buFontTx/>
-              <a:buNone/>
-              <a:tabLst/>
-              <a:defRPr/>
-            </a:pPr>
-            <a:r>
-              <a:rPr lang="en-US" dirty="0"/>
-              <a:t>MIT license - </a:t>
-            </a:r>
-            <a:r>
-              <a:rPr lang="en-US" dirty="0">
-                <a:hlinkClick r:id="rId3"/>
-              </a:rPr>
-              <a:t>https://dbatools.io/mit/</a:t>
-            </a:r>
-            <a:r>
-              <a:rPr lang="en-US" dirty="0"/>
-              <a:t> - only requirement is to maintain copywrite and license notices. </a:t>
-            </a:r>
-          </a:p>
-          <a:p>
-            <a:pPr marL="0" marR="0" lvl="0" indent="0" algn="l" defTabSz="914400" rtl="0" eaLnBrk="1" fontAlgn="auto" latinLnBrk="0" hangingPunct="1">
-              <a:lnSpc>
-                <a:spcPct val="100000"/>
-              </a:lnSpc>
-              <a:spcBef>
-                <a:spcPts val="0"/>
-              </a:spcBef>
-              <a:spcAft>
-                <a:spcPts val="0"/>
-              </a:spcAft>
-              <a:buClrTx/>
-              <a:buSzTx/>
-              <a:buFontTx/>
-              <a:buNone/>
-              <a:tabLst/>
-              <a:defRPr/>
-            </a:pPr>
-            <a:r>
-              <a:rPr lang="en-US" dirty="0"/>
-              <a:t>OK for private use or commercial use, modification, distribution</a:t>
-            </a:r>
-          </a:p>
-          <a:p>
-            <a:endParaRPr lang="en-US" dirty="0"/>
-          </a:p>
-          <a:p>
-            <a:r>
-              <a:rPr lang="en-US" dirty="0"/>
-              <a:t>Talking to your company about </a:t>
-            </a:r>
-            <a:r>
-              <a:rPr lang="en-US" dirty="0" err="1"/>
-              <a:t>dbatools</a:t>
-            </a:r>
-            <a:r>
-              <a:rPr lang="en-US" dirty="0"/>
-              <a:t> - </a:t>
-            </a:r>
-            <a:r>
-              <a:rPr lang="en-US" dirty="0">
-                <a:hlinkClick r:id="rId4"/>
-              </a:rPr>
-              <a:t>https://dbatools.io/secure/</a:t>
-            </a:r>
-            <a:endParaRPr lang="en-US" dirty="0"/>
-          </a:p>
-          <a:p>
-            <a:pPr marL="171450" indent="-171450">
-              <a:buFont typeface="Arial" panose="020B0604020202020204" pitchFamily="34" charset="0"/>
-              <a:buChar char="•"/>
-            </a:pPr>
-            <a:r>
-              <a:rPr lang="en-US" dirty="0"/>
-              <a:t>PowerShell team works hard at “Secure by Design” approach</a:t>
-            </a:r>
-          </a:p>
-          <a:p>
-            <a:pPr marL="171450" indent="-171450">
-              <a:buFont typeface="Arial" panose="020B0604020202020204" pitchFamily="34" charset="0"/>
-              <a:buChar char="•"/>
-            </a:pPr>
-            <a:r>
-              <a:rPr lang="en-US" dirty="0"/>
-              <a:t>Code signed – verifies the code you receive hasn’t been modified by a third party. Chrissy &amp; Rob are the only people who can sign </a:t>
-            </a:r>
-            <a:r>
-              <a:rPr lang="en-US" dirty="0" err="1"/>
-              <a:t>dbatools</a:t>
-            </a:r>
-            <a:r>
-              <a:rPr lang="en-US" dirty="0"/>
-              <a:t> releases</a:t>
-            </a:r>
-          </a:p>
-          <a:p>
-            <a:pPr marL="628650" lvl="1" indent="-171450">
-              <a:buFont typeface="Arial" panose="020B0604020202020204" pitchFamily="34" charset="0"/>
-              <a:buChar char="•"/>
-            </a:pPr>
-            <a:r>
-              <a:rPr lang="en-US" dirty="0"/>
-              <a:t>Enterprise ready</a:t>
-            </a:r>
-          </a:p>
-          <a:p>
-            <a:pPr marL="171450" indent="-171450">
-              <a:buFont typeface="Arial" panose="020B0604020202020204" pitchFamily="34" charset="0"/>
-              <a:buChar char="•"/>
-            </a:pPr>
-            <a:r>
-              <a:rPr lang="en-US" dirty="0"/>
-              <a:t>Pester tests</a:t>
-            </a:r>
-          </a:p>
-          <a:p>
-            <a:pPr marL="171450" indent="-171450">
-              <a:buFont typeface="Arial" panose="020B0604020202020204" pitchFamily="34" charset="0"/>
-              <a:buChar char="•"/>
-            </a:pPr>
-            <a:r>
-              <a:rPr lang="en-US" dirty="0"/>
-              <a:t>Restricted merging to master branch</a:t>
-            </a:r>
-          </a:p>
-          <a:p>
-            <a:pPr marL="171450" indent="-171450">
-              <a:buFont typeface="Arial" panose="020B0604020202020204" pitchFamily="34" charset="0"/>
-              <a:buChar char="•"/>
-            </a:pPr>
-            <a:r>
-              <a:rPr lang="en-US" dirty="0"/>
-              <a:t>PowerShell gallery runs a virus scan against the module </a:t>
-            </a:r>
-          </a:p>
-          <a:p>
-            <a:pPr marL="0" indent="0">
-              <a:buFont typeface="Arial" panose="020B0604020202020204" pitchFamily="34" charset="0"/>
-              <a:buNone/>
-            </a:pPr>
             <a:endParaRPr lang="en-US" dirty="0"/>
           </a:p>
         </p:txBody>
       </p:sp>
       <p:sp>
         <p:nvSpPr>
-          <p:cNvPr id="4" name="Slide Number Placeholder 3"/>
+          <p:cNvPr id="4" name="Slide Number Placeholder 3">
+            <a:extLst>
+              <a:ext uri="{FF2B5EF4-FFF2-40B4-BE49-F238E27FC236}">
+                <a16:creationId xmlns:a16="http://schemas.microsoft.com/office/drawing/2014/main" id="{A20F2113-576D-5D40-1BDD-30701D10334F}"/>
+              </a:ext>
+            </a:extLst>
+          </p:cNvPr>
           <p:cNvSpPr>
             <a:spLocks noGrp="1"/>
           </p:cNvSpPr>
@@ -965,7 +3290,7 @@
     </p:spTree>
     <p:extLst>
       <p:ext uri="{BB962C8B-B14F-4D97-AF65-F5344CB8AC3E}">
-        <p14:creationId xmlns:p14="http://schemas.microsoft.com/office/powerpoint/2010/main" val="125188774"/>
+        <p14:creationId xmlns:p14="http://schemas.microsoft.com/office/powerpoint/2010/main" val="981146116"/>
       </p:ext>
     </p:extLst>
   </p:cSld>
@@ -980,7 +3305,13 @@
   <p:cSld>
     <p:spTree>
       <p:nvGrpSpPr>
-        <p:cNvPr id="1" name=""/>
+        <p:cNvPr id="1" name="">
+          <a:extLst>
+            <a:ext uri="{FF2B5EF4-FFF2-40B4-BE49-F238E27FC236}">
+              <a16:creationId xmlns:a16="http://schemas.microsoft.com/office/drawing/2014/main" id="{D6B2D1AC-7714-DD5D-FE65-9870ADBCB172}"/>
+            </a:ext>
+          </a:extLst>
+        </p:cNvPr>
         <p:cNvGrpSpPr/>
         <p:nvPr/>
       </p:nvGrpSpPr>
@@ -994,7 +3325,13 @@
       </p:grpSpPr>
       <p:sp>
         <p:nvSpPr>
-          <p:cNvPr id="2" name="Slide Image Placeholder 1"/>
+          <p:cNvPr id="2" name="Slide Image Placeholder 1">
+            <a:extLst>
+              <a:ext uri="{FF2B5EF4-FFF2-40B4-BE49-F238E27FC236}">
+                <a16:creationId xmlns:a16="http://schemas.microsoft.com/office/drawing/2014/main" id="{31DC2C23-57BD-0926-9B6E-DBDC56F39272}"/>
+              </a:ext>
+            </a:extLst>
+          </p:cNvPr>
           <p:cNvSpPr>
             <a:spLocks noGrp="1" noRot="1" noChangeAspect="1"/>
           </p:cNvSpPr>
@@ -1006,7 +3343,13 @@
       </p:sp>
       <p:sp>
         <p:nvSpPr>
-          <p:cNvPr id="3" name="Notes Placeholder 2"/>
+          <p:cNvPr id="3" name="Notes Placeholder 2">
+            <a:extLst>
+              <a:ext uri="{FF2B5EF4-FFF2-40B4-BE49-F238E27FC236}">
+                <a16:creationId xmlns:a16="http://schemas.microsoft.com/office/drawing/2014/main" id="{8F332C5A-481D-C479-7987-DC460539F437}"/>
+              </a:ext>
+            </a:extLst>
+          </p:cNvPr>
           <p:cNvSpPr>
             <a:spLocks noGrp="1"/>
           </p:cNvSpPr>
@@ -1019,119 +3362,19 @@
           <a:bodyPr/>
           <a:lstStyle/>
           <a:p>
-            <a:r>
-              <a:rPr lang="en-US" dirty="0"/>
-              <a:t>2014 – Chrissy had to do a SharePoint migration – lot of databases/logins/jobs/etc.</a:t>
-            </a:r>
-          </a:p>
-          <a:p>
             <a:endParaRPr lang="en-US" dirty="0"/>
-          </a:p>
-          <a:p>
-            <a:r>
-              <a:rPr lang="en-US" dirty="0"/>
-              <a:t>1.0 - </a:t>
-            </a:r>
-            <a:r>
-              <a:rPr lang="en-US" sz="1200" b="0" i="0" kern="1200" dirty="0">
-                <a:solidFill>
-                  <a:schemeClr val="tx1"/>
-                </a:solidFill>
-                <a:effectLst/>
-                <a:latin typeface="+mn-lt"/>
-                <a:ea typeface="+mn-ea"/>
-                <a:cs typeface="+mn-cs"/>
-              </a:rPr>
-              <a:t>Over 160 contributors and 550 commands</a:t>
-            </a:r>
-          </a:p>
-          <a:p>
-            <a:pPr marL="171450" indent="-171450">
-              <a:buFont typeface="Arial" panose="020B0604020202020204" pitchFamily="34" charset="0"/>
-              <a:buChar char="•"/>
-            </a:pPr>
-            <a:r>
-              <a:rPr lang="en-US" sz="1200" b="0" i="0" kern="1200" dirty="0">
-                <a:solidFill>
-                  <a:schemeClr val="tx1"/>
-                </a:solidFill>
-                <a:effectLst/>
-                <a:latin typeface="+mn-lt"/>
-                <a:ea typeface="+mn-ea"/>
-                <a:cs typeface="+mn-cs"/>
-              </a:rPr>
-              <a:t>Standardize naming</a:t>
-            </a:r>
-          </a:p>
-          <a:p>
-            <a:pPr marL="171450" indent="-171450">
-              <a:buFont typeface="Arial" panose="020B0604020202020204" pitchFamily="34" charset="0"/>
-              <a:buChar char="•"/>
-            </a:pPr>
-            <a:r>
-              <a:rPr lang="en-US" sz="1200" b="0" i="0" kern="1200" dirty="0">
-                <a:solidFill>
-                  <a:schemeClr val="tx1"/>
-                </a:solidFill>
-                <a:effectLst/>
-                <a:latin typeface="+mn-lt"/>
-                <a:ea typeface="+mn-ea"/>
-                <a:cs typeface="+mn-cs"/>
-              </a:rPr>
-              <a:t>Standardize parameters </a:t>
-            </a:r>
-          </a:p>
-          <a:p>
-            <a:endParaRPr lang="en-US" sz="1200" b="0" i="0" kern="1200" dirty="0">
-              <a:solidFill>
-                <a:schemeClr val="tx1"/>
-              </a:solidFill>
-              <a:effectLst/>
-              <a:latin typeface="+mn-lt"/>
-              <a:ea typeface="+mn-ea"/>
-              <a:cs typeface="+mn-cs"/>
-            </a:endParaRPr>
-          </a:p>
-          <a:p>
-            <a:r>
-              <a:rPr lang="en-US" sz="1200" b="0" i="0" kern="1200" dirty="0">
-                <a:solidFill>
-                  <a:schemeClr val="tx1"/>
-                </a:solidFill>
-                <a:effectLst/>
-                <a:latin typeface="+mn-lt"/>
-                <a:ea typeface="+mn-ea"/>
-                <a:cs typeface="+mn-cs"/>
-              </a:rPr>
-              <a:t>Early days – Chrissy would troll reddit, looking for common problems, automating them and then adding them to </a:t>
-            </a:r>
-            <a:r>
-              <a:rPr lang="en-US" sz="1200" b="0" i="0" kern="1200" dirty="0" err="1">
-                <a:solidFill>
-                  <a:schemeClr val="tx1"/>
-                </a:solidFill>
-                <a:effectLst/>
-                <a:latin typeface="+mn-lt"/>
-                <a:ea typeface="+mn-ea"/>
-                <a:cs typeface="+mn-cs"/>
-              </a:rPr>
-              <a:t>dbatools</a:t>
-            </a:r>
-            <a:endParaRPr lang="en-US" sz="1200" b="0" i="0" kern="1200" dirty="0">
-              <a:solidFill>
-                <a:schemeClr val="tx1"/>
-              </a:solidFill>
-              <a:effectLst/>
-              <a:latin typeface="+mn-lt"/>
-              <a:ea typeface="+mn-ea"/>
-              <a:cs typeface="+mn-cs"/>
-            </a:endParaRPr>
           </a:p>
         </p:txBody>
       </p:sp>
       <p:sp>
         <p:nvSpPr>
-          <p:cNvPr id="4" name="Slide Number Placeholder 3"/>
+          <p:cNvPr id="4" name="Slide Number Placeholder 3">
+            <a:extLst>
+              <a:ext uri="{FF2B5EF4-FFF2-40B4-BE49-F238E27FC236}">
+                <a16:creationId xmlns:a16="http://schemas.microsoft.com/office/drawing/2014/main" id="{2954125E-A1FD-1078-858E-9FFDD68311D3}"/>
+              </a:ext>
+            </a:extLst>
+          </p:cNvPr>
           <p:cNvSpPr>
             <a:spLocks noGrp="1"/>
           </p:cNvSpPr>
@@ -1155,7 +3398,7 @@
     </p:spTree>
     <p:extLst>
       <p:ext uri="{BB962C8B-B14F-4D97-AF65-F5344CB8AC3E}">
-        <p14:creationId xmlns:p14="http://schemas.microsoft.com/office/powerpoint/2010/main" val="947307982"/>
+        <p14:creationId xmlns:p14="http://schemas.microsoft.com/office/powerpoint/2010/main" val="775360218"/>
       </p:ext>
     </p:extLst>
   </p:cSld>
@@ -1209,103 +3452,15 @@
           <a:bodyPr/>
           <a:lstStyle/>
           <a:p>
-            <a:r>
-              <a:rPr lang="en-US" dirty="0"/>
-              <a:t>Enable Exception</a:t>
-            </a:r>
-          </a:p>
-          <a:p>
-            <a:endParaRPr lang="en-US" dirty="0"/>
-          </a:p>
-          <a:p>
-            <a:r>
-              <a:rPr lang="en-US" dirty="0"/>
-              <a:t>Backup-</a:t>
-            </a:r>
-            <a:r>
-              <a:rPr lang="en-US" dirty="0" err="1"/>
-              <a:t>DbaDatabase</a:t>
-            </a:r>
-            <a:r>
-              <a:rPr lang="en-US" dirty="0"/>
-              <a:t> – default is a full backup (not copy only)</a:t>
-            </a:r>
-          </a:p>
-          <a:p>
-            <a:r>
-              <a:rPr lang="en-US" sz="1200" b="0" i="0" kern="1200" dirty="0">
-                <a:solidFill>
-                  <a:schemeClr val="tx1"/>
-                </a:solidFill>
-                <a:effectLst/>
-                <a:latin typeface="+mn-lt"/>
-                <a:ea typeface="+mn-ea"/>
-                <a:cs typeface="+mn-cs"/>
-              </a:rPr>
-              <a:t>DATA_PURITY - Causes DBCC CHECKDB to check the database for column values that are not valid or out-of-range. </a:t>
-            </a:r>
-          </a:p>
-          <a:p>
-            <a:r>
-              <a:rPr lang="en-US" sz="1200" b="0" i="0" kern="1200" dirty="0">
-                <a:solidFill>
-                  <a:schemeClr val="tx1"/>
-                </a:solidFill>
-                <a:effectLst/>
-                <a:latin typeface="+mn-lt"/>
-                <a:ea typeface="+mn-ea"/>
-                <a:cs typeface="+mn-cs"/>
-              </a:rPr>
-              <a:t>For example</a:t>
-            </a:r>
-            <a:r>
-              <a:rPr lang="en-US" sz="1200" b="0" i="0" kern="1200">
-                <a:solidFill>
-                  <a:schemeClr val="tx1"/>
-                </a:solidFill>
-                <a:effectLst/>
-                <a:latin typeface="+mn-lt"/>
-                <a:ea typeface="+mn-ea"/>
-                <a:cs typeface="+mn-cs"/>
-              </a:rPr>
-              <a:t>, columns </a:t>
-            </a:r>
-            <a:r>
-              <a:rPr lang="en-US" sz="1200" b="0" i="0" kern="1200" dirty="0">
-                <a:solidFill>
-                  <a:schemeClr val="tx1"/>
-                </a:solidFill>
-                <a:effectLst/>
-                <a:latin typeface="+mn-lt"/>
-                <a:ea typeface="+mn-ea"/>
-                <a:cs typeface="+mn-cs"/>
-              </a:rPr>
-              <a:t>with date and time values that are larger than or less than the acceptable range for the </a:t>
-            </a:r>
-            <a:r>
-              <a:rPr lang="en-US" sz="1200" b="1" i="0" kern="1200" dirty="0">
-                <a:solidFill>
-                  <a:schemeClr val="tx1"/>
-                </a:solidFill>
-                <a:effectLst/>
-                <a:latin typeface="+mn-lt"/>
-                <a:ea typeface="+mn-ea"/>
-                <a:cs typeface="+mn-cs"/>
-              </a:rPr>
-              <a:t>datetime</a:t>
-            </a:r>
-            <a:r>
-              <a:rPr lang="en-US" sz="1200" b="0" i="0" kern="1200" dirty="0">
-                <a:solidFill>
-                  <a:schemeClr val="tx1"/>
-                </a:solidFill>
-                <a:effectLst/>
-                <a:latin typeface="+mn-lt"/>
-                <a:ea typeface="+mn-ea"/>
-                <a:cs typeface="+mn-cs"/>
-              </a:rPr>
-              <a:t> data type;</a:t>
-            </a:r>
+            <a:endParaRPr lang="en-US" sz="1200" b="0" i="0" kern="1200" dirty="0">
+              <a:solidFill>
+                <a:schemeClr val="tx1"/>
+              </a:solidFill>
+              <a:effectLst/>
+              <a:latin typeface="+mn-lt"/>
+              <a:ea typeface="+mn-ea"/>
+              <a:cs typeface="+mn-cs"/>
+            </a:endParaRPr>
           </a:p>
         </p:txBody>
       </p:sp>
@@ -1336,6 +3491,506 @@
     <p:extLst>
       <p:ext uri="{BB962C8B-B14F-4D97-AF65-F5344CB8AC3E}">
         <p14:creationId xmlns:p14="http://schemas.microsoft.com/office/powerpoint/2010/main" val="3711910762"/>
+      </p:ext>
+    </p:extLst>
+  </p:cSld>
+  <p:clrMapOvr>
+    <a:masterClrMapping/>
+  </p:clrMapOvr>
+</p:notes>
+</file>
+
+<file path=ppt/notesSlides/notesSlide6.xml><?xml version="1.0" encoding="utf-8"?>
+<p:notes xmlns:a="http://schemas.openxmlformats.org/drawingml/2006/main" xmlns:r="http://schemas.openxmlformats.org/officeDocument/2006/relationships" xmlns:p="http://schemas.openxmlformats.org/presentationml/2006/main">
+  <p:cSld>
+    <p:spTree>
+      <p:nvGrpSpPr>
+        <p:cNvPr id="1" name=""/>
+        <p:cNvGrpSpPr/>
+        <p:nvPr/>
+      </p:nvGrpSpPr>
+      <p:grpSpPr>
+        <a:xfrm>
+          <a:off x="0" y="0"/>
+          <a:ext cx="0" cy="0"/>
+          <a:chOff x="0" y="0"/>
+          <a:chExt cx="0" cy="0"/>
+        </a:xfrm>
+      </p:grpSpPr>
+      <p:sp>
+        <p:nvSpPr>
+          <p:cNvPr id="2" name="Slide Image Placeholder 1"/>
+          <p:cNvSpPr>
+            <a:spLocks noGrp="1" noRot="1" noChangeAspect="1"/>
+          </p:cNvSpPr>
+          <p:nvPr>
+            <p:ph type="sldImg"/>
+          </p:nvPr>
+        </p:nvSpPr>
+        <p:spPr/>
+      </p:sp>
+      <p:sp>
+        <p:nvSpPr>
+          <p:cNvPr id="3" name="Notes Placeholder 2"/>
+          <p:cNvSpPr>
+            <a:spLocks noGrp="1"/>
+          </p:cNvSpPr>
+          <p:nvPr>
+            <p:ph type="body" idx="1"/>
+          </p:nvPr>
+        </p:nvSpPr>
+        <p:spPr/>
+        <p:txBody>
+          <a:bodyPr/>
+          <a:lstStyle/>
+          <a:p>
+            <a:r>
+              <a:rPr lang="en-US" dirty="0"/>
+              <a:t>PowerShell Module – Command line SSMS</a:t>
+            </a:r>
+          </a:p>
+          <a:p>
+            <a:r>
+              <a:rPr lang="en-US" dirty="0"/>
+              <a:t> - makes it easier to manage multiples… multiple servers, databases, jobs, logins, etc.</a:t>
+            </a:r>
+          </a:p>
+          <a:p>
+            <a:endParaRPr lang="en-US" dirty="0"/>
+          </a:p>
+          <a:p>
+            <a:r>
+              <a:rPr lang="en-US" sz="1200" b="0" i="0" kern="1200" dirty="0">
+                <a:solidFill>
+                  <a:schemeClr val="tx1"/>
+                </a:solidFill>
+                <a:effectLst/>
+                <a:latin typeface="+mn-lt"/>
+                <a:ea typeface="+mn-ea"/>
+                <a:cs typeface="+mn-cs"/>
+              </a:rPr>
+              <a:t>Support all the ways to login to SQL Server that SSMS does (including Multi Factor Authentication)</a:t>
+            </a:r>
+          </a:p>
+          <a:p>
+            <a:r>
+              <a:rPr lang="en-US" sz="1200" b="0" i="0" kern="1200" dirty="0">
+                <a:solidFill>
+                  <a:schemeClr val="tx1"/>
+                </a:solidFill>
+                <a:effectLst/>
+                <a:latin typeface="+mn-lt"/>
+                <a:ea typeface="+mn-ea"/>
+                <a:cs typeface="+mn-cs"/>
+              </a:rPr>
+              <a:t>Support SQL Server 2000 and PowerShell 3 wherever possible – goal is still to make migrations easy</a:t>
+            </a:r>
+          </a:p>
+          <a:p>
+            <a:r>
+              <a:rPr lang="en-US" sz="1200" b="0" i="0" kern="1200" dirty="0">
+                <a:solidFill>
+                  <a:schemeClr val="tx1"/>
+                </a:solidFill>
+                <a:effectLst/>
+                <a:latin typeface="+mn-lt"/>
+                <a:ea typeface="+mn-ea"/>
+                <a:cs typeface="+mn-cs"/>
+              </a:rPr>
+              <a:t>Support for Azure (can migrate to Azure Managed Instances)</a:t>
+            </a:r>
+          </a:p>
+          <a:p>
+            <a:r>
+              <a:rPr lang="en-US" sz="1200" b="0" i="0" kern="1200" dirty="0">
+                <a:solidFill>
+                  <a:schemeClr val="tx1"/>
+                </a:solidFill>
+                <a:effectLst/>
+                <a:latin typeface="+mn-lt"/>
+                <a:ea typeface="+mn-ea"/>
+                <a:cs typeface="+mn-cs"/>
+              </a:rPr>
+              <a:t>75% of commands run on Mac OS and Linux</a:t>
+            </a:r>
+          </a:p>
+          <a:p>
+            <a:endParaRPr lang="en-US" dirty="0"/>
+          </a:p>
+          <a:p>
+            <a:pPr marL="0" marR="0" lvl="0" indent="0" algn="l" defTabSz="914400" rtl="0" eaLnBrk="1" fontAlgn="auto" latinLnBrk="0" hangingPunct="1">
+              <a:lnSpc>
+                <a:spcPct val="100000"/>
+              </a:lnSpc>
+              <a:spcBef>
+                <a:spcPts val="0"/>
+              </a:spcBef>
+              <a:spcAft>
+                <a:spcPts val="0"/>
+              </a:spcAft>
+              <a:buClrTx/>
+              <a:buSzTx/>
+              <a:buFontTx/>
+              <a:buNone/>
+              <a:tabLst/>
+              <a:defRPr/>
+            </a:pPr>
+            <a:r>
+              <a:rPr lang="en-US" dirty="0"/>
+              <a:t>MIT license - </a:t>
+            </a:r>
+            <a:r>
+              <a:rPr lang="en-US" dirty="0">
+                <a:hlinkClick r:id="rId3"/>
+              </a:rPr>
+              <a:t>https://dbatools.io/mit/</a:t>
+            </a:r>
+            <a:r>
+              <a:rPr lang="en-US" dirty="0"/>
+              <a:t> - only requirement is to maintain copywrite and license notices. </a:t>
+            </a:r>
+          </a:p>
+          <a:p>
+            <a:pPr marL="0" marR="0" lvl="0" indent="0" algn="l" defTabSz="914400" rtl="0" eaLnBrk="1" fontAlgn="auto" latinLnBrk="0" hangingPunct="1">
+              <a:lnSpc>
+                <a:spcPct val="100000"/>
+              </a:lnSpc>
+              <a:spcBef>
+                <a:spcPts val="0"/>
+              </a:spcBef>
+              <a:spcAft>
+                <a:spcPts val="0"/>
+              </a:spcAft>
+              <a:buClrTx/>
+              <a:buSzTx/>
+              <a:buFontTx/>
+              <a:buNone/>
+              <a:tabLst/>
+              <a:defRPr/>
+            </a:pPr>
+            <a:r>
+              <a:rPr lang="en-US" dirty="0"/>
+              <a:t>OK for private use or commercial use, modification, distribution</a:t>
+            </a:r>
+          </a:p>
+          <a:p>
+            <a:endParaRPr lang="en-US" dirty="0"/>
+          </a:p>
+          <a:p>
+            <a:r>
+              <a:rPr lang="en-US" dirty="0"/>
+              <a:t>Talking to your company about </a:t>
+            </a:r>
+            <a:r>
+              <a:rPr lang="en-US" dirty="0" err="1"/>
+              <a:t>dbatools</a:t>
+            </a:r>
+            <a:r>
+              <a:rPr lang="en-US" dirty="0"/>
+              <a:t> - </a:t>
+            </a:r>
+            <a:r>
+              <a:rPr lang="en-US" dirty="0">
+                <a:hlinkClick r:id="rId4"/>
+              </a:rPr>
+              <a:t>https://dbatools.io/secure/</a:t>
+            </a:r>
+            <a:endParaRPr lang="en-US" dirty="0"/>
+          </a:p>
+          <a:p>
+            <a:pPr marL="171450" indent="-171450">
+              <a:buFont typeface="Arial" panose="020B0604020202020204" pitchFamily="34" charset="0"/>
+              <a:buChar char="•"/>
+            </a:pPr>
+            <a:r>
+              <a:rPr lang="en-US" dirty="0"/>
+              <a:t>PowerShell team works hard at “Secure by Design” approach</a:t>
+            </a:r>
+          </a:p>
+          <a:p>
+            <a:pPr marL="171450" indent="-171450">
+              <a:buFont typeface="Arial" panose="020B0604020202020204" pitchFamily="34" charset="0"/>
+              <a:buChar char="•"/>
+            </a:pPr>
+            <a:r>
+              <a:rPr lang="en-US" dirty="0"/>
+              <a:t>Code signed – verifies the code you receive hasn’t been modified by a third party. Chrissy &amp; Rob are the only people who can sign </a:t>
+            </a:r>
+            <a:r>
+              <a:rPr lang="en-US" dirty="0" err="1"/>
+              <a:t>dbatools</a:t>
+            </a:r>
+            <a:r>
+              <a:rPr lang="en-US" dirty="0"/>
+              <a:t> releases</a:t>
+            </a:r>
+          </a:p>
+          <a:p>
+            <a:pPr marL="628650" lvl="1" indent="-171450">
+              <a:buFont typeface="Arial" panose="020B0604020202020204" pitchFamily="34" charset="0"/>
+              <a:buChar char="•"/>
+            </a:pPr>
+            <a:r>
+              <a:rPr lang="en-US" dirty="0"/>
+              <a:t>Enterprise ready</a:t>
+            </a:r>
+          </a:p>
+          <a:p>
+            <a:pPr marL="171450" indent="-171450">
+              <a:buFont typeface="Arial" panose="020B0604020202020204" pitchFamily="34" charset="0"/>
+              <a:buChar char="•"/>
+            </a:pPr>
+            <a:r>
+              <a:rPr lang="en-US" dirty="0"/>
+              <a:t>Pester tests</a:t>
+            </a:r>
+          </a:p>
+          <a:p>
+            <a:pPr marL="171450" indent="-171450">
+              <a:buFont typeface="Arial" panose="020B0604020202020204" pitchFamily="34" charset="0"/>
+              <a:buChar char="•"/>
+            </a:pPr>
+            <a:r>
+              <a:rPr lang="en-US" dirty="0"/>
+              <a:t>Restricted merging to master branch</a:t>
+            </a:r>
+          </a:p>
+          <a:p>
+            <a:pPr marL="171450" indent="-171450">
+              <a:buFont typeface="Arial" panose="020B0604020202020204" pitchFamily="34" charset="0"/>
+              <a:buChar char="•"/>
+            </a:pPr>
+            <a:r>
+              <a:rPr lang="en-US" dirty="0"/>
+              <a:t>PowerShell gallery runs a virus scan against the module </a:t>
+            </a:r>
+          </a:p>
+          <a:p>
+            <a:pPr marL="0" indent="0">
+              <a:buFont typeface="Arial" panose="020B0604020202020204" pitchFamily="34" charset="0"/>
+              <a:buNone/>
+            </a:pPr>
+            <a:endParaRPr lang="en-US" dirty="0"/>
+          </a:p>
+        </p:txBody>
+      </p:sp>
+      <p:sp>
+        <p:nvSpPr>
+          <p:cNvPr id="4" name="Slide Number Placeholder 3"/>
+          <p:cNvSpPr>
+            <a:spLocks noGrp="1"/>
+          </p:cNvSpPr>
+          <p:nvPr>
+            <p:ph type="sldNum" sz="quarter" idx="5"/>
+          </p:nvPr>
+        </p:nvSpPr>
+        <p:spPr/>
+        <p:txBody>
+          <a:bodyPr/>
+          <a:lstStyle/>
+          <a:p>
+            <a:fld id="{0888DEC1-F2AB-4DD2-8E1F-AE80EFAA4036}" type="slidenum">
+              <a:rPr lang="en-US" smtClean="0"/>
+              <a:t>9</a:t>
+            </a:fld>
+            <a:endParaRPr lang="en-US"/>
+          </a:p>
+        </p:txBody>
+      </p:sp>
+    </p:spTree>
+    <p:extLst>
+      <p:ext uri="{BB962C8B-B14F-4D97-AF65-F5344CB8AC3E}">
+        <p14:creationId xmlns:p14="http://schemas.microsoft.com/office/powerpoint/2010/main" val="382535915"/>
+      </p:ext>
+    </p:extLst>
+  </p:cSld>
+  <p:clrMapOvr>
+    <a:masterClrMapping/>
+  </p:clrMapOvr>
+</p:notes>
+</file>
+
+<file path=ppt/notesSlides/notesSlide7.xml><?xml version="1.0" encoding="utf-8"?>
+<p:notes xmlns:a="http://schemas.openxmlformats.org/drawingml/2006/main" xmlns:r="http://schemas.openxmlformats.org/officeDocument/2006/relationships" xmlns:p="http://schemas.openxmlformats.org/presentationml/2006/main">
+  <p:cSld>
+    <p:spTree>
+      <p:nvGrpSpPr>
+        <p:cNvPr id="1" name=""/>
+        <p:cNvGrpSpPr/>
+        <p:nvPr/>
+      </p:nvGrpSpPr>
+      <p:grpSpPr>
+        <a:xfrm>
+          <a:off x="0" y="0"/>
+          <a:ext cx="0" cy="0"/>
+          <a:chOff x="0" y="0"/>
+          <a:chExt cx="0" cy="0"/>
+        </a:xfrm>
+      </p:grpSpPr>
+      <p:sp>
+        <p:nvSpPr>
+          <p:cNvPr id="2" name="Slide Image Placeholder 1"/>
+          <p:cNvSpPr>
+            <a:spLocks noGrp="1" noRot="1" noChangeAspect="1"/>
+          </p:cNvSpPr>
+          <p:nvPr>
+            <p:ph type="sldImg"/>
+          </p:nvPr>
+        </p:nvSpPr>
+        <p:spPr/>
+      </p:sp>
+      <p:sp>
+        <p:nvSpPr>
+          <p:cNvPr id="3" name="Notes Placeholder 2"/>
+          <p:cNvSpPr>
+            <a:spLocks noGrp="1"/>
+          </p:cNvSpPr>
+          <p:nvPr>
+            <p:ph type="body" idx="1"/>
+          </p:nvPr>
+        </p:nvSpPr>
+        <p:spPr/>
+        <p:txBody>
+          <a:bodyPr/>
+          <a:lstStyle/>
+          <a:p>
+            <a:r>
+              <a:rPr lang="en-US" dirty="0"/>
+              <a:t>2014 – Chrissy had to do a SharePoint migration – lot of databases/logins/jobs/etc.</a:t>
+            </a:r>
+          </a:p>
+          <a:p>
+            <a:endParaRPr lang="en-US" dirty="0"/>
+          </a:p>
+          <a:p>
+            <a:r>
+              <a:rPr lang="en-US" dirty="0"/>
+              <a:t>1.0 - </a:t>
+            </a:r>
+            <a:r>
+              <a:rPr lang="en-US" sz="1200" b="0" i="0" kern="1200" dirty="0">
+                <a:solidFill>
+                  <a:schemeClr val="tx1"/>
+                </a:solidFill>
+                <a:effectLst/>
+                <a:latin typeface="+mn-lt"/>
+                <a:ea typeface="+mn-ea"/>
+                <a:cs typeface="+mn-cs"/>
+              </a:rPr>
+              <a:t>Over 160 contributors and 550 commands</a:t>
+            </a:r>
+          </a:p>
+          <a:p>
+            <a:pPr marL="171450" indent="-171450">
+              <a:buFont typeface="Arial" panose="020B0604020202020204" pitchFamily="34" charset="0"/>
+              <a:buChar char="•"/>
+            </a:pPr>
+            <a:r>
+              <a:rPr lang="en-US" sz="1200" b="0" i="0" kern="1200" dirty="0">
+                <a:solidFill>
+                  <a:schemeClr val="tx1"/>
+                </a:solidFill>
+                <a:effectLst/>
+                <a:latin typeface="+mn-lt"/>
+                <a:ea typeface="+mn-ea"/>
+                <a:cs typeface="+mn-cs"/>
+              </a:rPr>
+              <a:t>Standardize naming</a:t>
+            </a:r>
+          </a:p>
+          <a:p>
+            <a:pPr marL="171450" indent="-171450">
+              <a:buFont typeface="Arial" panose="020B0604020202020204" pitchFamily="34" charset="0"/>
+              <a:buChar char="•"/>
+            </a:pPr>
+            <a:r>
+              <a:rPr lang="en-US" sz="1200" b="0" i="0" kern="1200" dirty="0">
+                <a:solidFill>
+                  <a:schemeClr val="tx1"/>
+                </a:solidFill>
+                <a:effectLst/>
+                <a:latin typeface="+mn-lt"/>
+                <a:ea typeface="+mn-ea"/>
+                <a:cs typeface="+mn-cs"/>
+              </a:rPr>
+              <a:t>Standardize parameters </a:t>
+            </a:r>
+          </a:p>
+          <a:p>
+            <a:endParaRPr lang="en-US" sz="1200" b="0" i="0" kern="1200" dirty="0">
+              <a:solidFill>
+                <a:schemeClr val="tx1"/>
+              </a:solidFill>
+              <a:effectLst/>
+              <a:latin typeface="+mn-lt"/>
+              <a:ea typeface="+mn-ea"/>
+              <a:cs typeface="+mn-cs"/>
+            </a:endParaRPr>
+          </a:p>
+          <a:p>
+            <a:r>
+              <a:rPr lang="en-US" sz="1200" b="0" i="0" kern="1200" dirty="0">
+                <a:solidFill>
+                  <a:schemeClr val="tx1"/>
+                </a:solidFill>
+                <a:effectLst/>
+                <a:latin typeface="+mn-lt"/>
+                <a:ea typeface="+mn-ea"/>
+                <a:cs typeface="+mn-cs"/>
+              </a:rPr>
+              <a:t>Early days – Chrissy would troll reddit, looking for common problems, automating them and then adding them to </a:t>
+            </a:r>
+            <a:r>
+              <a:rPr lang="en-US" sz="1200" b="0" i="0" kern="1200" dirty="0" err="1">
+                <a:solidFill>
+                  <a:schemeClr val="tx1"/>
+                </a:solidFill>
+                <a:effectLst/>
+                <a:latin typeface="+mn-lt"/>
+                <a:ea typeface="+mn-ea"/>
+                <a:cs typeface="+mn-cs"/>
+              </a:rPr>
+              <a:t>dbatools</a:t>
+            </a:r>
+            <a:endParaRPr lang="en-US" sz="1200" b="0" i="0" kern="1200" dirty="0">
+              <a:solidFill>
+                <a:schemeClr val="tx1"/>
+              </a:solidFill>
+              <a:effectLst/>
+              <a:latin typeface="+mn-lt"/>
+              <a:ea typeface="+mn-ea"/>
+              <a:cs typeface="+mn-cs"/>
+            </a:endParaRPr>
+          </a:p>
+        </p:txBody>
+      </p:sp>
+      <p:sp>
+        <p:nvSpPr>
+          <p:cNvPr id="4" name="Slide Number Placeholder 3"/>
+          <p:cNvSpPr>
+            <a:spLocks noGrp="1"/>
+          </p:cNvSpPr>
+          <p:nvPr>
+            <p:ph type="sldNum" sz="quarter" idx="5"/>
+          </p:nvPr>
+        </p:nvSpPr>
+        <p:spPr/>
+        <p:txBody>
+          <a:bodyPr/>
+          <a:lstStyle/>
+          <a:p>
+            <a:fld id="{0888DEC1-F2AB-4DD2-8E1F-AE80EFAA4036}" type="slidenum">
+              <a:rPr lang="en-US" smtClean="0"/>
+              <a:t>10</a:t>
+            </a:fld>
+            <a:endParaRPr lang="en-US"/>
+          </a:p>
+        </p:txBody>
+      </p:sp>
+    </p:spTree>
+    <p:extLst>
+      <p:ext uri="{BB962C8B-B14F-4D97-AF65-F5344CB8AC3E}">
+        <p14:creationId xmlns:p14="http://schemas.microsoft.com/office/powerpoint/2010/main" val="1705957911"/>
       </p:ext>
     </p:extLst>
   </p:cSld>
@@ -3066,7 +5721,7 @@
           <a:p>
             <a:fld id="{6F7AEB39-490D-4470-BB4F-F7E09AA2B520}" type="datetimeFigureOut">
               <a:rPr lang="en-US" smtClean="0"/>
-              <a:t>2/8/2025</a:t>
+              <a:t>6/1/2025</a:t>
             </a:fld>
             <a:endParaRPr lang="en-US"/>
           </a:p>
@@ -3610,7 +6265,7 @@
           <a:p>
             <a:fld id="{6F7AEB39-490D-4470-BB4F-F7E09AA2B520}" type="datetimeFigureOut">
               <a:rPr lang="en-US" smtClean="0"/>
-              <a:t>2/8/2025</a:t>
+              <a:t>6/1/2025</a:t>
             </a:fld>
             <a:endParaRPr lang="en-US"/>
           </a:p>
@@ -6506,14 +9161,13 @@
           <a:lstStyle/>
           <a:p>
             <a:r>
-              <a:rPr lang="en-US" dirty="0"/>
-              <a:t>Intro to </a:t>
-            </a:r>
-            <a:r>
               <a:rPr lang="en-US" dirty="0" err="1"/>
               <a:t>dbatools</a:t>
             </a:r>
-            <a:endParaRPr lang="en-US" dirty="0"/>
+            <a:r>
+              <a:rPr lang="en-US" dirty="0"/>
+              <a:t>: Morning Checks</a:t>
+            </a:r>
           </a:p>
         </p:txBody>
       </p:sp>
@@ -6566,6 +9220,211 @@
 </p:sld>
 </file>
 
+<file path=ppt/slides/slide10.xml><?xml version="1.0" encoding="utf-8"?>
+<p:sld xmlns:a="http://schemas.openxmlformats.org/drawingml/2006/main" xmlns:r="http://schemas.openxmlformats.org/officeDocument/2006/relationships" xmlns:p="http://schemas.openxmlformats.org/presentationml/2006/main" show="0">
+  <p:cSld>
+    <p:spTree>
+      <p:nvGrpSpPr>
+        <p:cNvPr id="1" name=""/>
+        <p:cNvGrpSpPr/>
+        <p:nvPr/>
+      </p:nvGrpSpPr>
+      <p:grpSpPr>
+        <a:xfrm>
+          <a:off x="0" y="0"/>
+          <a:ext cx="0" cy="0"/>
+          <a:chOff x="0" y="0"/>
+          <a:chExt cx="0" cy="0"/>
+        </a:xfrm>
+      </p:grpSpPr>
+      <p:sp>
+        <p:nvSpPr>
+          <p:cNvPr id="2" name="Title 1">
+            <a:extLst>
+              <a:ext uri="{FF2B5EF4-FFF2-40B4-BE49-F238E27FC236}">
+                <a16:creationId xmlns:a16="http://schemas.microsoft.com/office/drawing/2014/main" id="{F9DDD8BB-C850-4B3C-BF45-E76343CF57D0}"/>
+              </a:ext>
+            </a:extLst>
+          </p:cNvPr>
+          <p:cNvSpPr>
+            <a:spLocks noGrp="1"/>
+          </p:cNvSpPr>
+          <p:nvPr>
+            <p:ph type="title"/>
+          </p:nvPr>
+        </p:nvSpPr>
+        <p:spPr/>
+        <p:txBody>
+          <a:bodyPr/>
+          <a:lstStyle/>
+          <a:p>
+            <a:r>
+              <a:rPr lang="en-US" err="1"/>
+              <a:t>dbatools</a:t>
+            </a:r>
+            <a:r>
+              <a:rPr lang="en-US"/>
+              <a:t>: a short history</a:t>
+            </a:r>
+          </a:p>
+        </p:txBody>
+      </p:sp>
+      <p:sp>
+        <p:nvSpPr>
+          <p:cNvPr id="3" name="Content Placeholder 2">
+            <a:extLst>
+              <a:ext uri="{FF2B5EF4-FFF2-40B4-BE49-F238E27FC236}">
+                <a16:creationId xmlns:a16="http://schemas.microsoft.com/office/drawing/2014/main" id="{A34FD3AF-15D0-40AA-BA8F-B446D85C939E}"/>
+              </a:ext>
+            </a:extLst>
+          </p:cNvPr>
+          <p:cNvSpPr>
+            <a:spLocks noGrp="1"/>
+          </p:cNvSpPr>
+          <p:nvPr>
+            <p:ph idx="1"/>
+          </p:nvPr>
+        </p:nvSpPr>
+        <p:spPr/>
+        <p:txBody>
+          <a:bodyPr>
+            <a:normAutofit/>
+          </a:bodyPr>
+          <a:lstStyle/>
+          <a:p>
+            <a:r>
+              <a:rPr lang="en-US" sz="3200" dirty="0"/>
+              <a:t>Created by Chrissy </a:t>
+            </a:r>
+            <a:r>
+              <a:rPr lang="en-US" sz="3200" dirty="0" err="1"/>
+              <a:t>LeMaire</a:t>
+            </a:r>
+            <a:r>
+              <a:rPr lang="en-US" sz="3200" dirty="0"/>
+              <a:t> to migrate SharePoint instances</a:t>
+            </a:r>
+          </a:p>
+          <a:p>
+            <a:r>
+              <a:rPr lang="en-US" sz="3200" dirty="0"/>
+              <a:t>September 2015 – First commit to GitHub</a:t>
+            </a:r>
+          </a:p>
+          <a:p>
+            <a:r>
+              <a:rPr lang="en-US" sz="3200" dirty="0"/>
+              <a:t>June 2019 – 1.0 launch at </a:t>
+            </a:r>
+            <a:r>
+              <a:rPr lang="en-US" sz="3200" dirty="0" err="1"/>
+              <a:t>DataGrillen</a:t>
+            </a:r>
+            <a:endParaRPr lang="en-US" sz="3200" dirty="0"/>
+          </a:p>
+          <a:p>
+            <a:r>
+              <a:rPr lang="en-US" sz="3200" dirty="0"/>
+              <a:t>Dec 2022 – 2.0 launch – split into two modules</a:t>
+            </a:r>
+          </a:p>
+          <a:p>
+            <a:pPr marL="0" indent="0">
+              <a:buNone/>
+            </a:pPr>
+            <a:endParaRPr lang="en-US" sz="3200" dirty="0"/>
+          </a:p>
+          <a:p>
+            <a:r>
+              <a:rPr lang="en-US" sz="3200" dirty="0"/>
+              <a:t>692 Functions (as of 26/2/2021) – v2.1.28</a:t>
+            </a:r>
+          </a:p>
+          <a:p>
+            <a:r>
+              <a:rPr lang="en-US" sz="3200" dirty="0"/>
+              <a:t>700+ Pester tests</a:t>
+            </a:r>
+          </a:p>
+          <a:p>
+            <a:endParaRPr lang="en-US" sz="3200" dirty="0"/>
+          </a:p>
+          <a:p>
+            <a:r>
+              <a:rPr lang="en-US" sz="3200" dirty="0"/>
+              <a:t>Learn </a:t>
+            </a:r>
+            <a:r>
+              <a:rPr lang="en-US" sz="3200" dirty="0" err="1"/>
+              <a:t>dbatools</a:t>
+            </a:r>
+            <a:r>
+              <a:rPr lang="en-US" sz="3200" dirty="0"/>
+              <a:t> in a Month of Lunches</a:t>
+            </a:r>
+          </a:p>
+        </p:txBody>
+      </p:sp>
+      <p:pic>
+        <p:nvPicPr>
+          <p:cNvPr id="5" name="Picture 2">
+            <a:extLst>
+              <a:ext uri="{FF2B5EF4-FFF2-40B4-BE49-F238E27FC236}">
+                <a16:creationId xmlns:a16="http://schemas.microsoft.com/office/drawing/2014/main" id="{72CAC2B5-FF16-DBC2-B492-E7217FEB4880}"/>
+              </a:ext>
+            </a:extLst>
+          </p:cNvPr>
+          <p:cNvPicPr>
+            <a:picLocks noChangeAspect="1" noChangeArrowheads="1"/>
+          </p:cNvPicPr>
+          <p:nvPr/>
+        </p:nvPicPr>
+        <p:blipFill>
+          <a:blip r:embed="rId3">
+            <a:extLst>
+              <a:ext uri="{28A0092B-C50C-407E-A947-70E740481C1C}">
+                <a14:useLocalDpi xmlns:a14="http://schemas.microsoft.com/office/drawing/2010/main" val="0"/>
+              </a:ext>
+            </a:extLst>
+          </a:blip>
+          <a:srcRect/>
+          <a:stretch>
+            <a:fillRect/>
+          </a:stretch>
+        </p:blipFill>
+        <p:spPr bwMode="auto">
+          <a:xfrm>
+            <a:off x="9395086" y="2870133"/>
+            <a:ext cx="2639598" cy="3306830"/>
+          </a:xfrm>
+          <a:prstGeom prst="rect">
+            <a:avLst/>
+          </a:prstGeom>
+          <a:noFill/>
+          <a:extLst>
+            <a:ext uri="{909E8E84-426E-40DD-AFC4-6F175D3DCCD1}">
+              <a14:hiddenFill xmlns:a14="http://schemas.microsoft.com/office/drawing/2010/main">
+                <a:solidFill>
+                  <a:srgbClr val="FFFFFF"/>
+                </a:solidFill>
+              </a14:hiddenFill>
+            </a:ext>
+          </a:extLst>
+        </p:spPr>
+      </p:pic>
+    </p:spTree>
+    <p:extLst>
+      <p:ext uri="{BB962C8B-B14F-4D97-AF65-F5344CB8AC3E}">
+        <p14:creationId xmlns:p14="http://schemas.microsoft.com/office/powerpoint/2010/main" val="4065441040"/>
+      </p:ext>
+    </p:extLst>
+  </p:cSld>
+  <p:clrMapOvr>
+    <a:masterClrMapping/>
+  </p:clrMapOvr>
+</p:sld>
+</file>
+
 <file path=ppt/slides/slide2.xml><?xml version="1.0" encoding="utf-8"?>
 <p:sld xmlns:a="http://schemas.openxmlformats.org/drawingml/2006/main" xmlns:r="http://schemas.openxmlformats.org/officeDocument/2006/relationships" xmlns:p="http://schemas.openxmlformats.org/presentationml/2006/main">
   <p:cSld>
@@ -6704,17 +9563,31 @@
           <a:p>
             <a:r>
               <a:rPr lang="en-US" dirty="0"/>
-              <a:t>jpomfret.co.uk</a:t>
-            </a:r>
+              <a:t>linkedin.com/in/</a:t>
+            </a:r>
+            <a:r>
+              <a:rPr lang="en-US" dirty="0" err="1"/>
+              <a:t>jpomfret</a:t>
+            </a:r>
+            <a:r>
+              <a:rPr lang="en-US" dirty="0"/>
+              <a:t>/</a:t>
+            </a:r>
+          </a:p>
+          <a:p>
+            <a:pPr marL="0" indent="0">
+              <a:buNone/>
+            </a:pPr>
+            <a:endParaRPr lang="en-US" dirty="0"/>
           </a:p>
         </p:txBody>
       </p:sp>
       <p:pic>
         <p:nvPicPr>
-          <p:cNvPr id="5" name="Picture 4">
+          <p:cNvPr id="7" name="Picture 6" descr="A close up of a sign&#10;&#10;Description automatically generated">
             <a:extLst>
               <a:ext uri="{FF2B5EF4-FFF2-40B4-BE49-F238E27FC236}">
-                <a16:creationId xmlns:a16="http://schemas.microsoft.com/office/drawing/2014/main" id="{534BBB60-327E-41E5-A188-F9573B75AD86}"/>
+                <a16:creationId xmlns:a16="http://schemas.microsoft.com/office/drawing/2014/main" id="{DC714AD4-83A8-4057-BC8E-2D231207D3CE}"/>
               </a:ext>
             </a:extLst>
           </p:cNvPr>
@@ -6731,49 +9604,14 @@
               </a:ext>
             </a:extLst>
           </a:blip>
-          <a:srcRect/>
-          <a:stretch/>
-        </p:blipFill>
-        <p:spPr>
-          <a:xfrm>
-            <a:off x="601762" y="2175930"/>
-            <a:ext cx="3886551" cy="4084819"/>
-          </a:xfrm>
-          <a:prstGeom prst="rect">
-            <a:avLst/>
-          </a:prstGeom>
-        </p:spPr>
-      </p:pic>
-      <p:pic>
-        <p:nvPicPr>
-          <p:cNvPr id="7" name="Picture 6" descr="A close up of a sign&#10;&#10;Description automatically generated">
-            <a:extLst>
-              <a:ext uri="{FF2B5EF4-FFF2-40B4-BE49-F238E27FC236}">
-                <a16:creationId xmlns:a16="http://schemas.microsoft.com/office/drawing/2014/main" id="{DC714AD4-83A8-4057-BC8E-2D231207D3CE}"/>
-              </a:ext>
-            </a:extLst>
-          </p:cNvPr>
-          <p:cNvPicPr>
-            <a:picLocks noChangeAspect="1"/>
-          </p:cNvPicPr>
-          <p:nvPr/>
-        </p:nvPicPr>
-        <p:blipFill>
-          <a:blip r:embed="rId5">
-            <a:extLst>
-              <a:ext uri="{28A0092B-C50C-407E-A947-70E740481C1C}">
-                <a14:useLocalDpi xmlns:a14="http://schemas.microsoft.com/office/drawing/2010/main" val="0"/>
-              </a:ext>
-            </a:extLst>
-          </a:blip>
           <a:stretch>
             <a:fillRect/>
           </a:stretch>
         </p:blipFill>
         <p:spPr>
           <a:xfrm>
-            <a:off x="10959546" y="4520250"/>
-            <a:ext cx="914402" cy="1447803"/>
+            <a:off x="10777321" y="4064138"/>
+            <a:ext cx="1296692" cy="2053095"/>
           </a:xfrm>
           <a:prstGeom prst="rect">
             <a:avLst/>
@@ -6795,7 +9633,7 @@
           <p:nvPr/>
         </p:nvPicPr>
         <p:blipFill>
-          <a:blip r:embed="rId6"/>
+          <a:blip r:embed="rId5"/>
           <a:stretch>
             <a:fillRect/>
           </a:stretch>
@@ -6804,6 +9642,42 @@
           <a:xfrm>
             <a:off x="10317451" y="91780"/>
             <a:ext cx="1756562" cy="758256"/>
+          </a:xfrm>
+          <a:prstGeom prst="rect">
+            <a:avLst/>
+          </a:prstGeom>
+        </p:spPr>
+      </p:pic>
+      <p:pic>
+        <p:nvPicPr>
+          <p:cNvPr id="6" name="Picture 5" descr="A person smiling for a picture&#10;&#10;AI-generated content may be incorrect.">
+            <a:extLst>
+              <a:ext uri="{FF2B5EF4-FFF2-40B4-BE49-F238E27FC236}">
+                <a16:creationId xmlns:a16="http://schemas.microsoft.com/office/drawing/2014/main" id="{1FDAF9AD-CE55-000A-47C3-57C965972D99}"/>
+              </a:ext>
+            </a:extLst>
+          </p:cNvPr>
+          <p:cNvPicPr>
+            <a:picLocks noChangeAspect="1"/>
+          </p:cNvPicPr>
+          <p:nvPr/>
+        </p:nvPicPr>
+        <p:blipFill>
+          <a:blip r:embed="rId6">
+            <a:extLst>
+              <a:ext uri="{28A0092B-C50C-407E-A947-70E740481C1C}">
+                <a14:useLocalDpi xmlns:a14="http://schemas.microsoft.com/office/drawing/2010/main" val="0"/>
+              </a:ext>
+            </a:extLst>
+          </a:blip>
+          <a:stretch>
+            <a:fillRect/>
+          </a:stretch>
+        </p:blipFill>
+        <p:spPr>
+          <a:xfrm>
+            <a:off x="399246" y="1934137"/>
+            <a:ext cx="4291584" cy="4291584"/>
           </a:xfrm>
           <a:prstGeom prst="rect">
             <a:avLst/>
@@ -6862,18 +9736,331 @@
           <a:lstStyle/>
           <a:p>
             <a:r>
-              <a:rPr lang="en-US"/>
-              <a:t>Agenda</a:t>
+              <a:rPr lang="en-US" dirty="0"/>
+              <a:t>Ingredients</a:t>
             </a:r>
           </a:p>
         </p:txBody>
       </p:sp>
+      <p:graphicFrame>
+        <p:nvGraphicFramePr>
+          <p:cNvPr id="4" name="Content Placeholder 3">
+            <a:extLst>
+              <a:ext uri="{FF2B5EF4-FFF2-40B4-BE49-F238E27FC236}">
+                <a16:creationId xmlns:a16="http://schemas.microsoft.com/office/drawing/2014/main" id="{6B8C15E8-C7C7-AFB2-0F49-C1D81A18D2A9}"/>
+              </a:ext>
+            </a:extLst>
+          </p:cNvPr>
+          <p:cNvGraphicFramePr>
+            <a:graphicFrameLocks noGrp="1"/>
+          </p:cNvGraphicFramePr>
+          <p:nvPr>
+            <p:ph idx="1"/>
+            <p:extLst>
+              <p:ext uri="{D42A27DB-BD31-4B8C-83A1-F6EECF244321}">
+                <p14:modId xmlns:p14="http://schemas.microsoft.com/office/powerpoint/2010/main" val="2861737529"/>
+              </p:ext>
+            </p:extLst>
+          </p:nvPr>
+        </p:nvGraphicFramePr>
+        <p:xfrm>
+          <a:off x="838200" y="1003300"/>
+          <a:ext cx="10515600" cy="5173663"/>
+        </p:xfrm>
+        <a:graphic>
+          <a:graphicData uri="http://schemas.openxmlformats.org/drawingml/2006/diagram">
+            <dgm:relIds xmlns:dgm="http://schemas.openxmlformats.org/drawingml/2006/diagram" xmlns:r="http://schemas.openxmlformats.org/officeDocument/2006/relationships" r:dm="rId3" r:lo="rId4" r:qs="rId5" r:cs="rId6"/>
+          </a:graphicData>
+        </a:graphic>
+      </p:graphicFrame>
+    </p:spTree>
+    <p:extLst>
+      <p:ext uri="{BB962C8B-B14F-4D97-AF65-F5344CB8AC3E}">
+        <p14:creationId xmlns:p14="http://schemas.microsoft.com/office/powerpoint/2010/main" val="1877511129"/>
+      </p:ext>
+    </p:extLst>
+  </p:cSld>
+  <p:clrMapOvr>
+    <a:masterClrMapping/>
+  </p:clrMapOvr>
+  <p:timing>
+    <p:tnLst>
+      <p:par>
+        <p:cTn id="1" dur="indefinite" restart="never" nodeType="tmRoot">
+          <p:childTnLst>
+            <p:seq concurrent="1" nextAc="seek">
+              <p:cTn id="2" dur="indefinite" nodeType="mainSeq">
+                <p:childTnLst>
+                  <p:par>
+                    <p:cTn id="3" fill="hold">
+                      <p:stCondLst>
+                        <p:cond delay="indefinite"/>
+                      </p:stCondLst>
+                      <p:childTnLst>
+                        <p:par>
+                          <p:cTn id="4" fill="hold">
+                            <p:stCondLst>
+                              <p:cond delay="0"/>
+                            </p:stCondLst>
+                            <p:childTnLst>
+                              <p:par>
+                                <p:cTn id="5" presetID="1" presetClass="entr" presetSubtype="0" fill="hold" grpId="0" nodeType="clickEffect">
+                                  <p:stCondLst>
+                                    <p:cond delay="0"/>
+                                  </p:stCondLst>
+                                  <p:childTnLst>
+                                    <p:set>
+                                      <p:cBhvr>
+                                        <p:cTn id="6" dur="1" fill="hold">
+                                          <p:stCondLst>
+                                            <p:cond delay="0"/>
+                                          </p:stCondLst>
+                                        </p:cTn>
+                                        <p:tgtEl>
+                                          <p:spTgt spid="4">
+                                            <p:graphicEl>
+                                              <a:dgm id="{4E0DE7DE-44D1-4F89-8883-F950D521F0A9}"/>
+                                            </p:graphicEl>
+                                          </p:spTgt>
+                                        </p:tgtEl>
+                                        <p:attrNameLst>
+                                          <p:attrName>style.visibility</p:attrName>
+                                        </p:attrNameLst>
+                                      </p:cBhvr>
+                                      <p:to>
+                                        <p:strVal val="visible"/>
+                                      </p:to>
+                                    </p:set>
+                                  </p:childTnLst>
+                                </p:cTn>
+                              </p:par>
+                            </p:childTnLst>
+                          </p:cTn>
+                        </p:par>
+                      </p:childTnLst>
+                    </p:cTn>
+                  </p:par>
+                  <p:par>
+                    <p:cTn id="7" fill="hold">
+                      <p:stCondLst>
+                        <p:cond delay="indefinite"/>
+                      </p:stCondLst>
+                      <p:childTnLst>
+                        <p:par>
+                          <p:cTn id="8" fill="hold">
+                            <p:stCondLst>
+                              <p:cond delay="0"/>
+                            </p:stCondLst>
+                            <p:childTnLst>
+                              <p:par>
+                                <p:cTn id="9" presetID="1" presetClass="entr" presetSubtype="0" fill="hold" grpId="0" nodeType="clickEffect">
+                                  <p:stCondLst>
+                                    <p:cond delay="0"/>
+                                  </p:stCondLst>
+                                  <p:childTnLst>
+                                    <p:set>
+                                      <p:cBhvr>
+                                        <p:cTn id="10" dur="1" fill="hold">
+                                          <p:stCondLst>
+                                            <p:cond delay="0"/>
+                                          </p:stCondLst>
+                                        </p:cTn>
+                                        <p:tgtEl>
+                                          <p:spTgt spid="4">
+                                            <p:graphicEl>
+                                              <a:dgm id="{195B725D-3499-4BA9-9F4C-E02FCF3C8C49}"/>
+                                            </p:graphicEl>
+                                          </p:spTgt>
+                                        </p:tgtEl>
+                                        <p:attrNameLst>
+                                          <p:attrName>style.visibility</p:attrName>
+                                        </p:attrNameLst>
+                                      </p:cBhvr>
+                                      <p:to>
+                                        <p:strVal val="visible"/>
+                                      </p:to>
+                                    </p:set>
+                                  </p:childTnLst>
+                                </p:cTn>
+                              </p:par>
+                              <p:par>
+                                <p:cTn id="11" presetID="1" presetClass="entr" presetSubtype="0" fill="hold" grpId="0" nodeType="withEffect">
+                                  <p:stCondLst>
+                                    <p:cond delay="0"/>
+                                  </p:stCondLst>
+                                  <p:childTnLst>
+                                    <p:set>
+                                      <p:cBhvr>
+                                        <p:cTn id="12" dur="1" fill="hold">
+                                          <p:stCondLst>
+                                            <p:cond delay="0"/>
+                                          </p:stCondLst>
+                                        </p:cTn>
+                                        <p:tgtEl>
+                                          <p:spTgt spid="4">
+                                            <p:graphicEl>
+                                              <a:dgm id="{433D4F1E-AFF8-4E14-89BA-252AF61322CE}"/>
+                                            </p:graphicEl>
+                                          </p:spTgt>
+                                        </p:tgtEl>
+                                        <p:attrNameLst>
+                                          <p:attrName>style.visibility</p:attrName>
+                                        </p:attrNameLst>
+                                      </p:cBhvr>
+                                      <p:to>
+                                        <p:strVal val="visible"/>
+                                      </p:to>
+                                    </p:set>
+                                  </p:childTnLst>
+                                </p:cTn>
+                              </p:par>
+                            </p:childTnLst>
+                          </p:cTn>
+                        </p:par>
+                      </p:childTnLst>
+                    </p:cTn>
+                  </p:par>
+                  <p:par>
+                    <p:cTn id="13" fill="hold">
+                      <p:stCondLst>
+                        <p:cond delay="indefinite"/>
+                      </p:stCondLst>
+                      <p:childTnLst>
+                        <p:par>
+                          <p:cTn id="14" fill="hold">
+                            <p:stCondLst>
+                              <p:cond delay="0"/>
+                            </p:stCondLst>
+                            <p:childTnLst>
+                              <p:par>
+                                <p:cTn id="15" presetID="1" presetClass="entr" presetSubtype="0" fill="hold" grpId="0" nodeType="clickEffect">
+                                  <p:stCondLst>
+                                    <p:cond delay="0"/>
+                                  </p:stCondLst>
+                                  <p:childTnLst>
+                                    <p:set>
+                                      <p:cBhvr>
+                                        <p:cTn id="16" dur="1" fill="hold">
+                                          <p:stCondLst>
+                                            <p:cond delay="0"/>
+                                          </p:stCondLst>
+                                        </p:cTn>
+                                        <p:tgtEl>
+                                          <p:spTgt spid="4">
+                                            <p:graphicEl>
+                                              <a:dgm id="{F4CCF745-73CF-4114-B0E8-C13749E98638}"/>
+                                            </p:graphicEl>
+                                          </p:spTgt>
+                                        </p:tgtEl>
+                                        <p:attrNameLst>
+                                          <p:attrName>style.visibility</p:attrName>
+                                        </p:attrNameLst>
+                                      </p:cBhvr>
+                                      <p:to>
+                                        <p:strVal val="visible"/>
+                                      </p:to>
+                                    </p:set>
+                                  </p:childTnLst>
+                                </p:cTn>
+                              </p:par>
+                              <p:par>
+                                <p:cTn id="17" presetID="1" presetClass="entr" presetSubtype="0" fill="hold" grpId="0" nodeType="withEffect">
+                                  <p:stCondLst>
+                                    <p:cond delay="0"/>
+                                  </p:stCondLst>
+                                  <p:childTnLst>
+                                    <p:set>
+                                      <p:cBhvr>
+                                        <p:cTn id="18" dur="1" fill="hold">
+                                          <p:stCondLst>
+                                            <p:cond delay="0"/>
+                                          </p:stCondLst>
+                                        </p:cTn>
+                                        <p:tgtEl>
+                                          <p:spTgt spid="4">
+                                            <p:graphicEl>
+                                              <a:dgm id="{DE9FDCD8-7EC5-4940-A2F0-B65B6A9AFFB6}"/>
+                                            </p:graphicEl>
+                                          </p:spTgt>
+                                        </p:tgtEl>
+                                        <p:attrNameLst>
+                                          <p:attrName>style.visibility</p:attrName>
+                                        </p:attrNameLst>
+                                      </p:cBhvr>
+                                      <p:to>
+                                        <p:strVal val="visible"/>
+                                      </p:to>
+                                    </p:set>
+                                  </p:childTnLst>
+                                </p:cTn>
+                              </p:par>
+                            </p:childTnLst>
+                          </p:cTn>
+                        </p:par>
+                      </p:childTnLst>
+                    </p:cTn>
+                  </p:par>
+                </p:childTnLst>
+              </p:cTn>
+              <p:prevCondLst>
+                <p:cond evt="onPrev" delay="0">
+                  <p:tgtEl>
+                    <p:sldTgt/>
+                  </p:tgtEl>
+                </p:cond>
+              </p:prevCondLst>
+              <p:nextCondLst>
+                <p:cond evt="onNext" delay="0">
+                  <p:tgtEl>
+                    <p:sldTgt/>
+                  </p:tgtEl>
+                </p:cond>
+              </p:nextCondLst>
+            </p:seq>
+          </p:childTnLst>
+        </p:cTn>
+      </p:par>
+    </p:tnLst>
+    <p:bldLst>
+      <p:bldGraphic spid="4" grpId="0">
+        <p:bldSub>
+          <a:bldDgm bld="one"/>
+        </p:bldSub>
+      </p:bldGraphic>
+    </p:bldLst>
+  </p:timing>
+</p:sld>
+</file>
+
+<file path=ppt/slides/slide4.xml><?xml version="1.0" encoding="utf-8"?>
+<p:sld xmlns:a="http://schemas.openxmlformats.org/drawingml/2006/main" xmlns:r="http://schemas.openxmlformats.org/officeDocument/2006/relationships" xmlns:p="http://schemas.openxmlformats.org/presentationml/2006/main">
+  <p:cSld>
+    <p:spTree>
+      <p:nvGrpSpPr>
+        <p:cNvPr id="1" name="">
+          <a:extLst>
+            <a:ext uri="{FF2B5EF4-FFF2-40B4-BE49-F238E27FC236}">
+              <a16:creationId xmlns:a16="http://schemas.microsoft.com/office/drawing/2014/main" id="{6B7512B8-5973-559E-06DC-D1A2114F23F3}"/>
+            </a:ext>
+          </a:extLst>
+        </p:cNvPr>
+        <p:cNvGrpSpPr/>
+        <p:nvPr/>
+      </p:nvGrpSpPr>
+      <p:grpSpPr>
+        <a:xfrm>
+          <a:off x="0" y="0"/>
+          <a:ext cx="0" cy="0"/>
+          <a:chOff x="0" y="0"/>
+          <a:chExt cx="0" cy="0"/>
+        </a:xfrm>
+      </p:grpSpPr>
       <p:sp>
         <p:nvSpPr>
-          <p:cNvPr id="3" name="Content Placeholder 2">
+          <p:cNvPr id="2" name="Title 1">
             <a:extLst>
               <a:ext uri="{FF2B5EF4-FFF2-40B4-BE49-F238E27FC236}">
-                <a16:creationId xmlns:a16="http://schemas.microsoft.com/office/drawing/2014/main" id="{0A031764-D9F6-4435-B0F7-9C4344D10D55}"/>
+                <a16:creationId xmlns:a16="http://schemas.microsoft.com/office/drawing/2014/main" id="{E64A9DD0-77DE-0B03-03EB-8586C4DB8004}"/>
               </a:ext>
             </a:extLst>
           </p:cNvPr>
@@ -6881,103 +10068,2153 @@
             <a:spLocks noGrp="1"/>
           </p:cNvSpPr>
           <p:nvPr>
-            <p:ph idx="1"/>
+            <p:ph type="title"/>
           </p:nvPr>
         </p:nvSpPr>
         <p:spPr/>
         <p:txBody>
-          <a:bodyPr>
-            <a:normAutofit/>
-          </a:bodyPr>
+          <a:bodyPr/>
           <a:lstStyle/>
           <a:p>
             <a:r>
               <a:rPr lang="en-US" dirty="0"/>
-              <a:t>What is </a:t>
-            </a:r>
-            <a:r>
-              <a:rPr lang="en-US" dirty="0" err="1"/>
-              <a:t>dbatools</a:t>
-            </a:r>
-            <a:r>
-              <a:rPr lang="en-US" dirty="0"/>
-              <a:t>?</a:t>
-            </a:r>
-          </a:p>
-          <a:p>
-            <a:r>
-              <a:rPr lang="en-US" dirty="0"/>
-              <a:t>PowerShell 101</a:t>
-            </a:r>
-          </a:p>
-          <a:p>
-            <a:r>
-              <a:rPr lang="en-US" dirty="0" err="1"/>
-              <a:t>dbatools</a:t>
-            </a:r>
-            <a:r>
-              <a:rPr lang="en-US" dirty="0"/>
-              <a:t> demos</a:t>
-            </a:r>
-          </a:p>
-          <a:p>
-            <a:pPr lvl="1"/>
-            <a:r>
-              <a:rPr lang="en-US" dirty="0"/>
-              <a:t>Test Your Backups</a:t>
-            </a:r>
-          </a:p>
-          <a:p>
-            <a:pPr lvl="1"/>
-            <a:r>
-              <a:rPr lang="en-US" dirty="0"/>
-              <a:t>Manage Logins &amp; Access</a:t>
-            </a:r>
-          </a:p>
-          <a:p>
-            <a:pPr lvl="1"/>
-            <a:r>
-              <a:rPr lang="en-US" dirty="0"/>
-              <a:t>Database Snapshots</a:t>
-            </a:r>
-          </a:p>
-          <a:p>
-            <a:pPr lvl="1"/>
-            <a:r>
-              <a:rPr lang="en-US" dirty="0"/>
-              <a:t>Migrate… Everything</a:t>
-            </a:r>
-          </a:p>
-          <a:p>
-            <a:pPr lvl="1"/>
-            <a:r>
-              <a:rPr lang="en-US" dirty="0"/>
-              <a:t>Meet Best Practices</a:t>
-            </a:r>
-          </a:p>
-          <a:p>
-            <a:pPr lvl="1"/>
-            <a:r>
-              <a:rPr lang="en-US" dirty="0"/>
-              <a:t>Documentation for everyone</a:t>
-            </a:r>
-          </a:p>
-          <a:p>
-            <a:pPr lvl="1"/>
-            <a:endParaRPr lang="en-US" dirty="0"/>
-          </a:p>
-          <a:p>
-            <a:pPr lvl="1"/>
-            <a:endParaRPr lang="en-US" dirty="0"/>
+              <a:t>Ingredients</a:t>
+            </a:r>
           </a:p>
         </p:txBody>
       </p:sp>
+      <p:grpSp>
+        <p:nvGrpSpPr>
+          <p:cNvPr id="18" name="Group 17">
+            <a:extLst>
+              <a:ext uri="{FF2B5EF4-FFF2-40B4-BE49-F238E27FC236}">
+                <a16:creationId xmlns:a16="http://schemas.microsoft.com/office/drawing/2014/main" id="{17DC8D45-4B87-74F7-DD03-CBB4926D6DED}"/>
+              </a:ext>
+            </a:extLst>
+          </p:cNvPr>
+          <p:cNvGrpSpPr/>
+          <p:nvPr/>
+        </p:nvGrpSpPr>
+        <p:grpSpPr>
+          <a:xfrm>
+            <a:off x="5061273" y="2690901"/>
+            <a:ext cx="2642748" cy="1656000"/>
+            <a:chOff x="5061273" y="2690901"/>
+            <a:chExt cx="2642748" cy="1656000"/>
+          </a:xfrm>
+        </p:grpSpPr>
+        <p:sp>
+          <p:nvSpPr>
+            <p:cNvPr id="9" name="Freeform: Shape 8">
+              <a:extLst>
+                <a:ext uri="{FF2B5EF4-FFF2-40B4-BE49-F238E27FC236}">
+                  <a16:creationId xmlns:a16="http://schemas.microsoft.com/office/drawing/2014/main" id="{60C6E617-E5DC-D669-0EBB-12D7DFF47842}"/>
+                </a:ext>
+              </a:extLst>
+            </p:cNvPr>
+            <p:cNvSpPr/>
+            <p:nvPr/>
+          </p:nvSpPr>
+          <p:spPr>
+            <a:xfrm>
+              <a:off x="5061273" y="3260152"/>
+              <a:ext cx="481699" cy="481699"/>
+            </a:xfrm>
+            <a:custGeom>
+              <a:avLst/>
+              <a:gdLst>
+                <a:gd name="connsiteX0" fmla="*/ 63849 w 481699"/>
+                <a:gd name="connsiteY0" fmla="*/ 184202 h 481699"/>
+                <a:gd name="connsiteX1" fmla="*/ 184202 w 481699"/>
+                <a:gd name="connsiteY1" fmla="*/ 184202 h 481699"/>
+                <a:gd name="connsiteX2" fmla="*/ 184202 w 481699"/>
+                <a:gd name="connsiteY2" fmla="*/ 63849 h 481699"/>
+                <a:gd name="connsiteX3" fmla="*/ 297497 w 481699"/>
+                <a:gd name="connsiteY3" fmla="*/ 63849 h 481699"/>
+                <a:gd name="connsiteX4" fmla="*/ 297497 w 481699"/>
+                <a:gd name="connsiteY4" fmla="*/ 184202 h 481699"/>
+                <a:gd name="connsiteX5" fmla="*/ 417850 w 481699"/>
+                <a:gd name="connsiteY5" fmla="*/ 184202 h 481699"/>
+                <a:gd name="connsiteX6" fmla="*/ 417850 w 481699"/>
+                <a:gd name="connsiteY6" fmla="*/ 297497 h 481699"/>
+                <a:gd name="connsiteX7" fmla="*/ 297497 w 481699"/>
+                <a:gd name="connsiteY7" fmla="*/ 297497 h 481699"/>
+                <a:gd name="connsiteX8" fmla="*/ 297497 w 481699"/>
+                <a:gd name="connsiteY8" fmla="*/ 417850 h 481699"/>
+                <a:gd name="connsiteX9" fmla="*/ 184202 w 481699"/>
+                <a:gd name="connsiteY9" fmla="*/ 417850 h 481699"/>
+                <a:gd name="connsiteX10" fmla="*/ 184202 w 481699"/>
+                <a:gd name="connsiteY10" fmla="*/ 297497 h 481699"/>
+                <a:gd name="connsiteX11" fmla="*/ 63849 w 481699"/>
+                <a:gd name="connsiteY11" fmla="*/ 297497 h 481699"/>
+                <a:gd name="connsiteX12" fmla="*/ 63849 w 481699"/>
+                <a:gd name="connsiteY12" fmla="*/ 184202 h 481699"/>
+              </a:gdLst>
+              <a:ahLst/>
+              <a:cxnLst>
+                <a:cxn ang="0">
+                  <a:pos x="connsiteX0" y="connsiteY0"/>
+                </a:cxn>
+                <a:cxn ang="0">
+                  <a:pos x="connsiteX1" y="connsiteY1"/>
+                </a:cxn>
+                <a:cxn ang="0">
+                  <a:pos x="connsiteX2" y="connsiteY2"/>
+                </a:cxn>
+                <a:cxn ang="0">
+                  <a:pos x="connsiteX3" y="connsiteY3"/>
+                </a:cxn>
+                <a:cxn ang="0">
+                  <a:pos x="connsiteX4" y="connsiteY4"/>
+                </a:cxn>
+                <a:cxn ang="0">
+                  <a:pos x="connsiteX5" y="connsiteY5"/>
+                </a:cxn>
+                <a:cxn ang="0">
+                  <a:pos x="connsiteX6" y="connsiteY6"/>
+                </a:cxn>
+                <a:cxn ang="0">
+                  <a:pos x="connsiteX7" y="connsiteY7"/>
+                </a:cxn>
+                <a:cxn ang="0">
+                  <a:pos x="connsiteX8" y="connsiteY8"/>
+                </a:cxn>
+                <a:cxn ang="0">
+                  <a:pos x="connsiteX9" y="connsiteY9"/>
+                </a:cxn>
+                <a:cxn ang="0">
+                  <a:pos x="connsiteX10" y="connsiteY10"/>
+                </a:cxn>
+                <a:cxn ang="0">
+                  <a:pos x="connsiteX11" y="connsiteY11"/>
+                </a:cxn>
+                <a:cxn ang="0">
+                  <a:pos x="connsiteX12" y="connsiteY12"/>
+                </a:cxn>
+              </a:cxnLst>
+              <a:rect l="l" t="t" r="r" b="b"/>
+              <a:pathLst>
+                <a:path w="481699" h="481699">
+                  <a:moveTo>
+                    <a:pt x="63849" y="184202"/>
+                  </a:moveTo>
+                  <a:lnTo>
+                    <a:pt x="184202" y="184202"/>
+                  </a:lnTo>
+                  <a:lnTo>
+                    <a:pt x="184202" y="63849"/>
+                  </a:lnTo>
+                  <a:lnTo>
+                    <a:pt x="297497" y="63849"/>
+                  </a:lnTo>
+                  <a:lnTo>
+                    <a:pt x="297497" y="184202"/>
+                  </a:lnTo>
+                  <a:lnTo>
+                    <a:pt x="417850" y="184202"/>
+                  </a:lnTo>
+                  <a:lnTo>
+                    <a:pt x="417850" y="297497"/>
+                  </a:lnTo>
+                  <a:lnTo>
+                    <a:pt x="297497" y="297497"/>
+                  </a:lnTo>
+                  <a:lnTo>
+                    <a:pt x="297497" y="417850"/>
+                  </a:lnTo>
+                  <a:lnTo>
+                    <a:pt x="184202" y="417850"/>
+                  </a:lnTo>
+                  <a:lnTo>
+                    <a:pt x="184202" y="297497"/>
+                  </a:lnTo>
+                  <a:lnTo>
+                    <a:pt x="63849" y="297497"/>
+                  </a:lnTo>
+                  <a:lnTo>
+                    <a:pt x="63849" y="184202"/>
+                  </a:lnTo>
+                  <a:close/>
+                </a:path>
+              </a:pathLst>
+            </a:custGeom>
+          </p:spPr>
+          <p:style>
+            <a:lnRef idx="0">
+              <a:schemeClr val="accent1">
+                <a:tint val="60000"/>
+                <a:hueOff val="0"/>
+                <a:satOff val="0"/>
+                <a:lumOff val="0"/>
+                <a:alphaOff val="0"/>
+              </a:schemeClr>
+            </a:lnRef>
+            <a:fillRef idx="1">
+              <a:schemeClr val="accent1">
+                <a:tint val="60000"/>
+                <a:hueOff val="0"/>
+                <a:satOff val="0"/>
+                <a:lumOff val="0"/>
+                <a:alphaOff val="0"/>
+              </a:schemeClr>
+            </a:fillRef>
+            <a:effectRef idx="0">
+              <a:schemeClr val="accent1">
+                <a:tint val="60000"/>
+                <a:hueOff val="0"/>
+                <a:satOff val="0"/>
+                <a:lumOff val="0"/>
+                <a:alphaOff val="0"/>
+              </a:schemeClr>
+            </a:effectRef>
+            <a:fontRef idx="minor">
+              <a:schemeClr val="lt1"/>
+            </a:fontRef>
+          </p:style>
+          <p:txBody>
+            <a:bodyPr spcFirstLastPara="0" vert="horz" wrap="square" lIns="63849" tIns="184202" rIns="63849" bIns="184202" numCol="1" spcCol="1270" anchor="ctr" anchorCtr="0">
+              <a:noAutofit/>
+            </a:bodyPr>
+            <a:lstStyle/>
+            <a:p>
+              <a:pPr marL="0" lvl="0" indent="0" algn="ctr" defTabSz="355600">
+                <a:lnSpc>
+                  <a:spcPct val="90000"/>
+                </a:lnSpc>
+                <a:spcBef>
+                  <a:spcPct val="0"/>
+                </a:spcBef>
+                <a:spcAft>
+                  <a:spcPct val="35000"/>
+                </a:spcAft>
+                <a:buNone/>
+              </a:pPr>
+              <a:endParaRPr lang="en-GB" sz="800" kern="1200"/>
+            </a:p>
+          </p:txBody>
+        </p:sp>
+        <p:sp>
+          <p:nvSpPr>
+            <p:cNvPr id="12" name="Freeform: Shape 11">
+              <a:extLst>
+                <a:ext uri="{FF2B5EF4-FFF2-40B4-BE49-F238E27FC236}">
+                  <a16:creationId xmlns:a16="http://schemas.microsoft.com/office/drawing/2014/main" id="{23E53E5B-092F-D53D-8673-C4A97B727BF1}"/>
+                </a:ext>
+              </a:extLst>
+            </p:cNvPr>
+            <p:cNvSpPr/>
+            <p:nvPr/>
+          </p:nvSpPr>
+          <p:spPr>
+            <a:xfrm>
+              <a:off x="6048021" y="2690901"/>
+              <a:ext cx="1656000" cy="1656000"/>
+            </a:xfrm>
+            <a:custGeom>
+              <a:avLst/>
+              <a:gdLst>
+                <a:gd name="connsiteX0" fmla="*/ 0 w 830516"/>
+                <a:gd name="connsiteY0" fmla="*/ 415258 h 830516"/>
+                <a:gd name="connsiteX1" fmla="*/ 415258 w 830516"/>
+                <a:gd name="connsiteY1" fmla="*/ 0 h 830516"/>
+                <a:gd name="connsiteX2" fmla="*/ 830516 w 830516"/>
+                <a:gd name="connsiteY2" fmla="*/ 415258 h 830516"/>
+                <a:gd name="connsiteX3" fmla="*/ 415258 w 830516"/>
+                <a:gd name="connsiteY3" fmla="*/ 830516 h 830516"/>
+                <a:gd name="connsiteX4" fmla="*/ 0 w 830516"/>
+                <a:gd name="connsiteY4" fmla="*/ 415258 h 830516"/>
+              </a:gdLst>
+              <a:ahLst/>
+              <a:cxnLst>
+                <a:cxn ang="0">
+                  <a:pos x="connsiteX0" y="connsiteY0"/>
+                </a:cxn>
+                <a:cxn ang="0">
+                  <a:pos x="connsiteX1" y="connsiteY1"/>
+                </a:cxn>
+                <a:cxn ang="0">
+                  <a:pos x="connsiteX2" y="connsiteY2"/>
+                </a:cxn>
+                <a:cxn ang="0">
+                  <a:pos x="connsiteX3" y="connsiteY3"/>
+                </a:cxn>
+                <a:cxn ang="0">
+                  <a:pos x="connsiteX4" y="connsiteY4"/>
+                </a:cxn>
+              </a:cxnLst>
+              <a:rect l="l" t="t" r="r" b="b"/>
+              <a:pathLst>
+                <a:path w="830516" h="830516">
+                  <a:moveTo>
+                    <a:pt x="0" y="415258"/>
+                  </a:moveTo>
+                  <a:cubicBezTo>
+                    <a:pt x="0" y="185917"/>
+                    <a:pt x="185917" y="0"/>
+                    <a:pt x="415258" y="0"/>
+                  </a:cubicBezTo>
+                  <a:cubicBezTo>
+                    <a:pt x="644599" y="0"/>
+                    <a:pt x="830516" y="185917"/>
+                    <a:pt x="830516" y="415258"/>
+                  </a:cubicBezTo>
+                  <a:cubicBezTo>
+                    <a:pt x="830516" y="644599"/>
+                    <a:pt x="644599" y="830516"/>
+                    <a:pt x="415258" y="830516"/>
+                  </a:cubicBezTo>
+                  <a:cubicBezTo>
+                    <a:pt x="185917" y="830516"/>
+                    <a:pt x="0" y="644599"/>
+                    <a:pt x="0" y="415258"/>
+                  </a:cubicBezTo>
+                  <a:close/>
+                </a:path>
+              </a:pathLst>
+            </a:custGeom>
+          </p:spPr>
+          <p:style>
+            <a:lnRef idx="2">
+              <a:schemeClr val="lt1">
+                <a:hueOff val="0"/>
+                <a:satOff val="0"/>
+                <a:lumOff val="0"/>
+                <a:alphaOff val="0"/>
+              </a:schemeClr>
+            </a:lnRef>
+            <a:fillRef idx="1">
+              <a:schemeClr val="accent1">
+                <a:hueOff val="0"/>
+                <a:satOff val="0"/>
+                <a:lumOff val="0"/>
+                <a:alphaOff val="0"/>
+              </a:schemeClr>
+            </a:fillRef>
+            <a:effectRef idx="0">
+              <a:schemeClr val="accent1">
+                <a:hueOff val="0"/>
+                <a:satOff val="0"/>
+                <a:lumOff val="0"/>
+                <a:alphaOff val="0"/>
+              </a:schemeClr>
+            </a:effectRef>
+            <a:fontRef idx="minor">
+              <a:schemeClr val="lt1"/>
+            </a:fontRef>
+          </p:style>
+          <p:txBody>
+            <a:bodyPr spcFirstLastPara="0" vert="horz" wrap="square" lIns="133056" tIns="133056" rIns="133056" bIns="133056" numCol="1" spcCol="1270" anchor="ctr" anchorCtr="0">
+              <a:noAutofit/>
+            </a:bodyPr>
+            <a:lstStyle/>
+            <a:p>
+              <a:pPr marL="0" lvl="0" indent="0" algn="ctr" defTabSz="400050">
+                <a:lnSpc>
+                  <a:spcPct val="90000"/>
+                </a:lnSpc>
+                <a:spcBef>
+                  <a:spcPct val="0"/>
+                </a:spcBef>
+                <a:spcAft>
+                  <a:spcPct val="35000"/>
+                </a:spcAft>
+                <a:buNone/>
+              </a:pPr>
+              <a:r>
+                <a:rPr lang="en-GB" sz="2500" kern="1200" dirty="0"/>
+                <a:t>PHSTML</a:t>
+              </a:r>
+            </a:p>
+          </p:txBody>
+        </p:sp>
+      </p:grpSp>
+      <p:grpSp>
+        <p:nvGrpSpPr>
+          <p:cNvPr id="19" name="Group 18">
+            <a:extLst>
+              <a:ext uri="{FF2B5EF4-FFF2-40B4-BE49-F238E27FC236}">
+                <a16:creationId xmlns:a16="http://schemas.microsoft.com/office/drawing/2014/main" id="{051D3BE0-7A33-8808-FDD0-A5305FF5EF48}"/>
+              </a:ext>
+            </a:extLst>
+          </p:cNvPr>
+          <p:cNvGrpSpPr/>
+          <p:nvPr/>
+        </p:nvGrpSpPr>
+        <p:grpSpPr>
+          <a:xfrm>
+            <a:off x="7868015" y="2601000"/>
+            <a:ext cx="2237904" cy="1656000"/>
+            <a:chOff x="7868015" y="2601000"/>
+            <a:chExt cx="2237904" cy="1656000"/>
+          </a:xfrm>
+        </p:grpSpPr>
+        <p:sp>
+          <p:nvSpPr>
+            <p:cNvPr id="13" name="Freeform: Shape 12">
+              <a:extLst>
+                <a:ext uri="{FF2B5EF4-FFF2-40B4-BE49-F238E27FC236}">
+                  <a16:creationId xmlns:a16="http://schemas.microsoft.com/office/drawing/2014/main" id="{C08BC2D1-A663-3E09-B36A-C3B71CFC1890}"/>
+                </a:ext>
+              </a:extLst>
+            </p:cNvPr>
+            <p:cNvSpPr/>
+            <p:nvPr/>
+          </p:nvSpPr>
+          <p:spPr>
+            <a:xfrm rot="21548260">
+              <a:off x="7868015" y="3346526"/>
+              <a:ext cx="441902" cy="308952"/>
+            </a:xfrm>
+            <a:custGeom>
+              <a:avLst/>
+              <a:gdLst>
+                <a:gd name="connsiteX0" fmla="*/ 0 w 441902"/>
+                <a:gd name="connsiteY0" fmla="*/ 61790 h 308952"/>
+                <a:gd name="connsiteX1" fmla="*/ 287426 w 441902"/>
+                <a:gd name="connsiteY1" fmla="*/ 61790 h 308952"/>
+                <a:gd name="connsiteX2" fmla="*/ 287426 w 441902"/>
+                <a:gd name="connsiteY2" fmla="*/ 0 h 308952"/>
+                <a:gd name="connsiteX3" fmla="*/ 441902 w 441902"/>
+                <a:gd name="connsiteY3" fmla="*/ 154476 h 308952"/>
+                <a:gd name="connsiteX4" fmla="*/ 287426 w 441902"/>
+                <a:gd name="connsiteY4" fmla="*/ 308952 h 308952"/>
+                <a:gd name="connsiteX5" fmla="*/ 287426 w 441902"/>
+                <a:gd name="connsiteY5" fmla="*/ 247162 h 308952"/>
+                <a:gd name="connsiteX6" fmla="*/ 0 w 441902"/>
+                <a:gd name="connsiteY6" fmla="*/ 247162 h 308952"/>
+                <a:gd name="connsiteX7" fmla="*/ 0 w 441902"/>
+                <a:gd name="connsiteY7" fmla="*/ 61790 h 308952"/>
+              </a:gdLst>
+              <a:ahLst/>
+              <a:cxnLst>
+                <a:cxn ang="0">
+                  <a:pos x="connsiteX0" y="connsiteY0"/>
+                </a:cxn>
+                <a:cxn ang="0">
+                  <a:pos x="connsiteX1" y="connsiteY1"/>
+                </a:cxn>
+                <a:cxn ang="0">
+                  <a:pos x="connsiteX2" y="connsiteY2"/>
+                </a:cxn>
+                <a:cxn ang="0">
+                  <a:pos x="connsiteX3" y="connsiteY3"/>
+                </a:cxn>
+                <a:cxn ang="0">
+                  <a:pos x="connsiteX4" y="connsiteY4"/>
+                </a:cxn>
+                <a:cxn ang="0">
+                  <a:pos x="connsiteX5" y="connsiteY5"/>
+                </a:cxn>
+                <a:cxn ang="0">
+                  <a:pos x="connsiteX6" y="connsiteY6"/>
+                </a:cxn>
+                <a:cxn ang="0">
+                  <a:pos x="connsiteX7" y="connsiteY7"/>
+                </a:cxn>
+              </a:cxnLst>
+              <a:rect l="l" t="t" r="r" b="b"/>
+              <a:pathLst>
+                <a:path w="441902" h="308952">
+                  <a:moveTo>
+                    <a:pt x="0" y="61790"/>
+                  </a:moveTo>
+                  <a:lnTo>
+                    <a:pt x="287426" y="61790"/>
+                  </a:lnTo>
+                  <a:lnTo>
+                    <a:pt x="287426" y="0"/>
+                  </a:lnTo>
+                  <a:lnTo>
+                    <a:pt x="441902" y="154476"/>
+                  </a:lnTo>
+                  <a:lnTo>
+                    <a:pt x="287426" y="308952"/>
+                  </a:lnTo>
+                  <a:lnTo>
+                    <a:pt x="287426" y="247162"/>
+                  </a:lnTo>
+                  <a:lnTo>
+                    <a:pt x="0" y="247162"/>
+                  </a:lnTo>
+                  <a:lnTo>
+                    <a:pt x="0" y="61790"/>
+                  </a:lnTo>
+                  <a:close/>
+                </a:path>
+              </a:pathLst>
+            </a:custGeom>
+          </p:spPr>
+          <p:style>
+            <a:lnRef idx="0">
+              <a:schemeClr val="accent1">
+                <a:tint val="60000"/>
+                <a:hueOff val="0"/>
+                <a:satOff val="0"/>
+                <a:lumOff val="0"/>
+                <a:alphaOff val="0"/>
+              </a:schemeClr>
+            </a:lnRef>
+            <a:fillRef idx="1">
+              <a:schemeClr val="accent1">
+                <a:tint val="60000"/>
+                <a:hueOff val="0"/>
+                <a:satOff val="0"/>
+                <a:lumOff val="0"/>
+                <a:alphaOff val="0"/>
+              </a:schemeClr>
+            </a:fillRef>
+            <a:effectRef idx="0">
+              <a:schemeClr val="accent1">
+                <a:tint val="60000"/>
+                <a:hueOff val="0"/>
+                <a:satOff val="0"/>
+                <a:lumOff val="0"/>
+                <a:alphaOff val="0"/>
+              </a:schemeClr>
+            </a:effectRef>
+            <a:fontRef idx="minor">
+              <a:schemeClr val="lt1"/>
+            </a:fontRef>
+          </p:style>
+          <p:txBody>
+            <a:bodyPr spcFirstLastPara="0" vert="horz" wrap="square" lIns="-1" tIns="61789" rIns="92686" bIns="61790" numCol="1" spcCol="1270" anchor="ctr" anchorCtr="0">
+              <a:noAutofit/>
+            </a:bodyPr>
+            <a:lstStyle/>
+            <a:p>
+              <a:pPr marL="0" lvl="0" indent="0" algn="ctr" defTabSz="355600">
+                <a:lnSpc>
+                  <a:spcPct val="90000"/>
+                </a:lnSpc>
+                <a:spcBef>
+                  <a:spcPct val="0"/>
+                </a:spcBef>
+                <a:spcAft>
+                  <a:spcPct val="35000"/>
+                </a:spcAft>
+                <a:buNone/>
+              </a:pPr>
+              <a:endParaRPr lang="en-GB" sz="800" kern="1200"/>
+            </a:p>
+          </p:txBody>
+        </p:sp>
+        <p:sp>
+          <p:nvSpPr>
+            <p:cNvPr id="14" name="Freeform: Shape 13">
+              <a:extLst>
+                <a:ext uri="{FF2B5EF4-FFF2-40B4-BE49-F238E27FC236}">
+                  <a16:creationId xmlns:a16="http://schemas.microsoft.com/office/drawing/2014/main" id="{1F9F188B-DB12-2DB2-D6E3-8A846D46487C}"/>
+                </a:ext>
+              </a:extLst>
+            </p:cNvPr>
+            <p:cNvSpPr/>
+            <p:nvPr/>
+          </p:nvSpPr>
+          <p:spPr>
+            <a:xfrm>
+              <a:off x="8449919" y="2601000"/>
+              <a:ext cx="1656000" cy="1656000"/>
+            </a:xfrm>
+            <a:custGeom>
+              <a:avLst/>
+              <a:gdLst>
+                <a:gd name="connsiteX0" fmla="*/ 0 w 1661033"/>
+                <a:gd name="connsiteY0" fmla="*/ 830517 h 1661033"/>
+                <a:gd name="connsiteX1" fmla="*/ 830517 w 1661033"/>
+                <a:gd name="connsiteY1" fmla="*/ 0 h 1661033"/>
+                <a:gd name="connsiteX2" fmla="*/ 1661034 w 1661033"/>
+                <a:gd name="connsiteY2" fmla="*/ 830517 h 1661033"/>
+                <a:gd name="connsiteX3" fmla="*/ 830517 w 1661033"/>
+                <a:gd name="connsiteY3" fmla="*/ 1661034 h 1661033"/>
+                <a:gd name="connsiteX4" fmla="*/ 0 w 1661033"/>
+                <a:gd name="connsiteY4" fmla="*/ 830517 h 1661033"/>
+              </a:gdLst>
+              <a:ahLst/>
+              <a:cxnLst>
+                <a:cxn ang="0">
+                  <a:pos x="connsiteX0" y="connsiteY0"/>
+                </a:cxn>
+                <a:cxn ang="0">
+                  <a:pos x="connsiteX1" y="connsiteY1"/>
+                </a:cxn>
+                <a:cxn ang="0">
+                  <a:pos x="connsiteX2" y="connsiteY2"/>
+                </a:cxn>
+                <a:cxn ang="0">
+                  <a:pos x="connsiteX3" y="connsiteY3"/>
+                </a:cxn>
+                <a:cxn ang="0">
+                  <a:pos x="connsiteX4" y="connsiteY4"/>
+                </a:cxn>
+              </a:cxnLst>
+              <a:rect l="l" t="t" r="r" b="b"/>
+              <a:pathLst>
+                <a:path w="1661033" h="1661033">
+                  <a:moveTo>
+                    <a:pt x="0" y="830517"/>
+                  </a:moveTo>
+                  <a:cubicBezTo>
+                    <a:pt x="0" y="371835"/>
+                    <a:pt x="371835" y="0"/>
+                    <a:pt x="830517" y="0"/>
+                  </a:cubicBezTo>
+                  <a:cubicBezTo>
+                    <a:pt x="1289199" y="0"/>
+                    <a:pt x="1661034" y="371835"/>
+                    <a:pt x="1661034" y="830517"/>
+                  </a:cubicBezTo>
+                  <a:cubicBezTo>
+                    <a:pt x="1661034" y="1289199"/>
+                    <a:pt x="1289199" y="1661034"/>
+                    <a:pt x="830517" y="1661034"/>
+                  </a:cubicBezTo>
+                  <a:cubicBezTo>
+                    <a:pt x="371835" y="1661034"/>
+                    <a:pt x="0" y="1289199"/>
+                    <a:pt x="0" y="830517"/>
+                  </a:cubicBezTo>
+                  <a:close/>
+                </a:path>
+              </a:pathLst>
+            </a:custGeom>
+          </p:spPr>
+          <p:style>
+            <a:lnRef idx="2">
+              <a:schemeClr val="lt1">
+                <a:hueOff val="0"/>
+                <a:satOff val="0"/>
+                <a:lumOff val="0"/>
+                <a:alphaOff val="0"/>
+              </a:schemeClr>
+            </a:lnRef>
+            <a:fillRef idx="1">
+              <a:schemeClr val="accent1">
+                <a:hueOff val="0"/>
+                <a:satOff val="0"/>
+                <a:lumOff val="0"/>
+                <a:alphaOff val="0"/>
+              </a:schemeClr>
+            </a:fillRef>
+            <a:effectRef idx="0">
+              <a:schemeClr val="accent1">
+                <a:hueOff val="0"/>
+                <a:satOff val="0"/>
+                <a:lumOff val="0"/>
+                <a:alphaOff val="0"/>
+              </a:schemeClr>
+            </a:effectRef>
+            <a:fontRef idx="minor">
+              <a:schemeClr val="lt1"/>
+            </a:fontRef>
+          </p:style>
+          <p:txBody>
+            <a:bodyPr spcFirstLastPara="0" vert="horz" wrap="square" lIns="275003" tIns="275003" rIns="275003" bIns="275003" numCol="1" spcCol="1270" anchor="ctr" anchorCtr="0">
+              <a:noAutofit/>
+            </a:bodyPr>
+            <a:lstStyle/>
+            <a:p>
+              <a:pPr marL="0" lvl="0" indent="0" algn="ctr" defTabSz="1111250">
+                <a:lnSpc>
+                  <a:spcPct val="90000"/>
+                </a:lnSpc>
+                <a:spcBef>
+                  <a:spcPct val="0"/>
+                </a:spcBef>
+                <a:spcAft>
+                  <a:spcPct val="35000"/>
+                </a:spcAft>
+                <a:buNone/>
+              </a:pPr>
+              <a:r>
+                <a:rPr lang="en-GB" sz="2500" kern="1200" dirty="0"/>
+                <a:t>Morning Checks</a:t>
+              </a:r>
+            </a:p>
+          </p:txBody>
+        </p:sp>
+      </p:grpSp>
+      <p:grpSp>
+        <p:nvGrpSpPr>
+          <p:cNvPr id="15" name="Group 14">
+            <a:extLst>
+              <a:ext uri="{FF2B5EF4-FFF2-40B4-BE49-F238E27FC236}">
+                <a16:creationId xmlns:a16="http://schemas.microsoft.com/office/drawing/2014/main" id="{8AEEEEB4-BE64-9CEC-ADA4-8604D985C285}"/>
+              </a:ext>
+            </a:extLst>
+          </p:cNvPr>
+          <p:cNvGrpSpPr/>
+          <p:nvPr/>
+        </p:nvGrpSpPr>
+        <p:grpSpPr>
+          <a:xfrm>
+            <a:off x="1271391" y="881825"/>
+            <a:ext cx="3586699" cy="1656000"/>
+            <a:chOff x="1271391" y="881825"/>
+            <a:chExt cx="3586699" cy="1656000"/>
+          </a:xfrm>
+        </p:grpSpPr>
+        <p:sp>
+          <p:nvSpPr>
+            <p:cNvPr id="6" name="Freeform: Shape 5">
+              <a:extLst>
+                <a:ext uri="{FF2B5EF4-FFF2-40B4-BE49-F238E27FC236}">
+                  <a16:creationId xmlns:a16="http://schemas.microsoft.com/office/drawing/2014/main" id="{B7747B3C-4D76-F96A-B503-1ACE883D6933}"/>
+                </a:ext>
+              </a:extLst>
+            </p:cNvPr>
+            <p:cNvSpPr/>
+            <p:nvPr/>
+          </p:nvSpPr>
+          <p:spPr>
+            <a:xfrm>
+              <a:off x="3202090" y="881825"/>
+              <a:ext cx="1656000" cy="1656000"/>
+            </a:xfrm>
+            <a:custGeom>
+              <a:avLst/>
+              <a:gdLst>
+                <a:gd name="connsiteX0" fmla="*/ 0 w 830516"/>
+                <a:gd name="connsiteY0" fmla="*/ 415258 h 830516"/>
+                <a:gd name="connsiteX1" fmla="*/ 415258 w 830516"/>
+                <a:gd name="connsiteY1" fmla="*/ 0 h 830516"/>
+                <a:gd name="connsiteX2" fmla="*/ 830516 w 830516"/>
+                <a:gd name="connsiteY2" fmla="*/ 415258 h 830516"/>
+                <a:gd name="connsiteX3" fmla="*/ 415258 w 830516"/>
+                <a:gd name="connsiteY3" fmla="*/ 830516 h 830516"/>
+                <a:gd name="connsiteX4" fmla="*/ 0 w 830516"/>
+                <a:gd name="connsiteY4" fmla="*/ 415258 h 830516"/>
+              </a:gdLst>
+              <a:ahLst/>
+              <a:cxnLst>
+                <a:cxn ang="0">
+                  <a:pos x="connsiteX0" y="connsiteY0"/>
+                </a:cxn>
+                <a:cxn ang="0">
+                  <a:pos x="connsiteX1" y="connsiteY1"/>
+                </a:cxn>
+                <a:cxn ang="0">
+                  <a:pos x="connsiteX2" y="connsiteY2"/>
+                </a:cxn>
+                <a:cxn ang="0">
+                  <a:pos x="connsiteX3" y="connsiteY3"/>
+                </a:cxn>
+                <a:cxn ang="0">
+                  <a:pos x="connsiteX4" y="connsiteY4"/>
+                </a:cxn>
+              </a:cxnLst>
+              <a:rect l="l" t="t" r="r" b="b"/>
+              <a:pathLst>
+                <a:path w="830516" h="830516">
+                  <a:moveTo>
+                    <a:pt x="0" y="415258"/>
+                  </a:moveTo>
+                  <a:cubicBezTo>
+                    <a:pt x="0" y="185917"/>
+                    <a:pt x="185917" y="0"/>
+                    <a:pt x="415258" y="0"/>
+                  </a:cubicBezTo>
+                  <a:cubicBezTo>
+                    <a:pt x="644599" y="0"/>
+                    <a:pt x="830516" y="185917"/>
+                    <a:pt x="830516" y="415258"/>
+                  </a:cubicBezTo>
+                  <a:cubicBezTo>
+                    <a:pt x="830516" y="644599"/>
+                    <a:pt x="644599" y="830516"/>
+                    <a:pt x="415258" y="830516"/>
+                  </a:cubicBezTo>
+                  <a:cubicBezTo>
+                    <a:pt x="185917" y="830516"/>
+                    <a:pt x="0" y="644599"/>
+                    <a:pt x="0" y="415258"/>
+                  </a:cubicBezTo>
+                  <a:close/>
+                </a:path>
+              </a:pathLst>
+            </a:custGeom>
+          </p:spPr>
+          <p:style>
+            <a:lnRef idx="2">
+              <a:schemeClr val="lt1">
+                <a:hueOff val="0"/>
+                <a:satOff val="0"/>
+                <a:lumOff val="0"/>
+                <a:alphaOff val="0"/>
+              </a:schemeClr>
+            </a:lnRef>
+            <a:fillRef idx="1">
+              <a:schemeClr val="accent1">
+                <a:hueOff val="0"/>
+                <a:satOff val="0"/>
+                <a:lumOff val="0"/>
+                <a:alphaOff val="0"/>
+              </a:schemeClr>
+            </a:fillRef>
+            <a:effectRef idx="0">
+              <a:schemeClr val="accent1">
+                <a:hueOff val="0"/>
+                <a:satOff val="0"/>
+                <a:lumOff val="0"/>
+                <a:alphaOff val="0"/>
+              </a:schemeClr>
+            </a:effectRef>
+            <a:fontRef idx="minor">
+              <a:schemeClr val="lt1"/>
+            </a:fontRef>
+          </p:style>
+          <p:txBody>
+            <a:bodyPr spcFirstLastPara="0" vert="horz" wrap="square" lIns="133056" tIns="133056" rIns="133056" bIns="133056" numCol="1" spcCol="1270" anchor="ctr" anchorCtr="0">
+              <a:noAutofit/>
+            </a:bodyPr>
+            <a:lstStyle/>
+            <a:p>
+              <a:pPr marL="0" lvl="0" indent="0" algn="ctr" defTabSz="400050">
+                <a:lnSpc>
+                  <a:spcPct val="90000"/>
+                </a:lnSpc>
+                <a:spcBef>
+                  <a:spcPct val="0"/>
+                </a:spcBef>
+                <a:spcAft>
+                  <a:spcPct val="35000"/>
+                </a:spcAft>
+                <a:buNone/>
+              </a:pPr>
+              <a:r>
+                <a:rPr lang="en-GB" sz="2400" kern="1200" dirty="0" err="1"/>
+                <a:t>dbatools</a:t>
+              </a:r>
+              <a:endParaRPr lang="en-GB" sz="2400" kern="1200" dirty="0"/>
+            </a:p>
+          </p:txBody>
+        </p:sp>
+        <p:pic>
+          <p:nvPicPr>
+            <p:cNvPr id="5" name="Picture 4" descr="dbatools">
+              <a:extLst>
+                <a:ext uri="{FF2B5EF4-FFF2-40B4-BE49-F238E27FC236}">
+                  <a16:creationId xmlns:a16="http://schemas.microsoft.com/office/drawing/2014/main" id="{678B5746-2F4E-1D68-3C5D-7A7AE4143FB1}"/>
+                </a:ext>
+              </a:extLst>
+            </p:cNvPr>
+            <p:cNvPicPr>
+              <a:picLocks noChangeAspect="1"/>
+            </p:cNvPicPr>
+            <p:nvPr/>
+          </p:nvPicPr>
+          <p:blipFill>
+            <a:blip r:embed="rId3">
+              <a:extLst>
+                <a:ext uri="{28A0092B-C50C-407E-A947-70E740481C1C}">
+                  <a14:useLocalDpi xmlns:a14="http://schemas.microsoft.com/office/drawing/2010/main" val="0"/>
+                </a:ext>
+              </a:extLst>
+            </a:blip>
+            <a:stretch>
+              <a:fillRect/>
+            </a:stretch>
+          </p:blipFill>
+          <p:spPr>
+            <a:xfrm>
+              <a:off x="1271391" y="1097825"/>
+              <a:ext cx="1440000" cy="1440000"/>
+            </a:xfrm>
+            <a:prstGeom prst="rect">
+              <a:avLst/>
+            </a:prstGeom>
+          </p:spPr>
+        </p:pic>
+      </p:grpSp>
+      <p:grpSp>
+        <p:nvGrpSpPr>
+          <p:cNvPr id="17" name="Group 16">
+            <a:extLst>
+              <a:ext uri="{FF2B5EF4-FFF2-40B4-BE49-F238E27FC236}">
+                <a16:creationId xmlns:a16="http://schemas.microsoft.com/office/drawing/2014/main" id="{E0FB123A-81ED-E1A0-98B5-3E0BE5705CFD}"/>
+              </a:ext>
+            </a:extLst>
+          </p:cNvPr>
+          <p:cNvGrpSpPr/>
+          <p:nvPr/>
+        </p:nvGrpSpPr>
+        <p:grpSpPr>
+          <a:xfrm>
+            <a:off x="1271391" y="4464177"/>
+            <a:ext cx="3586699" cy="1656000"/>
+            <a:chOff x="1271391" y="4464177"/>
+            <a:chExt cx="3586699" cy="1656000"/>
+          </a:xfrm>
+        </p:grpSpPr>
+        <p:sp>
+          <p:nvSpPr>
+            <p:cNvPr id="10" name="Freeform: Shape 9">
+              <a:extLst>
+                <a:ext uri="{FF2B5EF4-FFF2-40B4-BE49-F238E27FC236}">
+                  <a16:creationId xmlns:a16="http://schemas.microsoft.com/office/drawing/2014/main" id="{DA7B4C28-6823-66E0-830D-BF55F842EB90}"/>
+                </a:ext>
+              </a:extLst>
+            </p:cNvPr>
+            <p:cNvSpPr/>
+            <p:nvPr/>
+          </p:nvSpPr>
+          <p:spPr>
+            <a:xfrm>
+              <a:off x="3202090" y="4464177"/>
+              <a:ext cx="1656000" cy="1656000"/>
+            </a:xfrm>
+            <a:custGeom>
+              <a:avLst/>
+              <a:gdLst>
+                <a:gd name="connsiteX0" fmla="*/ 0 w 830516"/>
+                <a:gd name="connsiteY0" fmla="*/ 415258 h 830516"/>
+                <a:gd name="connsiteX1" fmla="*/ 415258 w 830516"/>
+                <a:gd name="connsiteY1" fmla="*/ 0 h 830516"/>
+                <a:gd name="connsiteX2" fmla="*/ 830516 w 830516"/>
+                <a:gd name="connsiteY2" fmla="*/ 415258 h 830516"/>
+                <a:gd name="connsiteX3" fmla="*/ 415258 w 830516"/>
+                <a:gd name="connsiteY3" fmla="*/ 830516 h 830516"/>
+                <a:gd name="connsiteX4" fmla="*/ 0 w 830516"/>
+                <a:gd name="connsiteY4" fmla="*/ 415258 h 830516"/>
+              </a:gdLst>
+              <a:ahLst/>
+              <a:cxnLst>
+                <a:cxn ang="0">
+                  <a:pos x="connsiteX0" y="connsiteY0"/>
+                </a:cxn>
+                <a:cxn ang="0">
+                  <a:pos x="connsiteX1" y="connsiteY1"/>
+                </a:cxn>
+                <a:cxn ang="0">
+                  <a:pos x="connsiteX2" y="connsiteY2"/>
+                </a:cxn>
+                <a:cxn ang="0">
+                  <a:pos x="connsiteX3" y="connsiteY3"/>
+                </a:cxn>
+                <a:cxn ang="0">
+                  <a:pos x="connsiteX4" y="connsiteY4"/>
+                </a:cxn>
+              </a:cxnLst>
+              <a:rect l="l" t="t" r="r" b="b"/>
+              <a:pathLst>
+                <a:path w="830516" h="830516">
+                  <a:moveTo>
+                    <a:pt x="0" y="415258"/>
+                  </a:moveTo>
+                  <a:cubicBezTo>
+                    <a:pt x="0" y="185917"/>
+                    <a:pt x="185917" y="0"/>
+                    <a:pt x="415258" y="0"/>
+                  </a:cubicBezTo>
+                  <a:cubicBezTo>
+                    <a:pt x="644599" y="0"/>
+                    <a:pt x="830516" y="185917"/>
+                    <a:pt x="830516" y="415258"/>
+                  </a:cubicBezTo>
+                  <a:cubicBezTo>
+                    <a:pt x="830516" y="644599"/>
+                    <a:pt x="644599" y="830516"/>
+                    <a:pt x="415258" y="830516"/>
+                  </a:cubicBezTo>
+                  <a:cubicBezTo>
+                    <a:pt x="185917" y="830516"/>
+                    <a:pt x="0" y="644599"/>
+                    <a:pt x="0" y="415258"/>
+                  </a:cubicBezTo>
+                  <a:close/>
+                </a:path>
+              </a:pathLst>
+            </a:custGeom>
+          </p:spPr>
+          <p:style>
+            <a:lnRef idx="2">
+              <a:schemeClr val="lt1">
+                <a:hueOff val="0"/>
+                <a:satOff val="0"/>
+                <a:lumOff val="0"/>
+                <a:alphaOff val="0"/>
+              </a:schemeClr>
+            </a:lnRef>
+            <a:fillRef idx="1">
+              <a:schemeClr val="accent1">
+                <a:hueOff val="0"/>
+                <a:satOff val="0"/>
+                <a:lumOff val="0"/>
+                <a:alphaOff val="0"/>
+              </a:schemeClr>
+            </a:fillRef>
+            <a:effectRef idx="0">
+              <a:schemeClr val="accent1">
+                <a:hueOff val="0"/>
+                <a:satOff val="0"/>
+                <a:lumOff val="0"/>
+                <a:alphaOff val="0"/>
+              </a:schemeClr>
+            </a:effectRef>
+            <a:fontRef idx="minor">
+              <a:schemeClr val="lt1"/>
+            </a:fontRef>
+          </p:style>
+          <p:txBody>
+            <a:bodyPr spcFirstLastPara="0" vert="horz" wrap="square" lIns="133056" tIns="133056" rIns="133056" bIns="133056" numCol="1" spcCol="1270" anchor="ctr" anchorCtr="0">
+              <a:noAutofit/>
+            </a:bodyPr>
+            <a:lstStyle/>
+            <a:p>
+              <a:pPr marL="0" lvl="0" indent="0" algn="ctr" defTabSz="400050">
+                <a:lnSpc>
+                  <a:spcPct val="90000"/>
+                </a:lnSpc>
+                <a:spcBef>
+                  <a:spcPct val="0"/>
+                </a:spcBef>
+                <a:spcAft>
+                  <a:spcPct val="35000"/>
+                </a:spcAft>
+                <a:buNone/>
+              </a:pPr>
+              <a:r>
+                <a:rPr lang="en-GB" sz="2400" kern="1200" dirty="0" err="1"/>
+                <a:t>FabricTools</a:t>
+              </a:r>
+              <a:endParaRPr lang="en-GB" sz="2400" kern="1200" dirty="0"/>
+            </a:p>
+          </p:txBody>
+        </p:sp>
+        <p:pic>
+          <p:nvPicPr>
+            <p:cNvPr id="1026" name="Picture 2" descr="drawing">
+              <a:extLst>
+                <a:ext uri="{FF2B5EF4-FFF2-40B4-BE49-F238E27FC236}">
+                  <a16:creationId xmlns:a16="http://schemas.microsoft.com/office/drawing/2014/main" id="{8775ABAB-4C33-D412-B989-15CC9D4E4D38}"/>
+                </a:ext>
+              </a:extLst>
+            </p:cNvPr>
+            <p:cNvPicPr>
+              <a:picLocks noChangeAspect="1" noChangeArrowheads="1"/>
+            </p:cNvPicPr>
+            <p:nvPr/>
+          </p:nvPicPr>
+          <p:blipFill>
+            <a:blip r:embed="rId4">
+              <a:extLst>
+                <a:ext uri="{28A0092B-C50C-407E-A947-70E740481C1C}">
+                  <a14:useLocalDpi xmlns:a14="http://schemas.microsoft.com/office/drawing/2010/main" val="0"/>
+                </a:ext>
+              </a:extLst>
+            </a:blip>
+            <a:srcRect/>
+            <a:stretch>
+              <a:fillRect/>
+            </a:stretch>
+          </p:blipFill>
+          <p:spPr bwMode="auto">
+            <a:xfrm>
+              <a:off x="1271391" y="4599101"/>
+              <a:ext cx="1440000" cy="1482352"/>
+            </a:xfrm>
+            <a:prstGeom prst="rect">
+              <a:avLst/>
+            </a:prstGeom>
+            <a:noFill/>
+            <a:extLst>
+              <a:ext uri="{909E8E84-426E-40DD-AFC4-6F175D3DCCD1}">
+                <a14:hiddenFill xmlns:a14="http://schemas.microsoft.com/office/drawing/2010/main">
+                  <a:solidFill>
+                    <a:srgbClr val="FFFFFF"/>
+                  </a:solidFill>
+                </a14:hiddenFill>
+              </a:ext>
+            </a:extLst>
+          </p:spPr>
+        </p:pic>
+      </p:grpSp>
+      <p:grpSp>
+        <p:nvGrpSpPr>
+          <p:cNvPr id="16" name="Group 15">
+            <a:extLst>
+              <a:ext uri="{FF2B5EF4-FFF2-40B4-BE49-F238E27FC236}">
+                <a16:creationId xmlns:a16="http://schemas.microsoft.com/office/drawing/2014/main" id="{F44D8C84-8E50-A92A-1497-745E1BAF4821}"/>
+              </a:ext>
+            </a:extLst>
+          </p:cNvPr>
+          <p:cNvGrpSpPr/>
+          <p:nvPr/>
+        </p:nvGrpSpPr>
+        <p:grpSpPr>
+          <a:xfrm>
+            <a:off x="1271391" y="2673001"/>
+            <a:ext cx="3601049" cy="1656000"/>
+            <a:chOff x="1271391" y="2673001"/>
+            <a:chExt cx="3601049" cy="1656000"/>
+          </a:xfrm>
+        </p:grpSpPr>
+        <p:sp>
+          <p:nvSpPr>
+            <p:cNvPr id="8" name="Freeform: Shape 7">
+              <a:extLst>
+                <a:ext uri="{FF2B5EF4-FFF2-40B4-BE49-F238E27FC236}">
+                  <a16:creationId xmlns:a16="http://schemas.microsoft.com/office/drawing/2014/main" id="{32603B7B-6234-E9C7-C9E2-895FE819CE92}"/>
+                </a:ext>
+              </a:extLst>
+            </p:cNvPr>
+            <p:cNvSpPr/>
+            <p:nvPr/>
+          </p:nvSpPr>
+          <p:spPr>
+            <a:xfrm>
+              <a:off x="3216440" y="2673001"/>
+              <a:ext cx="1656000" cy="1656000"/>
+            </a:xfrm>
+            <a:custGeom>
+              <a:avLst/>
+              <a:gdLst>
+                <a:gd name="connsiteX0" fmla="*/ 0 w 830516"/>
+                <a:gd name="connsiteY0" fmla="*/ 415258 h 830516"/>
+                <a:gd name="connsiteX1" fmla="*/ 415258 w 830516"/>
+                <a:gd name="connsiteY1" fmla="*/ 0 h 830516"/>
+                <a:gd name="connsiteX2" fmla="*/ 830516 w 830516"/>
+                <a:gd name="connsiteY2" fmla="*/ 415258 h 830516"/>
+                <a:gd name="connsiteX3" fmla="*/ 415258 w 830516"/>
+                <a:gd name="connsiteY3" fmla="*/ 830516 h 830516"/>
+                <a:gd name="connsiteX4" fmla="*/ 0 w 830516"/>
+                <a:gd name="connsiteY4" fmla="*/ 415258 h 830516"/>
+              </a:gdLst>
+              <a:ahLst/>
+              <a:cxnLst>
+                <a:cxn ang="0">
+                  <a:pos x="connsiteX0" y="connsiteY0"/>
+                </a:cxn>
+                <a:cxn ang="0">
+                  <a:pos x="connsiteX1" y="connsiteY1"/>
+                </a:cxn>
+                <a:cxn ang="0">
+                  <a:pos x="connsiteX2" y="connsiteY2"/>
+                </a:cxn>
+                <a:cxn ang="0">
+                  <a:pos x="connsiteX3" y="connsiteY3"/>
+                </a:cxn>
+                <a:cxn ang="0">
+                  <a:pos x="connsiteX4" y="connsiteY4"/>
+                </a:cxn>
+              </a:cxnLst>
+              <a:rect l="l" t="t" r="r" b="b"/>
+              <a:pathLst>
+                <a:path w="830516" h="830516">
+                  <a:moveTo>
+                    <a:pt x="0" y="415258"/>
+                  </a:moveTo>
+                  <a:cubicBezTo>
+                    <a:pt x="0" y="185917"/>
+                    <a:pt x="185917" y="0"/>
+                    <a:pt x="415258" y="0"/>
+                  </a:cubicBezTo>
+                  <a:cubicBezTo>
+                    <a:pt x="644599" y="0"/>
+                    <a:pt x="830516" y="185917"/>
+                    <a:pt x="830516" y="415258"/>
+                  </a:cubicBezTo>
+                  <a:cubicBezTo>
+                    <a:pt x="830516" y="644599"/>
+                    <a:pt x="644599" y="830516"/>
+                    <a:pt x="415258" y="830516"/>
+                  </a:cubicBezTo>
+                  <a:cubicBezTo>
+                    <a:pt x="185917" y="830516"/>
+                    <a:pt x="0" y="644599"/>
+                    <a:pt x="0" y="415258"/>
+                  </a:cubicBezTo>
+                  <a:close/>
+                </a:path>
+              </a:pathLst>
+            </a:custGeom>
+          </p:spPr>
+          <p:style>
+            <a:lnRef idx="2">
+              <a:schemeClr val="lt1">
+                <a:hueOff val="0"/>
+                <a:satOff val="0"/>
+                <a:lumOff val="0"/>
+                <a:alphaOff val="0"/>
+              </a:schemeClr>
+            </a:lnRef>
+            <a:fillRef idx="1">
+              <a:schemeClr val="accent1">
+                <a:hueOff val="0"/>
+                <a:satOff val="0"/>
+                <a:lumOff val="0"/>
+                <a:alphaOff val="0"/>
+              </a:schemeClr>
+            </a:fillRef>
+            <a:effectRef idx="0">
+              <a:schemeClr val="accent1">
+                <a:hueOff val="0"/>
+                <a:satOff val="0"/>
+                <a:lumOff val="0"/>
+                <a:alphaOff val="0"/>
+              </a:schemeClr>
+            </a:effectRef>
+            <a:fontRef idx="minor">
+              <a:schemeClr val="lt1"/>
+            </a:fontRef>
+          </p:style>
+          <p:txBody>
+            <a:bodyPr spcFirstLastPara="0" vert="horz" wrap="square" lIns="133056" tIns="133056" rIns="133056" bIns="133056" numCol="1" spcCol="1270" anchor="ctr" anchorCtr="0">
+              <a:noAutofit/>
+            </a:bodyPr>
+            <a:lstStyle/>
+            <a:p>
+              <a:pPr marL="0" lvl="0" indent="0" algn="ctr" defTabSz="400050">
+                <a:lnSpc>
+                  <a:spcPct val="90000"/>
+                </a:lnSpc>
+                <a:spcBef>
+                  <a:spcPct val="0"/>
+                </a:spcBef>
+                <a:spcAft>
+                  <a:spcPct val="35000"/>
+                </a:spcAft>
+                <a:buNone/>
+              </a:pPr>
+              <a:r>
+                <a:rPr lang="en-GB" sz="2400" kern="1200" dirty="0"/>
+                <a:t>Az</a:t>
+              </a:r>
+            </a:p>
+          </p:txBody>
+        </p:sp>
+        <p:pic>
+          <p:nvPicPr>
+            <p:cNvPr id="2050" name="Picture 2" descr="Azure has a new logo, but where do you download it? Here!">
+              <a:extLst>
+                <a:ext uri="{FF2B5EF4-FFF2-40B4-BE49-F238E27FC236}">
+                  <a16:creationId xmlns:a16="http://schemas.microsoft.com/office/drawing/2014/main" id="{CFE9E483-C650-22AC-1704-9B9138A955F7}"/>
+                </a:ext>
+              </a:extLst>
+            </p:cNvPr>
+            <p:cNvPicPr>
+              <a:picLocks noChangeAspect="1" noChangeArrowheads="1"/>
+            </p:cNvPicPr>
+            <p:nvPr/>
+          </p:nvPicPr>
+          <p:blipFill>
+            <a:blip r:embed="rId5">
+              <a:extLst>
+                <a:ext uri="{28A0092B-C50C-407E-A947-70E740481C1C}">
+                  <a14:useLocalDpi xmlns:a14="http://schemas.microsoft.com/office/drawing/2010/main" val="0"/>
+                </a:ext>
+              </a:extLst>
+            </a:blip>
+            <a:srcRect/>
+            <a:stretch>
+              <a:fillRect/>
+            </a:stretch>
+          </p:blipFill>
+          <p:spPr bwMode="auto">
+            <a:xfrm>
+              <a:off x="1271391" y="2848463"/>
+              <a:ext cx="1440000" cy="1440000"/>
+            </a:xfrm>
+            <a:prstGeom prst="rect">
+              <a:avLst/>
+            </a:prstGeom>
+            <a:noFill/>
+            <a:extLst>
+              <a:ext uri="{909E8E84-426E-40DD-AFC4-6F175D3DCCD1}">
+                <a14:hiddenFill xmlns:a14="http://schemas.microsoft.com/office/drawing/2010/main">
+                  <a:solidFill>
+                    <a:srgbClr val="FFFFFF"/>
+                  </a:solidFill>
+                </a14:hiddenFill>
+              </a:ext>
+            </a:extLst>
+          </p:spPr>
+        </p:pic>
+      </p:grpSp>
+    </p:spTree>
+    <p:extLst>
+      <p:ext uri="{BB962C8B-B14F-4D97-AF65-F5344CB8AC3E}">
+        <p14:creationId xmlns:p14="http://schemas.microsoft.com/office/powerpoint/2010/main" val="3320554197"/>
+      </p:ext>
+    </p:extLst>
+  </p:cSld>
+  <p:clrMapOvr>
+    <a:masterClrMapping/>
+  </p:clrMapOvr>
+  <p:timing>
+    <p:tnLst>
+      <p:par>
+        <p:cTn id="1" dur="indefinite" restart="never" nodeType="tmRoot">
+          <p:childTnLst>
+            <p:seq concurrent="1" nextAc="seek">
+              <p:cTn id="2" dur="indefinite" nodeType="mainSeq">
+                <p:childTnLst>
+                  <p:par>
+                    <p:cTn id="3" fill="hold">
+                      <p:stCondLst>
+                        <p:cond delay="indefinite"/>
+                      </p:stCondLst>
+                      <p:childTnLst>
+                        <p:par>
+                          <p:cTn id="4" fill="hold">
+                            <p:stCondLst>
+                              <p:cond delay="0"/>
+                            </p:stCondLst>
+                            <p:childTnLst>
+                              <p:par>
+                                <p:cTn id="5" presetID="1" presetClass="entr" presetSubtype="0" fill="hold" nodeType="clickEffect">
+                                  <p:stCondLst>
+                                    <p:cond delay="0"/>
+                                  </p:stCondLst>
+                                  <p:childTnLst>
+                                    <p:set>
+                                      <p:cBhvr>
+                                        <p:cTn id="6" dur="1" fill="hold">
+                                          <p:stCondLst>
+                                            <p:cond delay="0"/>
+                                          </p:stCondLst>
+                                        </p:cTn>
+                                        <p:tgtEl>
+                                          <p:spTgt spid="15"/>
+                                        </p:tgtEl>
+                                        <p:attrNameLst>
+                                          <p:attrName>style.visibility</p:attrName>
+                                        </p:attrNameLst>
+                                      </p:cBhvr>
+                                      <p:to>
+                                        <p:strVal val="visible"/>
+                                      </p:to>
+                                    </p:set>
+                                  </p:childTnLst>
+                                </p:cTn>
+                              </p:par>
+                            </p:childTnLst>
+                          </p:cTn>
+                        </p:par>
+                      </p:childTnLst>
+                    </p:cTn>
+                  </p:par>
+                  <p:par>
+                    <p:cTn id="7" fill="hold">
+                      <p:stCondLst>
+                        <p:cond delay="indefinite"/>
+                      </p:stCondLst>
+                      <p:childTnLst>
+                        <p:par>
+                          <p:cTn id="8" fill="hold">
+                            <p:stCondLst>
+                              <p:cond delay="0"/>
+                            </p:stCondLst>
+                            <p:childTnLst>
+                              <p:par>
+                                <p:cTn id="9" presetID="1" presetClass="entr" presetSubtype="0" fill="hold" nodeType="clickEffect">
+                                  <p:stCondLst>
+                                    <p:cond delay="0"/>
+                                  </p:stCondLst>
+                                  <p:childTnLst>
+                                    <p:set>
+                                      <p:cBhvr>
+                                        <p:cTn id="10" dur="1" fill="hold">
+                                          <p:stCondLst>
+                                            <p:cond delay="0"/>
+                                          </p:stCondLst>
+                                        </p:cTn>
+                                        <p:tgtEl>
+                                          <p:spTgt spid="16"/>
+                                        </p:tgtEl>
+                                        <p:attrNameLst>
+                                          <p:attrName>style.visibility</p:attrName>
+                                        </p:attrNameLst>
+                                      </p:cBhvr>
+                                      <p:to>
+                                        <p:strVal val="visible"/>
+                                      </p:to>
+                                    </p:set>
+                                  </p:childTnLst>
+                                </p:cTn>
+                              </p:par>
+                            </p:childTnLst>
+                          </p:cTn>
+                        </p:par>
+                      </p:childTnLst>
+                    </p:cTn>
+                  </p:par>
+                  <p:par>
+                    <p:cTn id="11" fill="hold">
+                      <p:stCondLst>
+                        <p:cond delay="indefinite"/>
+                      </p:stCondLst>
+                      <p:childTnLst>
+                        <p:par>
+                          <p:cTn id="12" fill="hold">
+                            <p:stCondLst>
+                              <p:cond delay="0"/>
+                            </p:stCondLst>
+                            <p:childTnLst>
+                              <p:par>
+                                <p:cTn id="13" presetID="1" presetClass="entr" presetSubtype="0" fill="hold" nodeType="clickEffect">
+                                  <p:stCondLst>
+                                    <p:cond delay="0"/>
+                                  </p:stCondLst>
+                                  <p:childTnLst>
+                                    <p:set>
+                                      <p:cBhvr>
+                                        <p:cTn id="14" dur="1" fill="hold">
+                                          <p:stCondLst>
+                                            <p:cond delay="0"/>
+                                          </p:stCondLst>
+                                        </p:cTn>
+                                        <p:tgtEl>
+                                          <p:spTgt spid="17"/>
+                                        </p:tgtEl>
+                                        <p:attrNameLst>
+                                          <p:attrName>style.visibility</p:attrName>
+                                        </p:attrNameLst>
+                                      </p:cBhvr>
+                                      <p:to>
+                                        <p:strVal val="visible"/>
+                                      </p:to>
+                                    </p:set>
+                                  </p:childTnLst>
+                                </p:cTn>
+                              </p:par>
+                            </p:childTnLst>
+                          </p:cTn>
+                        </p:par>
+                      </p:childTnLst>
+                    </p:cTn>
+                  </p:par>
+                </p:childTnLst>
+              </p:cTn>
+              <p:prevCondLst>
+                <p:cond evt="onPrev" delay="0">
+                  <p:tgtEl>
+                    <p:sldTgt/>
+                  </p:tgtEl>
+                </p:cond>
+              </p:prevCondLst>
+              <p:nextCondLst>
+                <p:cond evt="onNext" delay="0">
+                  <p:tgtEl>
+                    <p:sldTgt/>
+                  </p:tgtEl>
+                </p:cond>
+              </p:nextCondLst>
+            </p:seq>
+          </p:childTnLst>
+        </p:cTn>
+      </p:par>
+    </p:tnLst>
+  </p:timing>
+</p:sld>
+</file>
+
+<file path=ppt/slides/slide5.xml><?xml version="1.0" encoding="utf-8"?>
+<p:sld xmlns:a="http://schemas.openxmlformats.org/drawingml/2006/main" xmlns:r="http://schemas.openxmlformats.org/officeDocument/2006/relationships" xmlns:p="http://schemas.openxmlformats.org/presentationml/2006/main">
+  <p:cSld>
+    <p:spTree>
+      <p:nvGrpSpPr>
+        <p:cNvPr id="1" name="">
+          <a:extLst>
+            <a:ext uri="{FF2B5EF4-FFF2-40B4-BE49-F238E27FC236}">
+              <a16:creationId xmlns:a16="http://schemas.microsoft.com/office/drawing/2014/main" id="{E9F0E522-73E2-8D7B-7CB3-1F832734364C}"/>
+            </a:ext>
+          </a:extLst>
+        </p:cNvPr>
+        <p:cNvGrpSpPr/>
+        <p:nvPr/>
+      </p:nvGrpSpPr>
+      <p:grpSpPr>
+        <a:xfrm>
+          <a:off x="0" y="0"/>
+          <a:ext cx="0" cy="0"/>
+          <a:chOff x="0" y="0"/>
+          <a:chExt cx="0" cy="0"/>
+        </a:xfrm>
+      </p:grpSpPr>
+      <p:sp>
+        <p:nvSpPr>
+          <p:cNvPr id="2" name="Title 1">
+            <a:extLst>
+              <a:ext uri="{FF2B5EF4-FFF2-40B4-BE49-F238E27FC236}">
+                <a16:creationId xmlns:a16="http://schemas.microsoft.com/office/drawing/2014/main" id="{D73514D2-92FF-2749-D8DC-839E1215F71F}"/>
+              </a:ext>
+            </a:extLst>
+          </p:cNvPr>
+          <p:cNvSpPr>
+            <a:spLocks noGrp="1"/>
+          </p:cNvSpPr>
+          <p:nvPr>
+            <p:ph type="title"/>
+          </p:nvPr>
+        </p:nvSpPr>
+        <p:spPr/>
+        <p:txBody>
+          <a:bodyPr/>
+          <a:lstStyle/>
+          <a:p>
+            <a:r>
+              <a:rPr lang="en-US" dirty="0"/>
+              <a:t>The Secret...</a:t>
+            </a:r>
+          </a:p>
+        </p:txBody>
+      </p:sp>
+      <p:grpSp>
+        <p:nvGrpSpPr>
+          <p:cNvPr id="18" name="Group 17">
+            <a:extLst>
+              <a:ext uri="{FF2B5EF4-FFF2-40B4-BE49-F238E27FC236}">
+                <a16:creationId xmlns:a16="http://schemas.microsoft.com/office/drawing/2014/main" id="{1105577B-C449-8F35-ECFC-925929F649AF}"/>
+              </a:ext>
+            </a:extLst>
+          </p:cNvPr>
+          <p:cNvGrpSpPr/>
+          <p:nvPr/>
+        </p:nvGrpSpPr>
+        <p:grpSpPr>
+          <a:xfrm>
+            <a:off x="5061273" y="2690901"/>
+            <a:ext cx="2642748" cy="1656000"/>
+            <a:chOff x="5061273" y="2690901"/>
+            <a:chExt cx="2642748" cy="1656000"/>
+          </a:xfrm>
+        </p:grpSpPr>
+        <p:sp>
+          <p:nvSpPr>
+            <p:cNvPr id="9" name="Freeform: Shape 8">
+              <a:extLst>
+                <a:ext uri="{FF2B5EF4-FFF2-40B4-BE49-F238E27FC236}">
+                  <a16:creationId xmlns:a16="http://schemas.microsoft.com/office/drawing/2014/main" id="{ED1DEDFB-938E-9527-B845-E2C722AAEDF8}"/>
+                </a:ext>
+              </a:extLst>
+            </p:cNvPr>
+            <p:cNvSpPr/>
+            <p:nvPr/>
+          </p:nvSpPr>
+          <p:spPr>
+            <a:xfrm>
+              <a:off x="5061273" y="3260152"/>
+              <a:ext cx="481699" cy="481699"/>
+            </a:xfrm>
+            <a:custGeom>
+              <a:avLst/>
+              <a:gdLst>
+                <a:gd name="connsiteX0" fmla="*/ 63849 w 481699"/>
+                <a:gd name="connsiteY0" fmla="*/ 184202 h 481699"/>
+                <a:gd name="connsiteX1" fmla="*/ 184202 w 481699"/>
+                <a:gd name="connsiteY1" fmla="*/ 184202 h 481699"/>
+                <a:gd name="connsiteX2" fmla="*/ 184202 w 481699"/>
+                <a:gd name="connsiteY2" fmla="*/ 63849 h 481699"/>
+                <a:gd name="connsiteX3" fmla="*/ 297497 w 481699"/>
+                <a:gd name="connsiteY3" fmla="*/ 63849 h 481699"/>
+                <a:gd name="connsiteX4" fmla="*/ 297497 w 481699"/>
+                <a:gd name="connsiteY4" fmla="*/ 184202 h 481699"/>
+                <a:gd name="connsiteX5" fmla="*/ 417850 w 481699"/>
+                <a:gd name="connsiteY5" fmla="*/ 184202 h 481699"/>
+                <a:gd name="connsiteX6" fmla="*/ 417850 w 481699"/>
+                <a:gd name="connsiteY6" fmla="*/ 297497 h 481699"/>
+                <a:gd name="connsiteX7" fmla="*/ 297497 w 481699"/>
+                <a:gd name="connsiteY7" fmla="*/ 297497 h 481699"/>
+                <a:gd name="connsiteX8" fmla="*/ 297497 w 481699"/>
+                <a:gd name="connsiteY8" fmla="*/ 417850 h 481699"/>
+                <a:gd name="connsiteX9" fmla="*/ 184202 w 481699"/>
+                <a:gd name="connsiteY9" fmla="*/ 417850 h 481699"/>
+                <a:gd name="connsiteX10" fmla="*/ 184202 w 481699"/>
+                <a:gd name="connsiteY10" fmla="*/ 297497 h 481699"/>
+                <a:gd name="connsiteX11" fmla="*/ 63849 w 481699"/>
+                <a:gd name="connsiteY11" fmla="*/ 297497 h 481699"/>
+                <a:gd name="connsiteX12" fmla="*/ 63849 w 481699"/>
+                <a:gd name="connsiteY12" fmla="*/ 184202 h 481699"/>
+              </a:gdLst>
+              <a:ahLst/>
+              <a:cxnLst>
+                <a:cxn ang="0">
+                  <a:pos x="connsiteX0" y="connsiteY0"/>
+                </a:cxn>
+                <a:cxn ang="0">
+                  <a:pos x="connsiteX1" y="connsiteY1"/>
+                </a:cxn>
+                <a:cxn ang="0">
+                  <a:pos x="connsiteX2" y="connsiteY2"/>
+                </a:cxn>
+                <a:cxn ang="0">
+                  <a:pos x="connsiteX3" y="connsiteY3"/>
+                </a:cxn>
+                <a:cxn ang="0">
+                  <a:pos x="connsiteX4" y="connsiteY4"/>
+                </a:cxn>
+                <a:cxn ang="0">
+                  <a:pos x="connsiteX5" y="connsiteY5"/>
+                </a:cxn>
+                <a:cxn ang="0">
+                  <a:pos x="connsiteX6" y="connsiteY6"/>
+                </a:cxn>
+                <a:cxn ang="0">
+                  <a:pos x="connsiteX7" y="connsiteY7"/>
+                </a:cxn>
+                <a:cxn ang="0">
+                  <a:pos x="connsiteX8" y="connsiteY8"/>
+                </a:cxn>
+                <a:cxn ang="0">
+                  <a:pos x="connsiteX9" y="connsiteY9"/>
+                </a:cxn>
+                <a:cxn ang="0">
+                  <a:pos x="connsiteX10" y="connsiteY10"/>
+                </a:cxn>
+                <a:cxn ang="0">
+                  <a:pos x="connsiteX11" y="connsiteY11"/>
+                </a:cxn>
+                <a:cxn ang="0">
+                  <a:pos x="connsiteX12" y="connsiteY12"/>
+                </a:cxn>
+              </a:cxnLst>
+              <a:rect l="l" t="t" r="r" b="b"/>
+              <a:pathLst>
+                <a:path w="481699" h="481699">
+                  <a:moveTo>
+                    <a:pt x="63849" y="184202"/>
+                  </a:moveTo>
+                  <a:lnTo>
+                    <a:pt x="184202" y="184202"/>
+                  </a:lnTo>
+                  <a:lnTo>
+                    <a:pt x="184202" y="63849"/>
+                  </a:lnTo>
+                  <a:lnTo>
+                    <a:pt x="297497" y="63849"/>
+                  </a:lnTo>
+                  <a:lnTo>
+                    <a:pt x="297497" y="184202"/>
+                  </a:lnTo>
+                  <a:lnTo>
+                    <a:pt x="417850" y="184202"/>
+                  </a:lnTo>
+                  <a:lnTo>
+                    <a:pt x="417850" y="297497"/>
+                  </a:lnTo>
+                  <a:lnTo>
+                    <a:pt x="297497" y="297497"/>
+                  </a:lnTo>
+                  <a:lnTo>
+                    <a:pt x="297497" y="417850"/>
+                  </a:lnTo>
+                  <a:lnTo>
+                    <a:pt x="184202" y="417850"/>
+                  </a:lnTo>
+                  <a:lnTo>
+                    <a:pt x="184202" y="297497"/>
+                  </a:lnTo>
+                  <a:lnTo>
+                    <a:pt x="63849" y="297497"/>
+                  </a:lnTo>
+                  <a:lnTo>
+                    <a:pt x="63849" y="184202"/>
+                  </a:lnTo>
+                  <a:close/>
+                </a:path>
+              </a:pathLst>
+            </a:custGeom>
+          </p:spPr>
+          <p:style>
+            <a:lnRef idx="0">
+              <a:schemeClr val="accent1">
+                <a:tint val="60000"/>
+                <a:hueOff val="0"/>
+                <a:satOff val="0"/>
+                <a:lumOff val="0"/>
+                <a:alphaOff val="0"/>
+              </a:schemeClr>
+            </a:lnRef>
+            <a:fillRef idx="1">
+              <a:schemeClr val="accent1">
+                <a:tint val="60000"/>
+                <a:hueOff val="0"/>
+                <a:satOff val="0"/>
+                <a:lumOff val="0"/>
+                <a:alphaOff val="0"/>
+              </a:schemeClr>
+            </a:fillRef>
+            <a:effectRef idx="0">
+              <a:schemeClr val="accent1">
+                <a:tint val="60000"/>
+                <a:hueOff val="0"/>
+                <a:satOff val="0"/>
+                <a:lumOff val="0"/>
+                <a:alphaOff val="0"/>
+              </a:schemeClr>
+            </a:effectRef>
+            <a:fontRef idx="minor">
+              <a:schemeClr val="lt1"/>
+            </a:fontRef>
+          </p:style>
+          <p:txBody>
+            <a:bodyPr spcFirstLastPara="0" vert="horz" wrap="square" lIns="63849" tIns="184202" rIns="63849" bIns="184202" numCol="1" spcCol="1270" anchor="ctr" anchorCtr="0">
+              <a:noAutofit/>
+            </a:bodyPr>
+            <a:lstStyle/>
+            <a:p>
+              <a:pPr marL="0" lvl="0" indent="0" algn="ctr" defTabSz="355600">
+                <a:lnSpc>
+                  <a:spcPct val="90000"/>
+                </a:lnSpc>
+                <a:spcBef>
+                  <a:spcPct val="0"/>
+                </a:spcBef>
+                <a:spcAft>
+                  <a:spcPct val="35000"/>
+                </a:spcAft>
+                <a:buNone/>
+              </a:pPr>
+              <a:endParaRPr lang="en-GB" sz="800" kern="1200"/>
+            </a:p>
+          </p:txBody>
+        </p:sp>
+        <p:sp>
+          <p:nvSpPr>
+            <p:cNvPr id="12" name="Freeform: Shape 11">
+              <a:extLst>
+                <a:ext uri="{FF2B5EF4-FFF2-40B4-BE49-F238E27FC236}">
+                  <a16:creationId xmlns:a16="http://schemas.microsoft.com/office/drawing/2014/main" id="{B8496C87-D6BB-DB00-8478-03AE604B2D8B}"/>
+                </a:ext>
+              </a:extLst>
+            </p:cNvPr>
+            <p:cNvSpPr/>
+            <p:nvPr/>
+          </p:nvSpPr>
+          <p:spPr>
+            <a:xfrm>
+              <a:off x="6048021" y="2690901"/>
+              <a:ext cx="1656000" cy="1656000"/>
+            </a:xfrm>
+            <a:custGeom>
+              <a:avLst/>
+              <a:gdLst>
+                <a:gd name="connsiteX0" fmla="*/ 0 w 830516"/>
+                <a:gd name="connsiteY0" fmla="*/ 415258 h 830516"/>
+                <a:gd name="connsiteX1" fmla="*/ 415258 w 830516"/>
+                <a:gd name="connsiteY1" fmla="*/ 0 h 830516"/>
+                <a:gd name="connsiteX2" fmla="*/ 830516 w 830516"/>
+                <a:gd name="connsiteY2" fmla="*/ 415258 h 830516"/>
+                <a:gd name="connsiteX3" fmla="*/ 415258 w 830516"/>
+                <a:gd name="connsiteY3" fmla="*/ 830516 h 830516"/>
+                <a:gd name="connsiteX4" fmla="*/ 0 w 830516"/>
+                <a:gd name="connsiteY4" fmla="*/ 415258 h 830516"/>
+              </a:gdLst>
+              <a:ahLst/>
+              <a:cxnLst>
+                <a:cxn ang="0">
+                  <a:pos x="connsiteX0" y="connsiteY0"/>
+                </a:cxn>
+                <a:cxn ang="0">
+                  <a:pos x="connsiteX1" y="connsiteY1"/>
+                </a:cxn>
+                <a:cxn ang="0">
+                  <a:pos x="connsiteX2" y="connsiteY2"/>
+                </a:cxn>
+                <a:cxn ang="0">
+                  <a:pos x="connsiteX3" y="connsiteY3"/>
+                </a:cxn>
+                <a:cxn ang="0">
+                  <a:pos x="connsiteX4" y="connsiteY4"/>
+                </a:cxn>
+              </a:cxnLst>
+              <a:rect l="l" t="t" r="r" b="b"/>
+              <a:pathLst>
+                <a:path w="830516" h="830516">
+                  <a:moveTo>
+                    <a:pt x="0" y="415258"/>
+                  </a:moveTo>
+                  <a:cubicBezTo>
+                    <a:pt x="0" y="185917"/>
+                    <a:pt x="185917" y="0"/>
+                    <a:pt x="415258" y="0"/>
+                  </a:cubicBezTo>
+                  <a:cubicBezTo>
+                    <a:pt x="644599" y="0"/>
+                    <a:pt x="830516" y="185917"/>
+                    <a:pt x="830516" y="415258"/>
+                  </a:cubicBezTo>
+                  <a:cubicBezTo>
+                    <a:pt x="830516" y="644599"/>
+                    <a:pt x="644599" y="830516"/>
+                    <a:pt x="415258" y="830516"/>
+                  </a:cubicBezTo>
+                  <a:cubicBezTo>
+                    <a:pt x="185917" y="830516"/>
+                    <a:pt x="0" y="644599"/>
+                    <a:pt x="0" y="415258"/>
+                  </a:cubicBezTo>
+                  <a:close/>
+                </a:path>
+              </a:pathLst>
+            </a:custGeom>
+          </p:spPr>
+          <p:style>
+            <a:lnRef idx="2">
+              <a:schemeClr val="lt1">
+                <a:hueOff val="0"/>
+                <a:satOff val="0"/>
+                <a:lumOff val="0"/>
+                <a:alphaOff val="0"/>
+              </a:schemeClr>
+            </a:lnRef>
+            <a:fillRef idx="1">
+              <a:schemeClr val="accent1">
+                <a:hueOff val="0"/>
+                <a:satOff val="0"/>
+                <a:lumOff val="0"/>
+                <a:alphaOff val="0"/>
+              </a:schemeClr>
+            </a:fillRef>
+            <a:effectRef idx="0">
+              <a:schemeClr val="accent1">
+                <a:hueOff val="0"/>
+                <a:satOff val="0"/>
+                <a:lumOff val="0"/>
+                <a:alphaOff val="0"/>
+              </a:schemeClr>
+            </a:effectRef>
+            <a:fontRef idx="minor">
+              <a:schemeClr val="lt1"/>
+            </a:fontRef>
+          </p:style>
+          <p:txBody>
+            <a:bodyPr spcFirstLastPara="0" vert="horz" wrap="square" lIns="133056" tIns="133056" rIns="133056" bIns="133056" numCol="1" spcCol="1270" anchor="ctr" anchorCtr="0">
+              <a:noAutofit/>
+            </a:bodyPr>
+            <a:lstStyle/>
+            <a:p>
+              <a:pPr marL="0" lvl="0" indent="0" algn="ctr" defTabSz="400050">
+                <a:lnSpc>
+                  <a:spcPct val="90000"/>
+                </a:lnSpc>
+                <a:spcBef>
+                  <a:spcPct val="0"/>
+                </a:spcBef>
+                <a:spcAft>
+                  <a:spcPct val="35000"/>
+                </a:spcAft>
+                <a:buNone/>
+              </a:pPr>
+              <a:r>
+                <a:rPr lang="en-GB" sz="2500" kern="1200" dirty="0"/>
+                <a:t>PHSTML</a:t>
+              </a:r>
+            </a:p>
+          </p:txBody>
+        </p:sp>
+      </p:grpSp>
+      <p:grpSp>
+        <p:nvGrpSpPr>
+          <p:cNvPr id="19" name="Group 18">
+            <a:extLst>
+              <a:ext uri="{FF2B5EF4-FFF2-40B4-BE49-F238E27FC236}">
+                <a16:creationId xmlns:a16="http://schemas.microsoft.com/office/drawing/2014/main" id="{EA8FA2BA-FD89-F545-16C9-A280603498F6}"/>
+              </a:ext>
+            </a:extLst>
+          </p:cNvPr>
+          <p:cNvGrpSpPr/>
+          <p:nvPr/>
+        </p:nvGrpSpPr>
+        <p:grpSpPr>
+          <a:xfrm>
+            <a:off x="7868015" y="2601000"/>
+            <a:ext cx="2237904" cy="1656000"/>
+            <a:chOff x="7868015" y="2601000"/>
+            <a:chExt cx="2237904" cy="1656000"/>
+          </a:xfrm>
+        </p:grpSpPr>
+        <p:sp>
+          <p:nvSpPr>
+            <p:cNvPr id="13" name="Freeform: Shape 12">
+              <a:extLst>
+                <a:ext uri="{FF2B5EF4-FFF2-40B4-BE49-F238E27FC236}">
+                  <a16:creationId xmlns:a16="http://schemas.microsoft.com/office/drawing/2014/main" id="{77C2C2C7-BB96-2A32-D606-BE855A37DE8E}"/>
+                </a:ext>
+              </a:extLst>
+            </p:cNvPr>
+            <p:cNvSpPr/>
+            <p:nvPr/>
+          </p:nvSpPr>
+          <p:spPr>
+            <a:xfrm rot="21548260">
+              <a:off x="7868015" y="3346526"/>
+              <a:ext cx="441902" cy="308952"/>
+            </a:xfrm>
+            <a:custGeom>
+              <a:avLst/>
+              <a:gdLst>
+                <a:gd name="connsiteX0" fmla="*/ 0 w 441902"/>
+                <a:gd name="connsiteY0" fmla="*/ 61790 h 308952"/>
+                <a:gd name="connsiteX1" fmla="*/ 287426 w 441902"/>
+                <a:gd name="connsiteY1" fmla="*/ 61790 h 308952"/>
+                <a:gd name="connsiteX2" fmla="*/ 287426 w 441902"/>
+                <a:gd name="connsiteY2" fmla="*/ 0 h 308952"/>
+                <a:gd name="connsiteX3" fmla="*/ 441902 w 441902"/>
+                <a:gd name="connsiteY3" fmla="*/ 154476 h 308952"/>
+                <a:gd name="connsiteX4" fmla="*/ 287426 w 441902"/>
+                <a:gd name="connsiteY4" fmla="*/ 308952 h 308952"/>
+                <a:gd name="connsiteX5" fmla="*/ 287426 w 441902"/>
+                <a:gd name="connsiteY5" fmla="*/ 247162 h 308952"/>
+                <a:gd name="connsiteX6" fmla="*/ 0 w 441902"/>
+                <a:gd name="connsiteY6" fmla="*/ 247162 h 308952"/>
+                <a:gd name="connsiteX7" fmla="*/ 0 w 441902"/>
+                <a:gd name="connsiteY7" fmla="*/ 61790 h 308952"/>
+              </a:gdLst>
+              <a:ahLst/>
+              <a:cxnLst>
+                <a:cxn ang="0">
+                  <a:pos x="connsiteX0" y="connsiteY0"/>
+                </a:cxn>
+                <a:cxn ang="0">
+                  <a:pos x="connsiteX1" y="connsiteY1"/>
+                </a:cxn>
+                <a:cxn ang="0">
+                  <a:pos x="connsiteX2" y="connsiteY2"/>
+                </a:cxn>
+                <a:cxn ang="0">
+                  <a:pos x="connsiteX3" y="connsiteY3"/>
+                </a:cxn>
+                <a:cxn ang="0">
+                  <a:pos x="connsiteX4" y="connsiteY4"/>
+                </a:cxn>
+                <a:cxn ang="0">
+                  <a:pos x="connsiteX5" y="connsiteY5"/>
+                </a:cxn>
+                <a:cxn ang="0">
+                  <a:pos x="connsiteX6" y="connsiteY6"/>
+                </a:cxn>
+                <a:cxn ang="0">
+                  <a:pos x="connsiteX7" y="connsiteY7"/>
+                </a:cxn>
+              </a:cxnLst>
+              <a:rect l="l" t="t" r="r" b="b"/>
+              <a:pathLst>
+                <a:path w="441902" h="308952">
+                  <a:moveTo>
+                    <a:pt x="0" y="61790"/>
+                  </a:moveTo>
+                  <a:lnTo>
+                    <a:pt x="287426" y="61790"/>
+                  </a:lnTo>
+                  <a:lnTo>
+                    <a:pt x="287426" y="0"/>
+                  </a:lnTo>
+                  <a:lnTo>
+                    <a:pt x="441902" y="154476"/>
+                  </a:lnTo>
+                  <a:lnTo>
+                    <a:pt x="287426" y="308952"/>
+                  </a:lnTo>
+                  <a:lnTo>
+                    <a:pt x="287426" y="247162"/>
+                  </a:lnTo>
+                  <a:lnTo>
+                    <a:pt x="0" y="247162"/>
+                  </a:lnTo>
+                  <a:lnTo>
+                    <a:pt x="0" y="61790"/>
+                  </a:lnTo>
+                  <a:close/>
+                </a:path>
+              </a:pathLst>
+            </a:custGeom>
+          </p:spPr>
+          <p:style>
+            <a:lnRef idx="0">
+              <a:schemeClr val="accent1">
+                <a:tint val="60000"/>
+                <a:hueOff val="0"/>
+                <a:satOff val="0"/>
+                <a:lumOff val="0"/>
+                <a:alphaOff val="0"/>
+              </a:schemeClr>
+            </a:lnRef>
+            <a:fillRef idx="1">
+              <a:schemeClr val="accent1">
+                <a:tint val="60000"/>
+                <a:hueOff val="0"/>
+                <a:satOff val="0"/>
+                <a:lumOff val="0"/>
+                <a:alphaOff val="0"/>
+              </a:schemeClr>
+            </a:fillRef>
+            <a:effectRef idx="0">
+              <a:schemeClr val="accent1">
+                <a:tint val="60000"/>
+                <a:hueOff val="0"/>
+                <a:satOff val="0"/>
+                <a:lumOff val="0"/>
+                <a:alphaOff val="0"/>
+              </a:schemeClr>
+            </a:effectRef>
+            <a:fontRef idx="minor">
+              <a:schemeClr val="lt1"/>
+            </a:fontRef>
+          </p:style>
+          <p:txBody>
+            <a:bodyPr spcFirstLastPara="0" vert="horz" wrap="square" lIns="-1" tIns="61789" rIns="92686" bIns="61790" numCol="1" spcCol="1270" anchor="ctr" anchorCtr="0">
+              <a:noAutofit/>
+            </a:bodyPr>
+            <a:lstStyle/>
+            <a:p>
+              <a:pPr marL="0" lvl="0" indent="0" algn="ctr" defTabSz="355600">
+                <a:lnSpc>
+                  <a:spcPct val="90000"/>
+                </a:lnSpc>
+                <a:spcBef>
+                  <a:spcPct val="0"/>
+                </a:spcBef>
+                <a:spcAft>
+                  <a:spcPct val="35000"/>
+                </a:spcAft>
+                <a:buNone/>
+              </a:pPr>
+              <a:endParaRPr lang="en-GB" sz="800" kern="1200"/>
+            </a:p>
+          </p:txBody>
+        </p:sp>
+        <p:sp>
+          <p:nvSpPr>
+            <p:cNvPr id="14" name="Freeform: Shape 13">
+              <a:extLst>
+                <a:ext uri="{FF2B5EF4-FFF2-40B4-BE49-F238E27FC236}">
+                  <a16:creationId xmlns:a16="http://schemas.microsoft.com/office/drawing/2014/main" id="{4C2AB94D-914E-FBE4-B24D-0B3B7E85A16B}"/>
+                </a:ext>
+              </a:extLst>
+            </p:cNvPr>
+            <p:cNvSpPr/>
+            <p:nvPr/>
+          </p:nvSpPr>
+          <p:spPr>
+            <a:xfrm>
+              <a:off x="8449919" y="2601000"/>
+              <a:ext cx="1656000" cy="1656000"/>
+            </a:xfrm>
+            <a:custGeom>
+              <a:avLst/>
+              <a:gdLst>
+                <a:gd name="connsiteX0" fmla="*/ 0 w 1661033"/>
+                <a:gd name="connsiteY0" fmla="*/ 830517 h 1661033"/>
+                <a:gd name="connsiteX1" fmla="*/ 830517 w 1661033"/>
+                <a:gd name="connsiteY1" fmla="*/ 0 h 1661033"/>
+                <a:gd name="connsiteX2" fmla="*/ 1661034 w 1661033"/>
+                <a:gd name="connsiteY2" fmla="*/ 830517 h 1661033"/>
+                <a:gd name="connsiteX3" fmla="*/ 830517 w 1661033"/>
+                <a:gd name="connsiteY3" fmla="*/ 1661034 h 1661033"/>
+                <a:gd name="connsiteX4" fmla="*/ 0 w 1661033"/>
+                <a:gd name="connsiteY4" fmla="*/ 830517 h 1661033"/>
+              </a:gdLst>
+              <a:ahLst/>
+              <a:cxnLst>
+                <a:cxn ang="0">
+                  <a:pos x="connsiteX0" y="connsiteY0"/>
+                </a:cxn>
+                <a:cxn ang="0">
+                  <a:pos x="connsiteX1" y="connsiteY1"/>
+                </a:cxn>
+                <a:cxn ang="0">
+                  <a:pos x="connsiteX2" y="connsiteY2"/>
+                </a:cxn>
+                <a:cxn ang="0">
+                  <a:pos x="connsiteX3" y="connsiteY3"/>
+                </a:cxn>
+                <a:cxn ang="0">
+                  <a:pos x="connsiteX4" y="connsiteY4"/>
+                </a:cxn>
+              </a:cxnLst>
+              <a:rect l="l" t="t" r="r" b="b"/>
+              <a:pathLst>
+                <a:path w="1661033" h="1661033">
+                  <a:moveTo>
+                    <a:pt x="0" y="830517"/>
+                  </a:moveTo>
+                  <a:cubicBezTo>
+                    <a:pt x="0" y="371835"/>
+                    <a:pt x="371835" y="0"/>
+                    <a:pt x="830517" y="0"/>
+                  </a:cubicBezTo>
+                  <a:cubicBezTo>
+                    <a:pt x="1289199" y="0"/>
+                    <a:pt x="1661034" y="371835"/>
+                    <a:pt x="1661034" y="830517"/>
+                  </a:cubicBezTo>
+                  <a:cubicBezTo>
+                    <a:pt x="1661034" y="1289199"/>
+                    <a:pt x="1289199" y="1661034"/>
+                    <a:pt x="830517" y="1661034"/>
+                  </a:cubicBezTo>
+                  <a:cubicBezTo>
+                    <a:pt x="371835" y="1661034"/>
+                    <a:pt x="0" y="1289199"/>
+                    <a:pt x="0" y="830517"/>
+                  </a:cubicBezTo>
+                  <a:close/>
+                </a:path>
+              </a:pathLst>
+            </a:custGeom>
+          </p:spPr>
+          <p:style>
+            <a:lnRef idx="2">
+              <a:schemeClr val="lt1">
+                <a:hueOff val="0"/>
+                <a:satOff val="0"/>
+                <a:lumOff val="0"/>
+                <a:alphaOff val="0"/>
+              </a:schemeClr>
+            </a:lnRef>
+            <a:fillRef idx="1">
+              <a:schemeClr val="accent1">
+                <a:hueOff val="0"/>
+                <a:satOff val="0"/>
+                <a:lumOff val="0"/>
+                <a:alphaOff val="0"/>
+              </a:schemeClr>
+            </a:fillRef>
+            <a:effectRef idx="0">
+              <a:schemeClr val="accent1">
+                <a:hueOff val="0"/>
+                <a:satOff val="0"/>
+                <a:lumOff val="0"/>
+                <a:alphaOff val="0"/>
+              </a:schemeClr>
+            </a:effectRef>
+            <a:fontRef idx="minor">
+              <a:schemeClr val="lt1"/>
+            </a:fontRef>
+          </p:style>
+          <p:txBody>
+            <a:bodyPr spcFirstLastPara="0" vert="horz" wrap="square" lIns="275003" tIns="275003" rIns="275003" bIns="275003" numCol="1" spcCol="1270" anchor="ctr" anchorCtr="0">
+              <a:noAutofit/>
+            </a:bodyPr>
+            <a:lstStyle/>
+            <a:p>
+              <a:pPr marL="0" lvl="0" indent="0" algn="ctr" defTabSz="1111250">
+                <a:lnSpc>
+                  <a:spcPct val="90000"/>
+                </a:lnSpc>
+                <a:spcBef>
+                  <a:spcPct val="0"/>
+                </a:spcBef>
+                <a:spcAft>
+                  <a:spcPct val="35000"/>
+                </a:spcAft>
+                <a:buNone/>
+              </a:pPr>
+              <a:r>
+                <a:rPr lang="en-GB" sz="2500" kern="1200" dirty="0"/>
+                <a:t>Morning Checks</a:t>
+              </a:r>
+            </a:p>
+          </p:txBody>
+        </p:sp>
+      </p:grpSp>
       <p:pic>
         <p:nvPicPr>
-          <p:cNvPr id="5" name="Picture 4" descr="dbatools">
+          <p:cNvPr id="4" name="Picture 3" descr="A cartoon of a person in a garment&#10;&#10;AI-generated content may be incorrect.">
             <a:extLst>
               <a:ext uri="{FF2B5EF4-FFF2-40B4-BE49-F238E27FC236}">
-                <a16:creationId xmlns:a16="http://schemas.microsoft.com/office/drawing/2014/main" id="{883620BE-A5F5-49F1-8D15-5CA6EAEC47D9}"/>
+                <a16:creationId xmlns:a16="http://schemas.microsoft.com/office/drawing/2014/main" id="{9D8DEDD6-5EED-31EF-E51A-2524B3F795E5}"/>
               </a:ext>
             </a:extLst>
           </p:cNvPr>
@@ -7000,8 +12237,8 @@
         </p:blipFill>
         <p:spPr>
           <a:xfrm>
-            <a:off x="8977755" y="1003852"/>
-            <a:ext cx="2376045" cy="2376045"/>
+            <a:off x="2135921" y="1276350"/>
+            <a:ext cx="2787650" cy="4305300"/>
           </a:xfrm>
           <a:prstGeom prst="rect">
             <a:avLst/>
@@ -7011,7 +12248,286 @@
     </p:spTree>
     <p:extLst>
       <p:ext uri="{BB962C8B-B14F-4D97-AF65-F5344CB8AC3E}">
-        <p14:creationId xmlns:p14="http://schemas.microsoft.com/office/powerpoint/2010/main" val="1877511129"/>
+        <p14:creationId xmlns:p14="http://schemas.microsoft.com/office/powerpoint/2010/main" val="1177201619"/>
+      </p:ext>
+    </p:extLst>
+  </p:cSld>
+  <p:clrMapOvr>
+    <a:masterClrMapping/>
+  </p:clrMapOvr>
+  <p:timing>
+    <p:tnLst>
+      <p:par>
+        <p:cTn id="1" dur="indefinite" restart="never" nodeType="tmRoot">
+          <p:childTnLst>
+            <p:seq concurrent="1" nextAc="seek">
+              <p:cTn id="2" dur="indefinite" nodeType="mainSeq">
+                <p:childTnLst>
+                  <p:par>
+                    <p:cTn id="3" fill="hold">
+                      <p:stCondLst>
+                        <p:cond delay="indefinite"/>
+                      </p:stCondLst>
+                      <p:childTnLst>
+                        <p:par>
+                          <p:cTn id="4" fill="hold">
+                            <p:stCondLst>
+                              <p:cond delay="0"/>
+                            </p:stCondLst>
+                            <p:childTnLst>
+                              <p:par>
+                                <p:cTn id="5" presetID="1" presetClass="entr" presetSubtype="0" fill="hold" nodeType="clickEffect">
+                                  <p:stCondLst>
+                                    <p:cond delay="0"/>
+                                  </p:stCondLst>
+                                  <p:childTnLst>
+                                    <p:set>
+                                      <p:cBhvr>
+                                        <p:cTn id="6" dur="1" fill="hold">
+                                          <p:stCondLst>
+                                            <p:cond delay="0"/>
+                                          </p:stCondLst>
+                                        </p:cTn>
+                                        <p:tgtEl>
+                                          <p:spTgt spid="18"/>
+                                        </p:tgtEl>
+                                        <p:attrNameLst>
+                                          <p:attrName>style.visibility</p:attrName>
+                                        </p:attrNameLst>
+                                      </p:cBhvr>
+                                      <p:to>
+                                        <p:strVal val="visible"/>
+                                      </p:to>
+                                    </p:set>
+                                  </p:childTnLst>
+                                </p:cTn>
+                              </p:par>
+                            </p:childTnLst>
+                          </p:cTn>
+                        </p:par>
+                      </p:childTnLst>
+                    </p:cTn>
+                  </p:par>
+                  <p:par>
+                    <p:cTn id="7" fill="hold">
+                      <p:stCondLst>
+                        <p:cond delay="indefinite"/>
+                      </p:stCondLst>
+                      <p:childTnLst>
+                        <p:par>
+                          <p:cTn id="8" fill="hold">
+                            <p:stCondLst>
+                              <p:cond delay="0"/>
+                            </p:stCondLst>
+                            <p:childTnLst>
+                              <p:par>
+                                <p:cTn id="9" presetID="2" presetClass="entr" presetSubtype="8" fill="hold" nodeType="clickEffect">
+                                  <p:stCondLst>
+                                    <p:cond delay="0"/>
+                                  </p:stCondLst>
+                                  <p:childTnLst>
+                                    <p:set>
+                                      <p:cBhvr>
+                                        <p:cTn id="10" dur="1" fill="hold">
+                                          <p:stCondLst>
+                                            <p:cond delay="0"/>
+                                          </p:stCondLst>
+                                        </p:cTn>
+                                        <p:tgtEl>
+                                          <p:spTgt spid="4"/>
+                                        </p:tgtEl>
+                                        <p:attrNameLst>
+                                          <p:attrName>style.visibility</p:attrName>
+                                        </p:attrNameLst>
+                                      </p:cBhvr>
+                                      <p:to>
+                                        <p:strVal val="visible"/>
+                                      </p:to>
+                                    </p:set>
+                                    <p:anim calcmode="lin" valueType="num">
+                                      <p:cBhvr additive="base">
+                                        <p:cTn id="11" dur="500" fill="hold"/>
+                                        <p:tgtEl>
+                                          <p:spTgt spid="4"/>
+                                        </p:tgtEl>
+                                        <p:attrNameLst>
+                                          <p:attrName>ppt_x</p:attrName>
+                                        </p:attrNameLst>
+                                      </p:cBhvr>
+                                      <p:tavLst>
+                                        <p:tav tm="0">
+                                          <p:val>
+                                            <p:strVal val="0-#ppt_w/2"/>
+                                          </p:val>
+                                        </p:tav>
+                                        <p:tav tm="100000">
+                                          <p:val>
+                                            <p:strVal val="#ppt_x"/>
+                                          </p:val>
+                                        </p:tav>
+                                      </p:tavLst>
+                                    </p:anim>
+                                    <p:anim calcmode="lin" valueType="num">
+                                      <p:cBhvr additive="base">
+                                        <p:cTn id="12" dur="500" fill="hold"/>
+                                        <p:tgtEl>
+                                          <p:spTgt spid="4"/>
+                                        </p:tgtEl>
+                                        <p:attrNameLst>
+                                          <p:attrName>ppt_y</p:attrName>
+                                        </p:attrNameLst>
+                                      </p:cBhvr>
+                                      <p:tavLst>
+                                        <p:tav tm="0">
+                                          <p:val>
+                                            <p:strVal val="#ppt_y"/>
+                                          </p:val>
+                                        </p:tav>
+                                        <p:tav tm="100000">
+                                          <p:val>
+                                            <p:strVal val="#ppt_y"/>
+                                          </p:val>
+                                        </p:tav>
+                                      </p:tavLst>
+                                    </p:anim>
+                                  </p:childTnLst>
+                                </p:cTn>
+                              </p:par>
+                            </p:childTnLst>
+                          </p:cTn>
+                        </p:par>
+                      </p:childTnLst>
+                    </p:cTn>
+                  </p:par>
+                </p:childTnLst>
+              </p:cTn>
+              <p:prevCondLst>
+                <p:cond evt="onPrev" delay="0">
+                  <p:tgtEl>
+                    <p:sldTgt/>
+                  </p:tgtEl>
+                </p:cond>
+              </p:prevCondLst>
+              <p:nextCondLst>
+                <p:cond evt="onNext" delay="0">
+                  <p:tgtEl>
+                    <p:sldTgt/>
+                  </p:tgtEl>
+                </p:cond>
+              </p:nextCondLst>
+            </p:seq>
+          </p:childTnLst>
+        </p:cTn>
+      </p:par>
+    </p:tnLst>
+  </p:timing>
+</p:sld>
+</file>
+
+<file path=ppt/slides/slide6.xml><?xml version="1.0" encoding="utf-8"?>
+<p:sld xmlns:a="http://schemas.openxmlformats.org/drawingml/2006/main" xmlns:r="http://schemas.openxmlformats.org/officeDocument/2006/relationships" xmlns:p="http://schemas.openxmlformats.org/presentationml/2006/main">
+  <p:cSld>
+    <p:spTree>
+      <p:nvGrpSpPr>
+        <p:cNvPr id="1" name=""/>
+        <p:cNvGrpSpPr/>
+        <p:nvPr/>
+      </p:nvGrpSpPr>
+      <p:grpSpPr>
+        <a:xfrm>
+          <a:off x="0" y="0"/>
+          <a:ext cx="0" cy="0"/>
+          <a:chOff x="0" y="0"/>
+          <a:chExt cx="0" cy="0"/>
+        </a:xfrm>
+      </p:grpSpPr>
+      <p:sp>
+        <p:nvSpPr>
+          <p:cNvPr id="2" name="Title 1">
+            <a:extLst>
+              <a:ext uri="{FF2B5EF4-FFF2-40B4-BE49-F238E27FC236}">
+                <a16:creationId xmlns:a16="http://schemas.microsoft.com/office/drawing/2014/main" id="{8D422263-0412-436C-BE7A-EF75789E4BDD}"/>
+              </a:ext>
+            </a:extLst>
+          </p:cNvPr>
+          <p:cNvSpPr>
+            <a:spLocks noGrp="1"/>
+          </p:cNvSpPr>
+          <p:nvPr>
+            <p:ph type="title"/>
+          </p:nvPr>
+        </p:nvSpPr>
+        <p:spPr/>
+        <p:txBody>
+          <a:bodyPr/>
+          <a:lstStyle/>
+          <a:p>
+            <a:r>
+              <a:rPr lang="en-US"/>
+              <a:t>Demo Time</a:t>
+            </a:r>
+          </a:p>
+        </p:txBody>
+      </p:sp>
+      <p:sp>
+        <p:nvSpPr>
+          <p:cNvPr id="3" name="Content Placeholder 2">
+            <a:extLst>
+              <a:ext uri="{FF2B5EF4-FFF2-40B4-BE49-F238E27FC236}">
+                <a16:creationId xmlns:a16="http://schemas.microsoft.com/office/drawing/2014/main" id="{373F1335-4328-4E58-94A0-BDBC5F307700}"/>
+              </a:ext>
+            </a:extLst>
+          </p:cNvPr>
+          <p:cNvSpPr>
+            <a:spLocks noGrp="1"/>
+          </p:cNvSpPr>
+          <p:nvPr>
+            <p:ph idx="1"/>
+          </p:nvPr>
+        </p:nvSpPr>
+        <p:spPr/>
+        <p:txBody>
+          <a:bodyPr/>
+          <a:lstStyle/>
+          <a:p>
+            <a:pPr marL="0" indent="0">
+              <a:buNone/>
+            </a:pPr>
+            <a:r>
+              <a:rPr lang="en-US" dirty="0"/>
+              <a:t>Demo Files available here:</a:t>
+            </a:r>
+          </a:p>
+          <a:p>
+            <a:pPr marL="0" indent="0">
+              <a:buNone/>
+            </a:pPr>
+            <a:r>
+              <a:rPr lang="en-US" dirty="0">
+                <a:hlinkClick r:id="rId3"/>
+              </a:rPr>
+              <a:t>https://github.com/jpomfret/dbatools-MorningChecks</a:t>
+            </a:r>
+            <a:endParaRPr lang="en-US" dirty="0"/>
+          </a:p>
+          <a:p>
+            <a:pPr marL="0" indent="0">
+              <a:buNone/>
+            </a:pPr>
+            <a:endParaRPr lang="en-US" dirty="0"/>
+          </a:p>
+          <a:p>
+            <a:pPr marL="0" indent="0">
+              <a:buNone/>
+            </a:pPr>
+            <a:endParaRPr lang="en-US" dirty="0"/>
+          </a:p>
+        </p:txBody>
+      </p:sp>
+    </p:spTree>
+    <p:extLst>
+      <p:ext uri="{BB962C8B-B14F-4D97-AF65-F5344CB8AC3E}">
+        <p14:creationId xmlns:p14="http://schemas.microsoft.com/office/powerpoint/2010/main" val="1710610017"/>
       </p:ext>
     </p:extLst>
   </p:cSld>
@@ -7021,8 +12537,371 @@
 </p:sld>
 </file>
 
-<file path=ppt/slides/slide4.xml><?xml version="1.0" encoding="utf-8"?>
+<file path=ppt/slides/slide7.xml><?xml version="1.0" encoding="utf-8"?>
 <p:sld xmlns:a="http://schemas.openxmlformats.org/drawingml/2006/main" xmlns:r="http://schemas.openxmlformats.org/officeDocument/2006/relationships" xmlns:p="http://schemas.openxmlformats.org/presentationml/2006/main">
+  <p:cSld>
+    <p:spTree>
+      <p:nvGrpSpPr>
+        <p:cNvPr id="1" name="">
+          <a:extLst>
+            <a:ext uri="{FF2B5EF4-FFF2-40B4-BE49-F238E27FC236}">
+              <a16:creationId xmlns:a16="http://schemas.microsoft.com/office/drawing/2014/main" id="{4CC9ACEE-D10C-0952-C392-3DA5431A0773}"/>
+            </a:ext>
+          </a:extLst>
+        </p:cNvPr>
+        <p:cNvGrpSpPr/>
+        <p:nvPr/>
+      </p:nvGrpSpPr>
+      <p:grpSpPr>
+        <a:xfrm>
+          <a:off x="0" y="0"/>
+          <a:ext cx="0" cy="0"/>
+          <a:chOff x="0" y="0"/>
+          <a:chExt cx="0" cy="0"/>
+        </a:xfrm>
+      </p:grpSpPr>
+      <p:sp>
+        <p:nvSpPr>
+          <p:cNvPr id="2" name="Title 1">
+            <a:extLst>
+              <a:ext uri="{FF2B5EF4-FFF2-40B4-BE49-F238E27FC236}">
+                <a16:creationId xmlns:a16="http://schemas.microsoft.com/office/drawing/2014/main" id="{E37BF666-52C5-CAEB-9B08-C918B761295C}"/>
+              </a:ext>
+            </a:extLst>
+          </p:cNvPr>
+          <p:cNvSpPr>
+            <a:spLocks noGrp="1"/>
+          </p:cNvSpPr>
+          <p:nvPr>
+            <p:ph type="title"/>
+          </p:nvPr>
+        </p:nvSpPr>
+        <p:spPr/>
+        <p:txBody>
+          <a:bodyPr/>
+          <a:lstStyle/>
+          <a:p>
+            <a:r>
+              <a:rPr lang="en-US" dirty="0"/>
+              <a:t>Questions?	</a:t>
+            </a:r>
+          </a:p>
+        </p:txBody>
+      </p:sp>
+      <p:sp>
+        <p:nvSpPr>
+          <p:cNvPr id="3" name="Content Placeholder 2">
+            <a:extLst>
+              <a:ext uri="{FF2B5EF4-FFF2-40B4-BE49-F238E27FC236}">
+                <a16:creationId xmlns:a16="http://schemas.microsoft.com/office/drawing/2014/main" id="{45FB06DA-B970-8F56-40E3-EAB14B75A3B3}"/>
+              </a:ext>
+            </a:extLst>
+          </p:cNvPr>
+          <p:cNvSpPr>
+            <a:spLocks noGrp="1"/>
+          </p:cNvSpPr>
+          <p:nvPr>
+            <p:ph idx="1"/>
+          </p:nvPr>
+        </p:nvSpPr>
+        <p:spPr/>
+        <p:txBody>
+          <a:bodyPr>
+            <a:normAutofit/>
+          </a:bodyPr>
+          <a:lstStyle/>
+          <a:p>
+            <a:r>
+              <a:rPr lang="en-US" dirty="0"/>
+              <a:t>Jess Pomfret</a:t>
+            </a:r>
+          </a:p>
+          <a:p>
+            <a:endParaRPr lang="en-US" b="1" dirty="0"/>
+          </a:p>
+          <a:p>
+            <a:r>
+              <a:rPr lang="en-US" dirty="0">
+                <a:hlinkClick r:id="rId2"/>
+              </a:rPr>
+              <a:t>jpomfret7@gmail.com</a:t>
+            </a:r>
+            <a:endParaRPr lang="en-US" dirty="0"/>
+          </a:p>
+          <a:p>
+            <a:r>
+              <a:rPr lang="en-US" dirty="0"/>
+              <a:t>jesspomfret.com</a:t>
+            </a:r>
+          </a:p>
+          <a:p>
+            <a:r>
+              <a:rPr lang="en-US" dirty="0"/>
+              <a:t>jpomfret.co.uk</a:t>
+            </a:r>
+          </a:p>
+          <a:p>
+            <a:r>
+              <a:rPr lang="en-US" dirty="0"/>
+              <a:t>linkedin.com/in/</a:t>
+            </a:r>
+            <a:r>
+              <a:rPr lang="en-US" dirty="0" err="1"/>
+              <a:t>jpomfret</a:t>
+            </a:r>
+            <a:r>
+              <a:rPr lang="en-US" dirty="0"/>
+              <a:t>/</a:t>
+            </a:r>
+          </a:p>
+          <a:p>
+            <a:r>
+              <a:rPr lang="en-US" dirty="0"/>
+              <a:t>github.com\</a:t>
+            </a:r>
+            <a:r>
+              <a:rPr lang="en-US" dirty="0" err="1"/>
+              <a:t>jpomfret</a:t>
+            </a:r>
+            <a:endParaRPr lang="en-US" dirty="0"/>
+          </a:p>
+          <a:p>
+            <a:endParaRPr lang="en-US" dirty="0"/>
+          </a:p>
+          <a:p>
+            <a:endParaRPr lang="en-US" b="1" dirty="0"/>
+          </a:p>
+          <a:p>
+            <a:pPr marL="0" indent="0">
+              <a:buNone/>
+            </a:pPr>
+            <a:endParaRPr lang="en-US" b="1" dirty="0"/>
+          </a:p>
+          <a:p>
+            <a:endParaRPr lang="en-US" dirty="0"/>
+          </a:p>
+        </p:txBody>
+      </p:sp>
+    </p:spTree>
+    <p:extLst>
+      <p:ext uri="{BB962C8B-B14F-4D97-AF65-F5344CB8AC3E}">
+        <p14:creationId xmlns:p14="http://schemas.microsoft.com/office/powerpoint/2010/main" val="3832485656"/>
+      </p:ext>
+    </p:extLst>
+  </p:cSld>
+  <p:clrMapOvr>
+    <a:masterClrMapping/>
+  </p:clrMapOvr>
+</p:sld>
+</file>
+
+<file path=ppt/slides/slide8.xml><?xml version="1.0" encoding="utf-8"?>
+<p:sld xmlns:a="http://schemas.openxmlformats.org/drawingml/2006/main" xmlns:r="http://schemas.openxmlformats.org/officeDocument/2006/relationships" xmlns:p="http://schemas.openxmlformats.org/presentationml/2006/main" show="0">
+  <p:cSld>
+    <p:spTree>
+      <p:nvGrpSpPr>
+        <p:cNvPr id="1" name=""/>
+        <p:cNvGrpSpPr/>
+        <p:nvPr/>
+      </p:nvGrpSpPr>
+      <p:grpSpPr>
+        <a:xfrm>
+          <a:off x="0" y="0"/>
+          <a:ext cx="0" cy="0"/>
+          <a:chOff x="0" y="0"/>
+          <a:chExt cx="0" cy="0"/>
+        </a:xfrm>
+      </p:grpSpPr>
+      <p:sp>
+        <p:nvSpPr>
+          <p:cNvPr id="2" name="Title 1">
+            <a:extLst>
+              <a:ext uri="{FF2B5EF4-FFF2-40B4-BE49-F238E27FC236}">
+                <a16:creationId xmlns:a16="http://schemas.microsoft.com/office/drawing/2014/main" id="{4867FBAA-F213-4F01-B509-33CC7B3B7F47}"/>
+              </a:ext>
+            </a:extLst>
+          </p:cNvPr>
+          <p:cNvSpPr>
+            <a:spLocks noGrp="1"/>
+          </p:cNvSpPr>
+          <p:nvPr>
+            <p:ph type="title"/>
+          </p:nvPr>
+        </p:nvSpPr>
+        <p:spPr/>
+        <p:txBody>
+          <a:bodyPr/>
+          <a:lstStyle/>
+          <a:p>
+            <a:r>
+              <a:rPr lang="en-US"/>
+              <a:t>Resources	</a:t>
+            </a:r>
+          </a:p>
+        </p:txBody>
+      </p:sp>
+      <p:sp>
+        <p:nvSpPr>
+          <p:cNvPr id="3" name="Content Placeholder 2">
+            <a:extLst>
+              <a:ext uri="{FF2B5EF4-FFF2-40B4-BE49-F238E27FC236}">
+                <a16:creationId xmlns:a16="http://schemas.microsoft.com/office/drawing/2014/main" id="{0C9CA7B6-1C31-40D6-8E2D-0F9CB3BD43E4}"/>
+              </a:ext>
+            </a:extLst>
+          </p:cNvPr>
+          <p:cNvSpPr>
+            <a:spLocks noGrp="1"/>
+          </p:cNvSpPr>
+          <p:nvPr>
+            <p:ph idx="1"/>
+          </p:nvPr>
+        </p:nvSpPr>
+        <p:spPr/>
+        <p:txBody>
+          <a:bodyPr>
+            <a:normAutofit fontScale="92500" lnSpcReduction="20000"/>
+          </a:bodyPr>
+          <a:lstStyle/>
+          <a:p>
+            <a:r>
+              <a:rPr lang="en-US" err="1"/>
+              <a:t>dbatools</a:t>
+            </a:r>
+            <a:r>
+              <a:rPr lang="en-US"/>
+              <a:t> Blog</a:t>
+            </a:r>
+          </a:p>
+          <a:p>
+            <a:pPr marL="457200" lvl="1" indent="0">
+              <a:buNone/>
+            </a:pPr>
+            <a:r>
+              <a:rPr lang="en-US">
+                <a:hlinkClick r:id="rId2"/>
+              </a:rPr>
+              <a:t>https://dbatools.io/meap/</a:t>
+            </a:r>
+            <a:endParaRPr lang="en-US"/>
+          </a:p>
+          <a:p>
+            <a:pPr marL="457200" lvl="1" indent="0">
+              <a:buNone/>
+            </a:pPr>
+            <a:r>
+              <a:rPr lang="en-US">
+                <a:hlinkClick r:id="rId3"/>
+              </a:rPr>
+              <a:t>https://dbatools.io/secure/</a:t>
+            </a:r>
+            <a:endParaRPr lang="en-US"/>
+          </a:p>
+          <a:p>
+            <a:endParaRPr lang="en-US"/>
+          </a:p>
+          <a:p>
+            <a:r>
+              <a:rPr lang="en-US"/>
+              <a:t>Docs</a:t>
+            </a:r>
+          </a:p>
+          <a:p>
+            <a:pPr marL="457200" lvl="1" indent="0">
+              <a:buNone/>
+            </a:pPr>
+            <a:r>
+              <a:rPr lang="en-US">
+                <a:hlinkClick r:id="rId4"/>
+              </a:rPr>
+              <a:t>https://docs.dbatools.io/</a:t>
+            </a:r>
+            <a:endParaRPr lang="en-US"/>
+          </a:p>
+          <a:p>
+            <a:pPr marL="457200" lvl="1" indent="0">
+              <a:buNone/>
+            </a:pPr>
+            <a:r>
+              <a:rPr lang="en-US">
+                <a:hlinkClick r:id="rId5"/>
+              </a:rPr>
+              <a:t>https://dbatools.io/build</a:t>
+            </a:r>
+            <a:endParaRPr lang="en-US"/>
+          </a:p>
+          <a:p>
+            <a:pPr marL="457200" lvl="1" indent="0">
+              <a:buNone/>
+            </a:pPr>
+            <a:endParaRPr lang="en-US"/>
+          </a:p>
+          <a:p>
+            <a:r>
+              <a:rPr lang="en-US"/>
+              <a:t>Other</a:t>
+            </a:r>
+          </a:p>
+          <a:p>
+            <a:pPr marL="457200" lvl="1" indent="0">
+              <a:buNone/>
+            </a:pPr>
+            <a:r>
+              <a:rPr lang="en-US">
+                <a:hlinkClick r:id="rId6"/>
+              </a:rPr>
+              <a:t>https://dbatools.io/github</a:t>
+            </a:r>
+            <a:endParaRPr lang="en-US"/>
+          </a:p>
+          <a:p>
+            <a:pPr marL="457200" lvl="1" indent="0">
+              <a:buNone/>
+            </a:pPr>
+            <a:r>
+              <a:rPr lang="en-US">
+                <a:hlinkClick r:id="rId7"/>
+              </a:rPr>
+              <a:t>https://dbatools.io/slack/</a:t>
+            </a:r>
+            <a:endParaRPr lang="en-US"/>
+          </a:p>
+          <a:p>
+            <a:pPr marL="457200" lvl="1" indent="0">
+              <a:buNone/>
+            </a:pPr>
+            <a:r>
+              <a:rPr lang="en-US">
+                <a:hlinkClick r:id="rId8"/>
+              </a:rPr>
+              <a:t>http://dbatools.io/twitter</a:t>
+            </a:r>
+            <a:r>
+              <a:rPr lang="en-US"/>
+              <a:t> - @</a:t>
+            </a:r>
+            <a:r>
+              <a:rPr lang="en-US" err="1"/>
+              <a:t>psdbatools</a:t>
+            </a:r>
+            <a:endParaRPr lang="en-US"/>
+          </a:p>
+        </p:txBody>
+      </p:sp>
+    </p:spTree>
+    <p:extLst>
+      <p:ext uri="{BB962C8B-B14F-4D97-AF65-F5344CB8AC3E}">
+        <p14:creationId xmlns:p14="http://schemas.microsoft.com/office/powerpoint/2010/main" val="2378380410"/>
+      </p:ext>
+    </p:extLst>
+  </p:cSld>
+  <p:clrMapOvr>
+    <a:masterClrMapping/>
+  </p:clrMapOvr>
+</p:sld>
+</file>
+
+<file path=ppt/slides/slide9.xml><?xml version="1.0" encoding="utf-8"?>
+<p:sld xmlns:a="http://schemas.openxmlformats.org/drawingml/2006/main" xmlns:r="http://schemas.openxmlformats.org/officeDocument/2006/relationships" xmlns:p="http://schemas.openxmlformats.org/presentationml/2006/main" show="0">
   <p:cSld>
     <p:spTree>
       <p:nvGrpSpPr>
@@ -7235,665 +13114,7 @@
     </p:spTree>
     <p:extLst>
       <p:ext uri="{BB962C8B-B14F-4D97-AF65-F5344CB8AC3E}">
-        <p14:creationId xmlns:p14="http://schemas.microsoft.com/office/powerpoint/2010/main" val="2099019490"/>
-      </p:ext>
-    </p:extLst>
-  </p:cSld>
-  <p:clrMapOvr>
-    <a:masterClrMapping/>
-  </p:clrMapOvr>
-</p:sld>
-</file>
-
-<file path=ppt/slides/slide5.xml><?xml version="1.0" encoding="utf-8"?>
-<p:sld xmlns:a="http://schemas.openxmlformats.org/drawingml/2006/main" xmlns:r="http://schemas.openxmlformats.org/officeDocument/2006/relationships" xmlns:p="http://schemas.openxmlformats.org/presentationml/2006/main">
-  <p:cSld>
-    <p:spTree>
-      <p:nvGrpSpPr>
-        <p:cNvPr id="1" name=""/>
-        <p:cNvGrpSpPr/>
-        <p:nvPr/>
-      </p:nvGrpSpPr>
-      <p:grpSpPr>
-        <a:xfrm>
-          <a:off x="0" y="0"/>
-          <a:ext cx="0" cy="0"/>
-          <a:chOff x="0" y="0"/>
-          <a:chExt cx="0" cy="0"/>
-        </a:xfrm>
-      </p:grpSpPr>
-      <p:sp>
-        <p:nvSpPr>
-          <p:cNvPr id="2" name="Title 1">
-            <a:extLst>
-              <a:ext uri="{FF2B5EF4-FFF2-40B4-BE49-F238E27FC236}">
-                <a16:creationId xmlns:a16="http://schemas.microsoft.com/office/drawing/2014/main" id="{F9DDD8BB-C850-4B3C-BF45-E76343CF57D0}"/>
-              </a:ext>
-            </a:extLst>
-          </p:cNvPr>
-          <p:cNvSpPr>
-            <a:spLocks noGrp="1"/>
-          </p:cNvSpPr>
-          <p:nvPr>
-            <p:ph type="title"/>
-          </p:nvPr>
-        </p:nvSpPr>
-        <p:spPr/>
-        <p:txBody>
-          <a:bodyPr/>
-          <a:lstStyle/>
-          <a:p>
-            <a:r>
-              <a:rPr lang="en-US" err="1"/>
-              <a:t>dbatools</a:t>
-            </a:r>
-            <a:r>
-              <a:rPr lang="en-US"/>
-              <a:t>: a short history</a:t>
-            </a:r>
-          </a:p>
-        </p:txBody>
-      </p:sp>
-      <p:sp>
-        <p:nvSpPr>
-          <p:cNvPr id="3" name="Content Placeholder 2">
-            <a:extLst>
-              <a:ext uri="{FF2B5EF4-FFF2-40B4-BE49-F238E27FC236}">
-                <a16:creationId xmlns:a16="http://schemas.microsoft.com/office/drawing/2014/main" id="{A34FD3AF-15D0-40AA-BA8F-B446D85C939E}"/>
-              </a:ext>
-            </a:extLst>
-          </p:cNvPr>
-          <p:cNvSpPr>
-            <a:spLocks noGrp="1"/>
-          </p:cNvSpPr>
-          <p:nvPr>
-            <p:ph idx="1"/>
-          </p:nvPr>
-        </p:nvSpPr>
-        <p:spPr/>
-        <p:txBody>
-          <a:bodyPr>
-            <a:normAutofit/>
-          </a:bodyPr>
-          <a:lstStyle/>
-          <a:p>
-            <a:r>
-              <a:rPr lang="en-US" sz="3200" dirty="0"/>
-              <a:t>Created by Chrissy </a:t>
-            </a:r>
-            <a:r>
-              <a:rPr lang="en-US" sz="3200" dirty="0" err="1"/>
-              <a:t>LeMaire</a:t>
-            </a:r>
-            <a:r>
-              <a:rPr lang="en-US" sz="3200" dirty="0"/>
-              <a:t> to migrate SharePoint instances</a:t>
-            </a:r>
-          </a:p>
-          <a:p>
-            <a:r>
-              <a:rPr lang="en-US" sz="3200" dirty="0"/>
-              <a:t>September 2015 – First commit to GitHub</a:t>
-            </a:r>
-          </a:p>
-          <a:p>
-            <a:r>
-              <a:rPr lang="en-US" sz="3200" dirty="0"/>
-              <a:t>June 2019 – 1.0 launch at </a:t>
-            </a:r>
-            <a:r>
-              <a:rPr lang="en-US" sz="3200" dirty="0" err="1"/>
-              <a:t>DataGrillen</a:t>
-            </a:r>
-            <a:endParaRPr lang="en-US" sz="3200" dirty="0"/>
-          </a:p>
-          <a:p>
-            <a:r>
-              <a:rPr lang="en-US" sz="3200" dirty="0"/>
-              <a:t>Dec 2022 – 2.0 launch – split into two modules</a:t>
-            </a:r>
-          </a:p>
-          <a:p>
-            <a:pPr marL="0" indent="0">
-              <a:buNone/>
-            </a:pPr>
-            <a:endParaRPr lang="en-US" sz="3200" dirty="0"/>
-          </a:p>
-          <a:p>
-            <a:r>
-              <a:rPr lang="en-US" sz="3200" dirty="0"/>
-              <a:t>692 Functions (as of 26/2/2021) – v2.1.28</a:t>
-            </a:r>
-          </a:p>
-          <a:p>
-            <a:r>
-              <a:rPr lang="en-US" sz="3200" dirty="0"/>
-              <a:t>700+ Pester tests</a:t>
-            </a:r>
-          </a:p>
-          <a:p>
-            <a:endParaRPr lang="en-US" sz="3200" dirty="0"/>
-          </a:p>
-          <a:p>
-            <a:r>
-              <a:rPr lang="en-US" sz="3200" dirty="0"/>
-              <a:t>Learn </a:t>
-            </a:r>
-            <a:r>
-              <a:rPr lang="en-US" sz="3200" dirty="0" err="1"/>
-              <a:t>dbatools</a:t>
-            </a:r>
-            <a:r>
-              <a:rPr lang="en-US" sz="3200" dirty="0"/>
-              <a:t> in a Month of Lunches</a:t>
-            </a:r>
-          </a:p>
-        </p:txBody>
-      </p:sp>
-      <p:pic>
-        <p:nvPicPr>
-          <p:cNvPr id="5" name="Picture 2">
-            <a:extLst>
-              <a:ext uri="{FF2B5EF4-FFF2-40B4-BE49-F238E27FC236}">
-                <a16:creationId xmlns:a16="http://schemas.microsoft.com/office/drawing/2014/main" id="{72CAC2B5-FF16-DBC2-B492-E7217FEB4880}"/>
-              </a:ext>
-            </a:extLst>
-          </p:cNvPr>
-          <p:cNvPicPr>
-            <a:picLocks noChangeAspect="1" noChangeArrowheads="1"/>
-          </p:cNvPicPr>
-          <p:nvPr/>
-        </p:nvPicPr>
-        <p:blipFill>
-          <a:blip r:embed="rId3">
-            <a:extLst>
-              <a:ext uri="{28A0092B-C50C-407E-A947-70E740481C1C}">
-                <a14:useLocalDpi xmlns:a14="http://schemas.microsoft.com/office/drawing/2010/main" val="0"/>
-              </a:ext>
-            </a:extLst>
-          </a:blip>
-          <a:srcRect/>
-          <a:stretch>
-            <a:fillRect/>
-          </a:stretch>
-        </p:blipFill>
-        <p:spPr bwMode="auto">
-          <a:xfrm>
-            <a:off x="9395086" y="2870133"/>
-            <a:ext cx="2639598" cy="3306830"/>
-          </a:xfrm>
-          <a:prstGeom prst="rect">
-            <a:avLst/>
-          </a:prstGeom>
-          <a:noFill/>
-          <a:extLst>
-            <a:ext uri="{909E8E84-426E-40DD-AFC4-6F175D3DCCD1}">
-              <a14:hiddenFill xmlns:a14="http://schemas.microsoft.com/office/drawing/2010/main">
-                <a:solidFill>
-                  <a:srgbClr val="FFFFFF"/>
-                </a:solidFill>
-              </a14:hiddenFill>
-            </a:ext>
-          </a:extLst>
-        </p:spPr>
-      </p:pic>
-    </p:spTree>
-    <p:extLst>
-      <p:ext uri="{BB962C8B-B14F-4D97-AF65-F5344CB8AC3E}">
-        <p14:creationId xmlns:p14="http://schemas.microsoft.com/office/powerpoint/2010/main" val="801098981"/>
-      </p:ext>
-    </p:extLst>
-  </p:cSld>
-  <p:clrMapOvr>
-    <a:masterClrMapping/>
-  </p:clrMapOvr>
-</p:sld>
-</file>
-
-<file path=ppt/slides/slide6.xml><?xml version="1.0" encoding="utf-8"?>
-<p:sld xmlns:a="http://schemas.openxmlformats.org/drawingml/2006/main" xmlns:r="http://schemas.openxmlformats.org/officeDocument/2006/relationships" xmlns:p="http://schemas.openxmlformats.org/presentationml/2006/main">
-  <p:cSld>
-    <p:spTree>
-      <p:nvGrpSpPr>
-        <p:cNvPr id="1" name=""/>
-        <p:cNvGrpSpPr/>
-        <p:nvPr/>
-      </p:nvGrpSpPr>
-      <p:grpSpPr>
-        <a:xfrm>
-          <a:off x="0" y="0"/>
-          <a:ext cx="0" cy="0"/>
-          <a:chOff x="0" y="0"/>
-          <a:chExt cx="0" cy="0"/>
-        </a:xfrm>
-      </p:grpSpPr>
-      <p:sp>
-        <p:nvSpPr>
-          <p:cNvPr id="2" name="Title 1">
-            <a:extLst>
-              <a:ext uri="{FF2B5EF4-FFF2-40B4-BE49-F238E27FC236}">
-                <a16:creationId xmlns:a16="http://schemas.microsoft.com/office/drawing/2014/main" id="{8D422263-0412-436C-BE7A-EF75789E4BDD}"/>
-              </a:ext>
-            </a:extLst>
-          </p:cNvPr>
-          <p:cNvSpPr>
-            <a:spLocks noGrp="1"/>
-          </p:cNvSpPr>
-          <p:nvPr>
-            <p:ph type="title"/>
-          </p:nvPr>
-        </p:nvSpPr>
-        <p:spPr/>
-        <p:txBody>
-          <a:bodyPr/>
-          <a:lstStyle/>
-          <a:p>
-            <a:r>
-              <a:rPr lang="en-US"/>
-              <a:t>Demo Time</a:t>
-            </a:r>
-          </a:p>
-        </p:txBody>
-      </p:sp>
-      <p:sp>
-        <p:nvSpPr>
-          <p:cNvPr id="3" name="Content Placeholder 2">
-            <a:extLst>
-              <a:ext uri="{FF2B5EF4-FFF2-40B4-BE49-F238E27FC236}">
-                <a16:creationId xmlns:a16="http://schemas.microsoft.com/office/drawing/2014/main" id="{373F1335-4328-4E58-94A0-BDBC5F307700}"/>
-              </a:ext>
-            </a:extLst>
-          </p:cNvPr>
-          <p:cNvSpPr>
-            <a:spLocks noGrp="1"/>
-          </p:cNvSpPr>
-          <p:nvPr>
-            <p:ph idx="1"/>
-          </p:nvPr>
-        </p:nvSpPr>
-        <p:spPr/>
-        <p:txBody>
-          <a:bodyPr/>
-          <a:lstStyle/>
-          <a:p>
-            <a:pPr marL="0" indent="0">
-              <a:buNone/>
-            </a:pPr>
-            <a:r>
-              <a:rPr lang="en-US" dirty="0"/>
-              <a:t>Demo Files available here:</a:t>
-            </a:r>
-          </a:p>
-          <a:p>
-            <a:pPr marL="0" indent="0">
-              <a:buNone/>
-            </a:pPr>
-            <a:r>
-              <a:rPr lang="en-US" dirty="0">
-                <a:hlinkClick r:id="rId3"/>
-              </a:rPr>
-              <a:t>https://github.com/jpomfret/dbatoolsLifehacks</a:t>
-            </a:r>
-            <a:endParaRPr lang="en-US" dirty="0"/>
-          </a:p>
-          <a:p>
-            <a:pPr marL="0" indent="0">
-              <a:buNone/>
-            </a:pPr>
-            <a:endParaRPr lang="en-US" dirty="0"/>
-          </a:p>
-        </p:txBody>
-      </p:sp>
-    </p:spTree>
-    <p:extLst>
-      <p:ext uri="{BB962C8B-B14F-4D97-AF65-F5344CB8AC3E}">
-        <p14:creationId xmlns:p14="http://schemas.microsoft.com/office/powerpoint/2010/main" val="1710610017"/>
-      </p:ext>
-    </p:extLst>
-  </p:cSld>
-  <p:clrMapOvr>
-    <a:masterClrMapping/>
-  </p:clrMapOvr>
-</p:sld>
-</file>
-
-<file path=ppt/slides/slide7.xml><?xml version="1.0" encoding="utf-8"?>
-<p:sld xmlns:a="http://schemas.openxmlformats.org/drawingml/2006/main" xmlns:r="http://schemas.openxmlformats.org/officeDocument/2006/relationships" xmlns:p="http://schemas.openxmlformats.org/presentationml/2006/main">
-  <p:cSld>
-    <p:spTree>
-      <p:nvGrpSpPr>
-        <p:cNvPr id="1" name=""/>
-        <p:cNvGrpSpPr/>
-        <p:nvPr/>
-      </p:nvGrpSpPr>
-      <p:grpSpPr>
-        <a:xfrm>
-          <a:off x="0" y="0"/>
-          <a:ext cx="0" cy="0"/>
-          <a:chOff x="0" y="0"/>
-          <a:chExt cx="0" cy="0"/>
-        </a:xfrm>
-      </p:grpSpPr>
-      <p:sp>
-        <p:nvSpPr>
-          <p:cNvPr id="2" name="Title 1">
-            <a:extLst>
-              <a:ext uri="{FF2B5EF4-FFF2-40B4-BE49-F238E27FC236}">
-                <a16:creationId xmlns:a16="http://schemas.microsoft.com/office/drawing/2014/main" id="{4867FBAA-F213-4F01-B509-33CC7B3B7F47}"/>
-              </a:ext>
-            </a:extLst>
-          </p:cNvPr>
-          <p:cNvSpPr>
-            <a:spLocks noGrp="1"/>
-          </p:cNvSpPr>
-          <p:nvPr>
-            <p:ph type="title"/>
-          </p:nvPr>
-        </p:nvSpPr>
-        <p:spPr/>
-        <p:txBody>
-          <a:bodyPr/>
-          <a:lstStyle/>
-          <a:p>
-            <a:r>
-              <a:rPr lang="en-US"/>
-              <a:t>Resources	</a:t>
-            </a:r>
-          </a:p>
-        </p:txBody>
-      </p:sp>
-      <p:sp>
-        <p:nvSpPr>
-          <p:cNvPr id="3" name="Content Placeholder 2">
-            <a:extLst>
-              <a:ext uri="{FF2B5EF4-FFF2-40B4-BE49-F238E27FC236}">
-                <a16:creationId xmlns:a16="http://schemas.microsoft.com/office/drawing/2014/main" id="{0C9CA7B6-1C31-40D6-8E2D-0F9CB3BD43E4}"/>
-              </a:ext>
-            </a:extLst>
-          </p:cNvPr>
-          <p:cNvSpPr>
-            <a:spLocks noGrp="1"/>
-          </p:cNvSpPr>
-          <p:nvPr>
-            <p:ph idx="1"/>
-          </p:nvPr>
-        </p:nvSpPr>
-        <p:spPr/>
-        <p:txBody>
-          <a:bodyPr>
-            <a:normAutofit fontScale="92500" lnSpcReduction="20000"/>
-          </a:bodyPr>
-          <a:lstStyle/>
-          <a:p>
-            <a:r>
-              <a:rPr lang="en-US" err="1"/>
-              <a:t>dbatools</a:t>
-            </a:r>
-            <a:r>
-              <a:rPr lang="en-US"/>
-              <a:t> Blog</a:t>
-            </a:r>
-          </a:p>
-          <a:p>
-            <a:pPr marL="457200" lvl="1" indent="0">
-              <a:buNone/>
-            </a:pPr>
-            <a:r>
-              <a:rPr lang="en-US">
-                <a:hlinkClick r:id="rId2"/>
-              </a:rPr>
-              <a:t>https://dbatools.io/meap/</a:t>
-            </a:r>
-            <a:endParaRPr lang="en-US"/>
-          </a:p>
-          <a:p>
-            <a:pPr marL="457200" lvl="1" indent="0">
-              <a:buNone/>
-            </a:pPr>
-            <a:r>
-              <a:rPr lang="en-US">
-                <a:hlinkClick r:id="rId3"/>
-              </a:rPr>
-              <a:t>https://dbatools.io/secure/</a:t>
-            </a:r>
-            <a:endParaRPr lang="en-US"/>
-          </a:p>
-          <a:p>
-            <a:endParaRPr lang="en-US"/>
-          </a:p>
-          <a:p>
-            <a:r>
-              <a:rPr lang="en-US"/>
-              <a:t>Docs</a:t>
-            </a:r>
-          </a:p>
-          <a:p>
-            <a:pPr marL="457200" lvl="1" indent="0">
-              <a:buNone/>
-            </a:pPr>
-            <a:r>
-              <a:rPr lang="en-US">
-                <a:hlinkClick r:id="rId4"/>
-              </a:rPr>
-              <a:t>https://docs.dbatools.io/</a:t>
-            </a:r>
-            <a:endParaRPr lang="en-US"/>
-          </a:p>
-          <a:p>
-            <a:pPr marL="457200" lvl="1" indent="0">
-              <a:buNone/>
-            </a:pPr>
-            <a:r>
-              <a:rPr lang="en-US">
-                <a:hlinkClick r:id="rId5"/>
-              </a:rPr>
-              <a:t>https://dbatools.io/build</a:t>
-            </a:r>
-            <a:endParaRPr lang="en-US"/>
-          </a:p>
-          <a:p>
-            <a:pPr marL="457200" lvl="1" indent="0">
-              <a:buNone/>
-            </a:pPr>
-            <a:endParaRPr lang="en-US"/>
-          </a:p>
-          <a:p>
-            <a:r>
-              <a:rPr lang="en-US"/>
-              <a:t>Other</a:t>
-            </a:r>
-          </a:p>
-          <a:p>
-            <a:pPr marL="457200" lvl="1" indent="0">
-              <a:buNone/>
-            </a:pPr>
-            <a:r>
-              <a:rPr lang="en-US">
-                <a:hlinkClick r:id="rId6"/>
-              </a:rPr>
-              <a:t>https://dbatools.io/github</a:t>
-            </a:r>
-            <a:endParaRPr lang="en-US"/>
-          </a:p>
-          <a:p>
-            <a:pPr marL="457200" lvl="1" indent="0">
-              <a:buNone/>
-            </a:pPr>
-            <a:r>
-              <a:rPr lang="en-US">
-                <a:hlinkClick r:id="rId7"/>
-              </a:rPr>
-              <a:t>https://dbatools.io/slack/</a:t>
-            </a:r>
-            <a:endParaRPr lang="en-US"/>
-          </a:p>
-          <a:p>
-            <a:pPr marL="457200" lvl="1" indent="0">
-              <a:buNone/>
-            </a:pPr>
-            <a:r>
-              <a:rPr lang="en-US">
-                <a:hlinkClick r:id="rId8"/>
-              </a:rPr>
-              <a:t>http://dbatools.io/twitter</a:t>
-            </a:r>
-            <a:r>
-              <a:rPr lang="en-US"/>
-              <a:t> - @</a:t>
-            </a:r>
-            <a:r>
-              <a:rPr lang="en-US" err="1"/>
-              <a:t>psdbatools</a:t>
-            </a:r>
-            <a:endParaRPr lang="en-US"/>
-          </a:p>
-        </p:txBody>
-      </p:sp>
-    </p:spTree>
-    <p:extLst>
-      <p:ext uri="{BB962C8B-B14F-4D97-AF65-F5344CB8AC3E}">
-        <p14:creationId xmlns:p14="http://schemas.microsoft.com/office/powerpoint/2010/main" val="2378380410"/>
-      </p:ext>
-    </p:extLst>
-  </p:cSld>
-  <p:clrMapOvr>
-    <a:masterClrMapping/>
-  </p:clrMapOvr>
-</p:sld>
-</file>
-
-<file path=ppt/slides/slide8.xml><?xml version="1.0" encoding="utf-8"?>
-<p:sld xmlns:a="http://schemas.openxmlformats.org/drawingml/2006/main" xmlns:r="http://schemas.openxmlformats.org/officeDocument/2006/relationships" xmlns:p="http://schemas.openxmlformats.org/presentationml/2006/main">
-  <p:cSld>
-    <p:spTree>
-      <p:nvGrpSpPr>
-        <p:cNvPr id="1" name="">
-          <a:extLst>
-            <a:ext uri="{FF2B5EF4-FFF2-40B4-BE49-F238E27FC236}">
-              <a16:creationId xmlns:a16="http://schemas.microsoft.com/office/drawing/2014/main" id="{4CC9ACEE-D10C-0952-C392-3DA5431A0773}"/>
-            </a:ext>
-          </a:extLst>
-        </p:cNvPr>
-        <p:cNvGrpSpPr/>
-        <p:nvPr/>
-      </p:nvGrpSpPr>
-      <p:grpSpPr>
-        <a:xfrm>
-          <a:off x="0" y="0"/>
-          <a:ext cx="0" cy="0"/>
-          <a:chOff x="0" y="0"/>
-          <a:chExt cx="0" cy="0"/>
-        </a:xfrm>
-      </p:grpSpPr>
-      <p:sp>
-        <p:nvSpPr>
-          <p:cNvPr id="2" name="Title 1">
-            <a:extLst>
-              <a:ext uri="{FF2B5EF4-FFF2-40B4-BE49-F238E27FC236}">
-                <a16:creationId xmlns:a16="http://schemas.microsoft.com/office/drawing/2014/main" id="{E37BF666-52C5-CAEB-9B08-C918B761295C}"/>
-              </a:ext>
-            </a:extLst>
-          </p:cNvPr>
-          <p:cNvSpPr>
-            <a:spLocks noGrp="1"/>
-          </p:cNvSpPr>
-          <p:nvPr>
-            <p:ph type="title"/>
-          </p:nvPr>
-        </p:nvSpPr>
-        <p:spPr/>
-        <p:txBody>
-          <a:bodyPr/>
-          <a:lstStyle/>
-          <a:p>
-            <a:r>
-              <a:rPr lang="en-US" dirty="0"/>
-              <a:t>Questions?	</a:t>
-            </a:r>
-          </a:p>
-        </p:txBody>
-      </p:sp>
-      <p:sp>
-        <p:nvSpPr>
-          <p:cNvPr id="3" name="Content Placeholder 2">
-            <a:extLst>
-              <a:ext uri="{FF2B5EF4-FFF2-40B4-BE49-F238E27FC236}">
-                <a16:creationId xmlns:a16="http://schemas.microsoft.com/office/drawing/2014/main" id="{45FB06DA-B970-8F56-40E3-EAB14B75A3B3}"/>
-              </a:ext>
-            </a:extLst>
-          </p:cNvPr>
-          <p:cNvSpPr>
-            <a:spLocks noGrp="1"/>
-          </p:cNvSpPr>
-          <p:nvPr>
-            <p:ph idx="1"/>
-          </p:nvPr>
-        </p:nvSpPr>
-        <p:spPr/>
-        <p:txBody>
-          <a:bodyPr>
-            <a:normAutofit/>
-          </a:bodyPr>
-          <a:lstStyle/>
-          <a:p>
-            <a:r>
-              <a:rPr lang="en-US" dirty="0"/>
-              <a:t>Jess Pomfret</a:t>
-            </a:r>
-          </a:p>
-          <a:p>
-            <a:endParaRPr lang="en-US" b="1" dirty="0"/>
-          </a:p>
-          <a:p>
-            <a:r>
-              <a:rPr lang="en-US" dirty="0">
-                <a:hlinkClick r:id="rId2"/>
-              </a:rPr>
-              <a:t>jpomfret7@gmail.com</a:t>
-            </a:r>
-            <a:endParaRPr lang="en-US" dirty="0"/>
-          </a:p>
-          <a:p>
-            <a:r>
-              <a:rPr lang="en-US" dirty="0"/>
-              <a:t>jesspomfret.com</a:t>
-            </a:r>
-          </a:p>
-          <a:p>
-            <a:r>
-              <a:rPr lang="en-US" dirty="0"/>
-              <a:t>jpomfret.co.uk</a:t>
-            </a:r>
-          </a:p>
-          <a:p>
-            <a:r>
-              <a:rPr lang="en-US" dirty="0"/>
-              <a:t>github.com\</a:t>
-            </a:r>
-            <a:r>
-              <a:rPr lang="en-US" dirty="0" err="1"/>
-              <a:t>jpomfret</a:t>
-            </a:r>
-            <a:endParaRPr lang="en-US" dirty="0"/>
-          </a:p>
-          <a:p>
-            <a:endParaRPr lang="en-US" b="1" dirty="0"/>
-          </a:p>
-          <a:p>
-            <a:pPr marL="0" indent="0">
-              <a:buNone/>
-            </a:pPr>
-            <a:endParaRPr lang="en-US" b="1" dirty="0"/>
-          </a:p>
-          <a:p>
-            <a:endParaRPr lang="en-US" dirty="0"/>
-          </a:p>
-        </p:txBody>
-      </p:sp>
-    </p:spTree>
-    <p:extLst>
-      <p:ext uri="{BB962C8B-B14F-4D97-AF65-F5344CB8AC3E}">
-        <p14:creationId xmlns:p14="http://schemas.microsoft.com/office/powerpoint/2010/main" val="3832485656"/>
+        <p14:creationId xmlns:p14="http://schemas.microsoft.com/office/powerpoint/2010/main" val="2428585036"/>
       </p:ext>
     </p:extLst>
   </p:cSld>

--- a/dbatools-MorningChecks.pptx
+++ b/dbatools-MorningChecks.pptx
@@ -2757,7 +2757,7 @@
           <a:p>
             <a:fld id="{1F8C9BAC-5605-4961-A752-FD19D2B395B1}" type="datetimeFigureOut">
               <a:rPr lang="en-US" smtClean="0"/>
-              <a:t>6/1/2025</a:t>
+              <a:t>6/5/2025</a:t>
             </a:fld>
             <a:endParaRPr lang="en-US"/>
           </a:p>
@@ -5721,7 +5721,7 @@
           <a:p>
             <a:fld id="{6F7AEB39-490D-4470-BB4F-F7E09AA2B520}" type="datetimeFigureOut">
               <a:rPr lang="en-US" smtClean="0"/>
-              <a:t>6/1/2025</a:t>
+              <a:t>6/5/2025</a:t>
             </a:fld>
             <a:endParaRPr lang="en-US"/>
           </a:p>
@@ -6265,7 +6265,7 @@
           <a:p>
             <a:fld id="{6F7AEB39-490D-4470-BB4F-F7E09AA2B520}" type="datetimeFigureOut">
               <a:rPr lang="en-US" smtClean="0"/>
-              <a:t>6/1/2025</a:t>
+              <a:t>6/5/2025</a:t>
             </a:fld>
             <a:endParaRPr lang="en-US"/>
           </a:p>
